--- a/MUG - Diseñando Aplicaciones Testeables.pptx
+++ b/MUG - Diseñando Aplicaciones Testeables.pptx
@@ -359,7 +359,7 @@
           <a:p>
             <a:fld id="{ADC38450-C1FA-8643-88B1-0782D94A79AF}" type="datetimeFigureOut">
               <a:rPr lang="es-ES_tradnl" smtClean="0"/>
-              <a:t>24/09/2017</a:t>
+              <a:t>25/09/2017</a:t>
             </a:fld>
             <a:endParaRPr lang="es-ES_tradnl"/>
           </a:p>
@@ -8042,7 +8042,7 @@
           <a:graphicData uri="http://schemas.openxmlformats.org/presentationml/2006/ole">
             <mc:AlternateContent xmlns:mc="http://schemas.openxmlformats.org/markup-compatibility/2006">
               <mc:Choice xmlns:v="urn:schemas-microsoft-com:vml" Requires="v">
-                <p:oleObj spid="_x0000_s3290" name="Image" r:id="rId4" imgW="2920320" imgH="2856960" progId="Photoshop.Image.16">
+                <p:oleObj spid="_x0000_s3359" name="Image" r:id="rId4" imgW="2920320" imgH="2856960" progId="Photoshop.Image.16">
                   <p:embed/>
                 </p:oleObj>
               </mc:Choice>
@@ -8095,7 +8095,7 @@
           <a:graphicData uri="http://schemas.openxmlformats.org/presentationml/2006/ole">
             <mc:AlternateContent xmlns:mc="http://schemas.openxmlformats.org/markup-compatibility/2006">
               <mc:Choice xmlns:v="urn:schemas-microsoft-com:vml" Requires="v">
-                <p:oleObj spid="_x0000_s3291" name="Image" r:id="rId6" imgW="2920320" imgH="2856960" progId="Photoshop.Image.16">
+                <p:oleObj spid="_x0000_s3360" name="Image" r:id="rId6" imgW="2920320" imgH="2856960" progId="Photoshop.Image.16">
                   <p:embed/>
                 </p:oleObj>
               </mc:Choice>
@@ -8152,7 +8152,7 @@
           <a:graphicData uri="http://schemas.openxmlformats.org/presentationml/2006/ole">
             <mc:AlternateContent xmlns:mc="http://schemas.openxmlformats.org/markup-compatibility/2006">
               <mc:Choice xmlns:v="urn:schemas-microsoft-com:vml" Requires="v">
-                <p:oleObj spid="_x0000_s3292" name="Image" r:id="rId8" imgW="2920320" imgH="2856960" progId="Photoshop.Image.16">
+                <p:oleObj spid="_x0000_s3361" name="Image" r:id="rId8" imgW="2920320" imgH="2856960" progId="Photoshop.Image.16">
                   <p:embed/>
                 </p:oleObj>
               </mc:Choice>
@@ -13295,18 +13295,9 @@
           <a:lstStyle/>
           <a:p>
             <a:pPr defTabSz="914363">
-              <a:lnSpc>
-                <a:spcPct val="90000"/>
-              </a:lnSpc>
               <a:spcAft>
                 <a:spcPts val="400"/>
               </a:spcAft>
-              <a:buClr>
-                <a:schemeClr val="tx1">
-                  <a:lumMod val="75000"/>
-                  <a:lumOff val="25000"/>
-                </a:schemeClr>
-              </a:buClr>
               <a:buSzPct val="100000"/>
             </a:pPr>
             <a:r>
@@ -13320,18 +13311,9 @@
           </a:p>
           <a:p>
             <a:pPr defTabSz="914363">
-              <a:lnSpc>
-                <a:spcPct val="90000"/>
-              </a:lnSpc>
               <a:spcAft>
                 <a:spcPts val="400"/>
               </a:spcAft>
-              <a:buClr>
-                <a:schemeClr val="tx1">
-                  <a:lumMod val="75000"/>
-                  <a:lumOff val="25000"/>
-                </a:schemeClr>
-              </a:buClr>
               <a:buSzPct val="100000"/>
             </a:pPr>
             <a:r>
@@ -13382,18 +13364,9 @@
           </a:p>
           <a:p>
             <a:pPr defTabSz="914363">
-              <a:lnSpc>
-                <a:spcPct val="90000"/>
-              </a:lnSpc>
               <a:spcAft>
                 <a:spcPts val="400"/>
               </a:spcAft>
-              <a:buClr>
-                <a:schemeClr val="tx1">
-                  <a:lumMod val="75000"/>
-                  <a:lumOff val="25000"/>
-                </a:schemeClr>
-              </a:buClr>
               <a:buSzPct val="100000"/>
             </a:pPr>
             <a:r>
@@ -13415,18 +13388,9 @@
           </a:p>
           <a:p>
             <a:pPr defTabSz="914363">
-              <a:lnSpc>
-                <a:spcPct val="90000"/>
-              </a:lnSpc>
               <a:spcAft>
                 <a:spcPts val="400"/>
               </a:spcAft>
-              <a:buClr>
-                <a:schemeClr val="tx1">
-                  <a:lumMod val="75000"/>
-                  <a:lumOff val="25000"/>
-                </a:schemeClr>
-              </a:buClr>
               <a:buSzPct val="100000"/>
             </a:pPr>
             <a:endParaRPr lang="es-AR" altLang="es-AR" dirty="0">
@@ -13437,18 +13401,9 @@
           </a:p>
           <a:p>
             <a:pPr defTabSz="914363">
-              <a:lnSpc>
-                <a:spcPct val="90000"/>
-              </a:lnSpc>
               <a:spcAft>
                 <a:spcPts val="400"/>
               </a:spcAft>
-              <a:buClr>
-                <a:schemeClr val="tx1">
-                  <a:lumMod val="75000"/>
-                  <a:lumOff val="25000"/>
-                </a:schemeClr>
-              </a:buClr>
               <a:buSzPct val="100000"/>
             </a:pPr>
             <a:r>
@@ -13476,18 +13431,9 @@
           </a:p>
           <a:p>
             <a:pPr defTabSz="914363">
-              <a:lnSpc>
-                <a:spcPct val="90000"/>
-              </a:lnSpc>
               <a:spcAft>
                 <a:spcPts val="400"/>
               </a:spcAft>
-              <a:buClr>
-                <a:schemeClr val="tx1">
-                  <a:lumMod val="75000"/>
-                  <a:lumOff val="25000"/>
-                </a:schemeClr>
-              </a:buClr>
               <a:buSzPct val="100000"/>
             </a:pPr>
             <a:r>
@@ -13507,18 +13453,9 @@
           </a:p>
           <a:p>
             <a:pPr defTabSz="914363">
-              <a:lnSpc>
-                <a:spcPct val="90000"/>
-              </a:lnSpc>
               <a:spcAft>
                 <a:spcPts val="400"/>
               </a:spcAft>
-              <a:buClr>
-                <a:schemeClr val="tx1">
-                  <a:lumMod val="75000"/>
-                  <a:lumOff val="25000"/>
-                </a:schemeClr>
-              </a:buClr>
               <a:buSzPct val="100000"/>
             </a:pPr>
             <a:r>
@@ -13556,18 +13493,9 @@
           </a:p>
           <a:p>
             <a:pPr defTabSz="914363">
-              <a:lnSpc>
-                <a:spcPct val="90000"/>
-              </a:lnSpc>
               <a:spcAft>
                 <a:spcPts val="400"/>
               </a:spcAft>
-              <a:buClr>
-                <a:schemeClr val="tx1">
-                  <a:lumMod val="75000"/>
-                  <a:lumOff val="25000"/>
-                </a:schemeClr>
-              </a:buClr>
               <a:buSzPct val="100000"/>
             </a:pPr>
             <a:endParaRPr lang="es-AR" altLang="es-AR" dirty="0">
@@ -13578,18 +13506,9 @@
           </a:p>
           <a:p>
             <a:pPr defTabSz="914363">
-              <a:lnSpc>
-                <a:spcPct val="90000"/>
-              </a:lnSpc>
               <a:spcAft>
                 <a:spcPts val="400"/>
               </a:spcAft>
-              <a:buClr>
-                <a:schemeClr val="tx1">
-                  <a:lumMod val="75000"/>
-                  <a:lumOff val="25000"/>
-                </a:schemeClr>
-              </a:buClr>
               <a:buSzPct val="100000"/>
             </a:pPr>
             <a:endParaRPr lang="es-AR" dirty="0">
@@ -13752,18 +13671,9 @@
           <a:lstStyle/>
           <a:p>
             <a:pPr lvl="0" defTabSz="914363">
-              <a:lnSpc>
-                <a:spcPct val="90000"/>
-              </a:lnSpc>
               <a:spcAft>
                 <a:spcPts val="400"/>
               </a:spcAft>
-              <a:buClr>
-                <a:schemeClr val="tx1">
-                  <a:lumMod val="75000"/>
-                  <a:lumOff val="25000"/>
-                </a:schemeClr>
-              </a:buClr>
               <a:buSzPct val="100000"/>
             </a:pPr>
             <a:r>
@@ -13805,18 +13715,9 @@
           </a:p>
           <a:p>
             <a:pPr lvl="0" defTabSz="914363">
-              <a:lnSpc>
-                <a:spcPct val="90000"/>
-              </a:lnSpc>
               <a:spcAft>
                 <a:spcPts val="400"/>
               </a:spcAft>
-              <a:buClr>
-                <a:schemeClr val="tx1">
-                  <a:lumMod val="75000"/>
-                  <a:lumOff val="25000"/>
-                </a:schemeClr>
-              </a:buClr>
               <a:buSzPct val="100000"/>
             </a:pPr>
             <a:r>
@@ -13846,18 +13747,9 @@
           </a:p>
           <a:p>
             <a:pPr lvl="0" defTabSz="914363">
-              <a:lnSpc>
-                <a:spcPct val="90000"/>
-              </a:lnSpc>
               <a:spcAft>
                 <a:spcPts val="400"/>
               </a:spcAft>
-              <a:buClr>
-                <a:schemeClr val="tx1">
-                  <a:lumMod val="75000"/>
-                  <a:lumOff val="25000"/>
-                </a:schemeClr>
-              </a:buClr>
               <a:buSzPct val="100000"/>
             </a:pPr>
             <a:endParaRPr lang="es-AR" dirty="0" smtClean="0">
@@ -13868,18 +13760,9 @@
           </a:p>
           <a:p>
             <a:pPr lvl="0" defTabSz="914363">
-              <a:lnSpc>
-                <a:spcPct val="90000"/>
-              </a:lnSpc>
               <a:spcAft>
                 <a:spcPts val="400"/>
               </a:spcAft>
-              <a:buClr>
-                <a:schemeClr val="tx1">
-                  <a:lumMod val="75000"/>
-                  <a:lumOff val="25000"/>
-                </a:schemeClr>
-              </a:buClr>
               <a:buSzPct val="100000"/>
             </a:pPr>
             <a:r>
@@ -13913,18 +13796,9 @@
           </a:p>
           <a:p>
             <a:pPr lvl="0" defTabSz="914363">
-              <a:lnSpc>
-                <a:spcPct val="90000"/>
-              </a:lnSpc>
               <a:spcAft>
                 <a:spcPts val="400"/>
               </a:spcAft>
-              <a:buClr>
-                <a:schemeClr val="tx1">
-                  <a:lumMod val="75000"/>
-                  <a:lumOff val="25000"/>
-                </a:schemeClr>
-              </a:buClr>
               <a:buSzPct val="100000"/>
             </a:pPr>
             <a:r>
@@ -14096,59 +13970,110 @@
             <p:ph type="body" sz="quarter" idx="12"/>
           </p:nvPr>
         </p:nvSpPr>
-        <p:spPr/>
+        <p:spPr>
+          <a:xfrm>
+            <a:off x="1169988" y="2063750"/>
+            <a:ext cx="8488362" cy="3638550"/>
+          </a:xfrm>
+        </p:spPr>
         <p:txBody>
           <a:bodyPr/>
           <a:lstStyle/>
           <a:p>
+            <a:pPr>
+              <a:spcAft>
+                <a:spcPts val="400"/>
+              </a:spcAft>
+            </a:pPr>
             <a:r>
               <a:rPr lang="es-AR" altLang="es-AR" dirty="0"/>
-              <a:t>¿Qué es un test?</a:t>
-            </a:r>
-          </a:p>
-          <a:p>
-            <a:pPr lvl="1"/>
-            <a:r>
-              <a:rPr lang="es-AR" altLang="es-AR" sz="2000" dirty="0"/>
-              <a:t>Es una prueba que compara el resultado esperado y el obtenido al ejecutar cierta funcionalidad de un sistema.</a:t>
-            </a:r>
-          </a:p>
-          <a:p>
-            <a:pPr lvl="1"/>
+              <a:t>¿Qué es un </a:t>
+            </a:r>
+            <a:r>
+              <a:rPr lang="es-AR" altLang="es-AR" dirty="0" smtClean="0"/>
+              <a:t>test?</a:t>
+            </a:r>
+          </a:p>
+          <a:p>
+            <a:pPr lvl="1">
+              <a:spcAft>
+                <a:spcPts val="400"/>
+              </a:spcAft>
+              <a:buFont typeface="Courier New" panose="02070309020205020404" pitchFamily="49" charset="0"/>
+              <a:buChar char="o"/>
+            </a:pPr>
+            <a:r>
+              <a:rPr lang="es-AR" altLang="es-AR" dirty="0" smtClean="0"/>
+              <a:t>Es </a:t>
+            </a:r>
+            <a:r>
+              <a:rPr lang="es-AR" altLang="es-AR" dirty="0"/>
+              <a:t>una prueba que compara el resultado esperado y el obtenido al ejecutar cierta funcionalidad de un sistema.</a:t>
+            </a:r>
+          </a:p>
+          <a:p>
+            <a:pPr lvl="1">
+              <a:spcAft>
+                <a:spcPts val="400"/>
+              </a:spcAft>
+            </a:pPr>
             <a:endParaRPr lang="es-AR" altLang="es-AR" sz="2000" dirty="0"/>
           </a:p>
           <a:p>
+            <a:pPr>
+              <a:spcAft>
+                <a:spcPts val="400"/>
+              </a:spcAft>
+            </a:pPr>
             <a:r>
               <a:rPr lang="es-AR" altLang="es-AR" dirty="0"/>
               <a:t>¿Qué es un test de desarrollador?</a:t>
             </a:r>
           </a:p>
           <a:p>
-            <a:pPr lvl="1"/>
-            <a:r>
-              <a:rPr lang="es-AR" altLang="es-AR" sz="2000" dirty="0"/>
+            <a:pPr lvl="1">
+              <a:spcAft>
+                <a:spcPts val="400"/>
+              </a:spcAft>
+              <a:buFont typeface="Courier New" panose="02070309020205020404" pitchFamily="49" charset="0"/>
+              <a:buChar char="o"/>
+            </a:pPr>
+            <a:r>
+              <a:rPr lang="es-AR" altLang="es-AR" dirty="0"/>
               <a:t>Código escrito por el desarrollador para testear que lo desarrollado genera los resultados esperados (caja blanca).</a:t>
             </a:r>
           </a:p>
           <a:p>
-            <a:pPr lvl="1"/>
-            <a:r>
-              <a:rPr lang="es-AR" altLang="es-AR" sz="2000" dirty="0"/>
+            <a:pPr lvl="1">
+              <a:spcAft>
+                <a:spcPts val="400"/>
+              </a:spcAft>
+              <a:buFont typeface="Courier New" panose="02070309020205020404" pitchFamily="49" charset="0"/>
+              <a:buChar char="o"/>
+            </a:pPr>
+            <a:r>
+              <a:rPr lang="es-AR" altLang="es-AR" dirty="0"/>
               <a:t>Es complementario a las pruebas funcionales, generalmente realizadas por un especialista en </a:t>
             </a:r>
             <a:r>
-              <a:rPr lang="es-AR" altLang="es-AR" sz="2000" dirty="0" err="1"/>
+              <a:rPr lang="es-AR" altLang="es-AR" dirty="0" err="1"/>
               <a:t>testing</a:t>
             </a:r>
             <a:r>
-              <a:rPr lang="es-AR" altLang="es-AR" sz="2000" dirty="0"/>
+              <a:rPr lang="es-AR" altLang="es-AR" dirty="0"/>
               <a:t> (caja negra).</a:t>
             </a:r>
           </a:p>
           <a:p>
-            <a:pPr lvl="1"/>
-            <a:r>
-              <a:rPr lang="es-AR" altLang="es-AR" sz="2000" dirty="0"/>
+            <a:pPr lvl="1">
+              <a:spcAft>
+                <a:spcPts val="400"/>
+              </a:spcAft>
+              <a:buFont typeface="Courier New" panose="02070309020205020404" pitchFamily="49" charset="0"/>
+              <a:buChar char="o"/>
+            </a:pPr>
+            <a:r>
+              <a:rPr lang="es-AR" altLang="es-AR" dirty="0"/>
               <a:t>Generalmente se ejecutan de forma automática mediante una herramienta.</a:t>
             </a:r>
           </a:p>
@@ -14267,23 +14192,44 @@
           <a:bodyPr/>
           <a:lstStyle/>
           <a:p>
+            <a:pPr>
+              <a:spcAft>
+                <a:spcPts val="400"/>
+              </a:spcAft>
+            </a:pPr>
             <a:r>
               <a:rPr lang="es-AR" altLang="es-AR" dirty="0"/>
               <a:t>¿Qué es un test unitario?</a:t>
             </a:r>
           </a:p>
           <a:p>
-            <a:pPr lvl="1"/>
+            <a:pPr lvl="1">
+              <a:spcAft>
+                <a:spcPts val="400"/>
+              </a:spcAft>
+              <a:buFont typeface="Courier New" panose="02070309020205020404" pitchFamily="49" charset="0"/>
+              <a:buChar char="o"/>
+            </a:pPr>
+            <a:r>
+              <a:rPr lang="es-AR" altLang="es-AR" dirty="0"/>
+              <a:t>Es un test que se realiza de forma unitaria, es decir, abstrayendo el objeto a testear de sus dependencias con otros componentes.</a:t>
+            </a:r>
+          </a:p>
+          <a:p>
+            <a:pPr lvl="1">
+              <a:spcAft>
+                <a:spcPts val="400"/>
+              </a:spcAft>
+              <a:buFont typeface="Courier New" panose="02070309020205020404" pitchFamily="49" charset="0"/>
+              <a:buChar char="o"/>
+            </a:pPr>
+            <a:r>
+              <a:rPr lang="es-AR" altLang="es-AR" dirty="0"/>
+              <a:t>Prueba el comportamiento del objeto a testear.</a:t>
+            </a:r>
             <a:r>
               <a:rPr lang="es-AR" altLang="es-AR" sz="2000" dirty="0"/>
-              <a:t>Es un test que se realiza de forma unitaria, es decir, abstrayendo el objeto a testear de sus dependencias con otros componentes.</a:t>
-            </a:r>
-          </a:p>
-          <a:p>
-            <a:pPr lvl="1"/>
-            <a:r>
-              <a:rPr lang="es-AR" altLang="es-AR" sz="2000" dirty="0"/>
-              <a:t>Prueba el comportamiento del objeto a testear.</a:t>
+              <a:t/>
             </a:r>
             <a:br>
               <a:rPr lang="es-AR" altLang="es-AR" sz="2000" dirty="0"/>
@@ -14291,6 +14237,11 @@
             <a:endParaRPr lang="es-AR" altLang="es-AR" sz="2000" dirty="0"/>
           </a:p>
           <a:p>
+            <a:pPr>
+              <a:spcAft>
+                <a:spcPts val="400"/>
+              </a:spcAft>
+            </a:pPr>
             <a:r>
               <a:rPr lang="en-GB" dirty="0" err="1"/>
               <a:t>Cómo</a:t>
@@ -14317,92 +14268,118 @@
             </a:r>
           </a:p>
           <a:p>
-            <a:pPr lvl="1"/>
-            <a:r>
-              <a:rPr lang="en-US" sz="2000" dirty="0"/>
+            <a:pPr lvl="1">
+              <a:spcAft>
+                <a:spcPts val="400"/>
+              </a:spcAft>
+              <a:buFont typeface="Courier New" panose="02070309020205020404" pitchFamily="49" charset="0"/>
+              <a:buChar char="o"/>
+            </a:pPr>
+            <a:r>
+              <a:rPr lang="en-US" dirty="0"/>
               <a:t>Setup de </a:t>
             </a:r>
             <a:r>
-              <a:rPr lang="en-US" sz="2000" dirty="0" err="1"/>
+              <a:rPr lang="en-US" dirty="0" err="1"/>
               <a:t>precondiciones</a:t>
             </a:r>
-            <a:endParaRPr lang="en-US" sz="2000" dirty="0"/>
-          </a:p>
-          <a:p>
-            <a:pPr lvl="1"/>
-            <a:r>
-              <a:rPr lang="en-US" sz="2000" dirty="0" err="1"/>
+            <a:endParaRPr lang="en-US" dirty="0"/>
+          </a:p>
+          <a:p>
+            <a:pPr lvl="1">
+              <a:spcAft>
+                <a:spcPts val="400"/>
+              </a:spcAft>
+              <a:buFont typeface="Courier New" panose="02070309020205020404" pitchFamily="49" charset="0"/>
+              <a:buChar char="o"/>
+            </a:pPr>
+            <a:r>
+              <a:rPr lang="en-US" dirty="0" err="1"/>
               <a:t>Ejecutar</a:t>
             </a:r>
             <a:r>
-              <a:rPr lang="en-US" sz="2000" dirty="0"/>
+              <a:rPr lang="en-US" dirty="0"/>
               <a:t> el </a:t>
             </a:r>
             <a:r>
-              <a:rPr lang="en-US" sz="2000" dirty="0" err="1"/>
+              <a:rPr lang="en-US" dirty="0" err="1"/>
               <a:t>código</a:t>
             </a:r>
             <a:r>
-              <a:rPr lang="en-US" sz="2000" dirty="0"/>
+              <a:rPr lang="en-US" dirty="0"/>
               <a:t> a </a:t>
             </a:r>
             <a:r>
-              <a:rPr lang="en-US" sz="2000" dirty="0" err="1"/>
+              <a:rPr lang="en-US" dirty="0" err="1"/>
               <a:t>testear</a:t>
             </a:r>
-            <a:endParaRPr lang="en-US" sz="2000" dirty="0"/>
-          </a:p>
-          <a:p>
-            <a:pPr lvl="1"/>
-            <a:r>
-              <a:rPr lang="en-US" sz="2000" dirty="0" err="1"/>
+            <a:endParaRPr lang="en-US" dirty="0"/>
+          </a:p>
+          <a:p>
+            <a:pPr lvl="1">
+              <a:spcAft>
+                <a:spcPts val="400"/>
+              </a:spcAft>
+              <a:buFont typeface="Courier New" panose="02070309020205020404" pitchFamily="49" charset="0"/>
+              <a:buChar char="o"/>
+            </a:pPr>
+            <a:r>
+              <a:rPr lang="en-US" dirty="0" err="1"/>
               <a:t>Realizar</a:t>
             </a:r>
             <a:r>
-              <a:rPr lang="en-US" sz="2000" dirty="0"/>
+              <a:rPr lang="en-US" dirty="0"/>
               <a:t> asserts </a:t>
             </a:r>
             <a:r>
-              <a:rPr lang="en-US" sz="2000" dirty="0" err="1"/>
+              <a:rPr lang="en-US" dirty="0" err="1"/>
               <a:t>sobre</a:t>
             </a:r>
             <a:r>
-              <a:rPr lang="en-US" sz="2000" dirty="0"/>
+              <a:rPr lang="en-US" dirty="0"/>
               <a:t> </a:t>
             </a:r>
             <a:r>
-              <a:rPr lang="en-US" sz="2000" dirty="0" err="1"/>
+              <a:rPr lang="en-US" dirty="0" err="1"/>
               <a:t>los</a:t>
             </a:r>
             <a:r>
-              <a:rPr lang="en-US" sz="2000" dirty="0"/>
+              <a:rPr lang="en-US" dirty="0"/>
               <a:t> </a:t>
             </a:r>
             <a:r>
-              <a:rPr lang="en-US" sz="2000" dirty="0" err="1"/>
+              <a:rPr lang="en-US" dirty="0" err="1"/>
               <a:t>resultados</a:t>
             </a:r>
             <a:r>
-              <a:rPr lang="en-US" sz="2000" dirty="0"/>
+              <a:rPr lang="en-US" dirty="0"/>
               <a:t> </a:t>
             </a:r>
             <a:r>
-              <a:rPr lang="en-US" sz="2000" dirty="0" err="1"/>
+              <a:rPr lang="en-US" dirty="0" err="1"/>
               <a:t>esperados</a:t>
             </a:r>
             <a:r>
-              <a:rPr lang="en-GB" sz="2000" dirty="0"/>
+              <a:rPr lang="en-GB" dirty="0"/>
               <a:t> </a:t>
             </a:r>
-            <a:endParaRPr lang="en-GB" sz="2000" i="1" dirty="0"/>
+            <a:endParaRPr lang="en-GB" i="1" dirty="0"/>
           </a:p>
           <a:p>
             <a:pPr marL="0" indent="0">
+              <a:spcAft>
+                <a:spcPts val="400"/>
+              </a:spcAft>
               <a:buNone/>
             </a:pPr>
             <a:endParaRPr lang="es-AR" altLang="es-AR" dirty="0"/>
           </a:p>
           <a:p>
+            <a:pPr>
+              <a:spcAft>
+                <a:spcPts val="400"/>
+              </a:spcAft>
+            </a:pPr>
             <a:endParaRPr lang="es-AR" altLang="es-AR" dirty="0"/>
           </a:p>
         </p:txBody>
@@ -14530,6 +14507,11 @@
           <a:bodyPr/>
           <a:lstStyle/>
           <a:p>
+            <a:pPr>
+              <a:spcAft>
+                <a:spcPts val="400"/>
+              </a:spcAft>
+            </a:pPr>
             <a:r>
               <a:rPr lang="en-US" dirty="0"/>
               <a:t> Un </a:t>
@@ -14552,309 +14534,352 @@
             </a:r>
           </a:p>
           <a:p>
-            <a:pPr lvl="1"/>
-            <a:r>
-              <a:rPr lang="en-US" sz="2000" dirty="0" err="1"/>
+            <a:pPr lvl="1">
+              <a:spcAft>
+                <a:spcPts val="400"/>
+              </a:spcAft>
+              <a:buFont typeface="Courier New" panose="02070309020205020404" pitchFamily="49" charset="0"/>
+              <a:buChar char="o"/>
+            </a:pPr>
+            <a:r>
+              <a:rPr lang="en-US" dirty="0" err="1"/>
               <a:t>Documenta</a:t>
             </a:r>
             <a:r>
-              <a:rPr lang="en-US" sz="2000" dirty="0"/>
+              <a:rPr lang="en-US" dirty="0"/>
               <a:t> el </a:t>
             </a:r>
             <a:r>
-              <a:rPr lang="en-US" sz="2000" dirty="0" err="1"/>
+              <a:rPr lang="en-US" dirty="0" err="1"/>
               <a:t>diseño</a:t>
             </a:r>
             <a:r>
-              <a:rPr lang="en-US" sz="2000" dirty="0"/>
+              <a:rPr lang="en-US" dirty="0"/>
               <a:t> de la </a:t>
             </a:r>
             <a:r>
-              <a:rPr lang="en-US" sz="2000" dirty="0" err="1"/>
+              <a:rPr lang="en-US" dirty="0" err="1"/>
               <a:t>aplicación</a:t>
             </a:r>
-            <a:endParaRPr lang="en-US" sz="2000" dirty="0"/>
-          </a:p>
-          <a:p>
-            <a:pPr lvl="1"/>
-            <a:r>
-              <a:rPr lang="en-US" sz="2000" dirty="0" err="1"/>
+            <a:endParaRPr lang="en-US" dirty="0"/>
+          </a:p>
+          <a:p>
+            <a:pPr lvl="1">
+              <a:spcAft>
+                <a:spcPts val="400"/>
+              </a:spcAft>
+              <a:buFont typeface="Courier New" panose="02070309020205020404" pitchFamily="49" charset="0"/>
+              <a:buChar char="o"/>
+            </a:pPr>
+            <a:r>
+              <a:rPr lang="en-US" dirty="0" err="1"/>
               <a:t>Tiene</a:t>
             </a:r>
             <a:r>
-              <a:rPr lang="en-US" sz="2000" dirty="0"/>
+              <a:rPr lang="en-US" dirty="0"/>
               <a:t> control total de </a:t>
             </a:r>
             <a:r>
-              <a:rPr lang="en-US" sz="2000" dirty="0" err="1"/>
+              <a:rPr lang="en-US" dirty="0" err="1"/>
               <a:t>todos</a:t>
             </a:r>
             <a:r>
-              <a:rPr lang="en-US" sz="2000" dirty="0"/>
+              <a:rPr lang="en-US" dirty="0"/>
               <a:t> </a:t>
             </a:r>
             <a:r>
-              <a:rPr lang="en-US" sz="2000" dirty="0" err="1"/>
+              <a:rPr lang="en-US" dirty="0" err="1"/>
               <a:t>los</a:t>
             </a:r>
             <a:r>
-              <a:rPr lang="en-US" sz="2000" dirty="0"/>
+              <a:rPr lang="en-US" dirty="0"/>
               <a:t> </a:t>
             </a:r>
             <a:r>
-              <a:rPr lang="en-US" sz="2000" dirty="0" err="1"/>
+              <a:rPr lang="en-US" dirty="0" err="1"/>
               <a:t>componentes</a:t>
             </a:r>
             <a:r>
-              <a:rPr lang="en-US" sz="2000" dirty="0"/>
+              <a:rPr lang="en-US" dirty="0"/>
               <a:t> </a:t>
             </a:r>
             <a:r>
-              <a:rPr lang="en-US" sz="2000" dirty="0" err="1"/>
+              <a:rPr lang="en-US" dirty="0" err="1"/>
               <a:t>en</a:t>
             </a:r>
             <a:r>
-              <a:rPr lang="en-US" sz="2000" dirty="0"/>
+              <a:rPr lang="en-US" dirty="0"/>
               <a:t> </a:t>
             </a:r>
             <a:r>
-              <a:rPr lang="en-US" sz="2000" dirty="0" err="1"/>
+              <a:rPr lang="en-US" dirty="0" err="1"/>
               <a:t>ejecución</a:t>
             </a:r>
-            <a:endParaRPr lang="en-US" sz="2000" dirty="0"/>
-          </a:p>
-          <a:p>
-            <a:pPr lvl="1"/>
-            <a:r>
-              <a:rPr lang="en-US" sz="2000" dirty="0" err="1"/>
+            <a:endParaRPr lang="en-US" dirty="0"/>
+          </a:p>
+          <a:p>
+            <a:pPr lvl="1">
+              <a:spcAft>
+                <a:spcPts val="400"/>
+              </a:spcAft>
+              <a:buFont typeface="Courier New" panose="02070309020205020404" pitchFamily="49" charset="0"/>
+              <a:buChar char="o"/>
+            </a:pPr>
+            <a:r>
+              <a:rPr lang="en-US" dirty="0" err="1"/>
               <a:t>Puede</a:t>
             </a:r>
             <a:r>
-              <a:rPr lang="en-US" sz="2000" dirty="0"/>
+              <a:rPr lang="en-US" dirty="0"/>
               <a:t> </a:t>
             </a:r>
             <a:r>
-              <a:rPr lang="en-US" sz="2000" dirty="0" err="1"/>
+              <a:rPr lang="en-US" dirty="0" err="1"/>
               <a:t>ejecutarse</a:t>
             </a:r>
             <a:r>
-              <a:rPr lang="en-US" sz="2000" dirty="0"/>
+              <a:rPr lang="en-US" dirty="0"/>
               <a:t> </a:t>
             </a:r>
             <a:r>
-              <a:rPr lang="en-US" sz="2000" dirty="0" err="1"/>
+              <a:rPr lang="en-US" dirty="0" err="1"/>
               <a:t>en</a:t>
             </a:r>
             <a:r>
-              <a:rPr lang="en-US" sz="2000" dirty="0"/>
+              <a:rPr lang="en-US" dirty="0"/>
               <a:t> </a:t>
             </a:r>
             <a:r>
-              <a:rPr lang="en-US" sz="2000" dirty="0" err="1"/>
+              <a:rPr lang="en-US" dirty="0" err="1"/>
               <a:t>cualquier</a:t>
             </a:r>
             <a:r>
-              <a:rPr lang="en-US" sz="2000" dirty="0"/>
+              <a:rPr lang="en-US" dirty="0"/>
               <a:t> </a:t>
             </a:r>
             <a:r>
-              <a:rPr lang="en-US" sz="2000" dirty="0" err="1"/>
+              <a:rPr lang="en-US" dirty="0" err="1"/>
               <a:t>orden</a:t>
             </a:r>
             <a:r>
-              <a:rPr lang="en-US" sz="2000" dirty="0"/>
+              <a:rPr lang="en-US" dirty="0"/>
               <a:t> </a:t>
             </a:r>
             <a:r>
-              <a:rPr lang="en-US" sz="2000" dirty="0" err="1"/>
+              <a:rPr lang="en-US" dirty="0" err="1"/>
               <a:t>si</a:t>
             </a:r>
             <a:r>
-              <a:rPr lang="en-US" sz="2000" dirty="0"/>
+              <a:rPr lang="en-US" dirty="0"/>
               <a:t> </a:t>
             </a:r>
             <a:r>
-              <a:rPr lang="en-US" sz="2000" dirty="0" err="1"/>
+              <a:rPr lang="en-US" dirty="0" err="1"/>
               <a:t>es</a:t>
             </a:r>
             <a:r>
-              <a:rPr lang="en-US" sz="2000" dirty="0"/>
+              <a:rPr lang="en-US" dirty="0"/>
               <a:t> parte de </a:t>
             </a:r>
             <a:r>
-              <a:rPr lang="en-US" sz="2000" dirty="0" err="1"/>
+              <a:rPr lang="en-US" dirty="0" err="1"/>
               <a:t>muchos</a:t>
             </a:r>
             <a:r>
-              <a:rPr lang="en-US" sz="2000" dirty="0"/>
+              <a:rPr lang="en-US" dirty="0"/>
               <a:t> </a:t>
             </a:r>
             <a:r>
-              <a:rPr lang="en-US" sz="2000" dirty="0" err="1"/>
+              <a:rPr lang="en-US" dirty="0" err="1"/>
               <a:t>otros</a:t>
             </a:r>
             <a:r>
-              <a:rPr lang="en-US" sz="2000" dirty="0"/>
+              <a:rPr lang="en-US" dirty="0"/>
               <a:t> tests</a:t>
             </a:r>
           </a:p>
           <a:p>
-            <a:pPr lvl="1"/>
-            <a:r>
-              <a:rPr lang="en-US" sz="2000" dirty="0" err="1"/>
+            <a:pPr lvl="1">
+              <a:spcAft>
+                <a:spcPts val="400"/>
+              </a:spcAft>
+              <a:buFont typeface="Courier New" panose="02070309020205020404" pitchFamily="49" charset="0"/>
+              <a:buChar char="o"/>
+            </a:pPr>
+            <a:r>
+              <a:rPr lang="en-US" dirty="0" err="1"/>
               <a:t>Retorna</a:t>
             </a:r>
             <a:r>
-              <a:rPr lang="en-US" sz="2000" dirty="0"/>
+              <a:rPr lang="en-US" dirty="0"/>
               <a:t> </a:t>
             </a:r>
             <a:r>
-              <a:rPr lang="en-US" sz="2000" dirty="0" err="1"/>
+              <a:rPr lang="en-US" dirty="0" err="1"/>
               <a:t>consistentemente</a:t>
             </a:r>
             <a:r>
-              <a:rPr lang="en-US" sz="2000" dirty="0"/>
+              <a:rPr lang="en-US" dirty="0"/>
               <a:t> el </a:t>
             </a:r>
             <a:r>
-              <a:rPr lang="en-US" sz="2000" dirty="0" err="1"/>
+              <a:rPr lang="en-US" dirty="0" err="1"/>
               <a:t>mismo</a:t>
             </a:r>
             <a:r>
-              <a:rPr lang="en-US" sz="2000" dirty="0"/>
+              <a:rPr lang="en-US" dirty="0"/>
               <a:t> </a:t>
             </a:r>
             <a:r>
-              <a:rPr lang="en-US" sz="2000" dirty="0" err="1"/>
+              <a:rPr lang="en-US" dirty="0" err="1"/>
               <a:t>resultado</a:t>
             </a:r>
-            <a:endParaRPr lang="en-US" sz="2000" dirty="0"/>
-          </a:p>
-          <a:p>
-            <a:pPr lvl="1"/>
-            <a:r>
-              <a:rPr lang="en-US" sz="2000" dirty="0" err="1"/>
+            <a:endParaRPr lang="en-US" dirty="0"/>
+          </a:p>
+          <a:p>
+            <a:pPr lvl="1">
+              <a:spcAft>
+                <a:spcPts val="400"/>
+              </a:spcAft>
+              <a:buFont typeface="Courier New" panose="02070309020205020404" pitchFamily="49" charset="0"/>
+              <a:buChar char="o"/>
+            </a:pPr>
+            <a:r>
+              <a:rPr lang="en-US" dirty="0" err="1"/>
               <a:t>Prueba</a:t>
             </a:r>
             <a:r>
-              <a:rPr lang="en-US" sz="2000" dirty="0"/>
+              <a:rPr lang="en-US" dirty="0"/>
               <a:t> un </a:t>
             </a:r>
             <a:r>
-              <a:rPr lang="en-US" sz="2000" dirty="0" err="1"/>
+              <a:rPr lang="en-US" dirty="0" err="1"/>
               <a:t>único</a:t>
             </a:r>
             <a:r>
-              <a:rPr lang="en-US" sz="2000" dirty="0"/>
+              <a:rPr lang="en-US" dirty="0"/>
               <a:t> </a:t>
             </a:r>
             <a:r>
-              <a:rPr lang="en-US" sz="2000" dirty="0" err="1"/>
+              <a:rPr lang="en-US" dirty="0" err="1"/>
               <a:t>concepto</a:t>
             </a:r>
             <a:r>
-              <a:rPr lang="en-US" sz="2000" dirty="0"/>
+              <a:rPr lang="en-US" dirty="0"/>
               <a:t> </a:t>
             </a:r>
             <a:r>
-              <a:rPr lang="en-US" sz="2000" dirty="0" err="1"/>
+              <a:rPr lang="en-US" dirty="0" err="1"/>
               <a:t>lógico</a:t>
             </a:r>
             <a:r>
-              <a:rPr lang="en-US" sz="2000" dirty="0"/>
+              <a:rPr lang="en-US" dirty="0"/>
               <a:t> </a:t>
             </a:r>
             <a:r>
-              <a:rPr lang="en-US" sz="2000" dirty="0" err="1"/>
+              <a:rPr lang="en-US" dirty="0" err="1"/>
               <a:t>en</a:t>
             </a:r>
             <a:r>
-              <a:rPr lang="en-US" sz="2000" dirty="0"/>
+              <a:rPr lang="en-US" dirty="0"/>
               <a:t> el </a:t>
             </a:r>
             <a:r>
-              <a:rPr lang="en-US" sz="2000" dirty="0" err="1"/>
+              <a:rPr lang="en-US" dirty="0" err="1"/>
               <a:t>sistema</a:t>
             </a:r>
-            <a:endParaRPr lang="en-US" sz="2000" dirty="0"/>
-          </a:p>
-          <a:p>
-            <a:pPr lvl="1"/>
-            <a:r>
-              <a:rPr lang="en-US" sz="2000" dirty="0" err="1"/>
+            <a:endParaRPr lang="en-US" dirty="0"/>
+          </a:p>
+          <a:p>
+            <a:pPr lvl="1">
+              <a:spcAft>
+                <a:spcPts val="400"/>
+              </a:spcAft>
+              <a:buFont typeface="Courier New" panose="02070309020205020404" pitchFamily="49" charset="0"/>
+              <a:buChar char="o"/>
+            </a:pPr>
+            <a:r>
+              <a:rPr lang="en-US" dirty="0" err="1"/>
               <a:t>Tiene</a:t>
             </a:r>
             <a:r>
-              <a:rPr lang="en-US" sz="2000" dirty="0"/>
+              <a:rPr lang="en-US" dirty="0"/>
               <a:t> un </a:t>
             </a:r>
             <a:r>
-              <a:rPr lang="en-US" sz="2000" dirty="0" err="1"/>
+              <a:rPr lang="en-US" dirty="0" err="1"/>
               <a:t>nombre</a:t>
             </a:r>
             <a:r>
-              <a:rPr lang="en-US" sz="2000" dirty="0"/>
+              <a:rPr lang="en-US" dirty="0"/>
               <a:t> </a:t>
             </a:r>
             <a:r>
-              <a:rPr lang="en-US" sz="2000" dirty="0" err="1"/>
+              <a:rPr lang="en-US" dirty="0" err="1"/>
               <a:t>claro</a:t>
             </a:r>
             <a:r>
-              <a:rPr lang="en-US" sz="2000" dirty="0"/>
+              <a:rPr lang="en-US" dirty="0"/>
               <a:t> y </a:t>
             </a:r>
             <a:r>
-              <a:rPr lang="en-US" sz="2000" dirty="0" err="1"/>
+              <a:rPr lang="en-US" dirty="0" err="1"/>
               <a:t>consistente</a:t>
             </a:r>
-            <a:endParaRPr lang="en-US" sz="2000" dirty="0"/>
-          </a:p>
-          <a:p>
-            <a:pPr lvl="1"/>
-            <a:r>
-              <a:rPr lang="en-US" sz="2000" dirty="0" err="1"/>
+            <a:endParaRPr lang="en-US" dirty="0"/>
+          </a:p>
+          <a:p>
+            <a:pPr lvl="1">
+              <a:spcAft>
+                <a:spcPts val="400"/>
+              </a:spcAft>
+              <a:buFont typeface="Courier New" panose="02070309020205020404" pitchFamily="49" charset="0"/>
+              <a:buChar char="o"/>
+            </a:pPr>
+            <a:r>
+              <a:rPr lang="en-US" dirty="0" err="1"/>
               <a:t>Es</a:t>
             </a:r>
             <a:r>
-              <a:rPr lang="en-US" sz="2000" dirty="0"/>
+              <a:rPr lang="en-US" dirty="0"/>
               <a:t> legible</a:t>
             </a:r>
           </a:p>
           <a:p>
-            <a:pPr lvl="1"/>
-            <a:r>
-              <a:rPr lang="en-US" sz="2000" dirty="0" err="1"/>
+            <a:pPr lvl="1">
+              <a:spcAft>
+                <a:spcPts val="400"/>
+              </a:spcAft>
+              <a:buFont typeface="Courier New" panose="02070309020205020404" pitchFamily="49" charset="0"/>
+              <a:buChar char="o"/>
+            </a:pPr>
+            <a:r>
+              <a:rPr lang="en-US" dirty="0" err="1"/>
               <a:t>Es</a:t>
             </a:r>
             <a:r>
-              <a:rPr lang="en-US" sz="2000" dirty="0"/>
+              <a:rPr lang="en-US" dirty="0"/>
               <a:t> </a:t>
             </a:r>
             <a:r>
-              <a:rPr lang="en-US" sz="2000" dirty="0" err="1"/>
+              <a:rPr lang="en-US" dirty="0" err="1"/>
               <a:t>mantenible</a:t>
             </a:r>
-            <a:endParaRPr lang="en-US" sz="2000" dirty="0"/>
-          </a:p>
-          <a:p>
+            <a:endParaRPr lang="en-US" dirty="0"/>
+          </a:p>
+          <a:p>
+            <a:pPr>
+              <a:spcAft>
+                <a:spcPts val="400"/>
+              </a:spcAft>
+            </a:pPr>
             <a:endParaRPr lang="es-AR" altLang="es-AR" dirty="0"/>
           </a:p>
           <a:p>
-            <a:pPr lvl="0" defTabSz="914363">
-              <a:lnSpc>
-                <a:spcPct val="90000"/>
-              </a:lnSpc>
+            <a:pPr>
               <a:spcAft>
                 <a:spcPts val="400"/>
               </a:spcAft>
-              <a:buClr>
-                <a:schemeClr val="tx1">
-                  <a:lumMod val="75000"/>
-                  <a:lumOff val="25000"/>
-                </a:schemeClr>
-              </a:buClr>
-              <a:buSzPct val="100000"/>
             </a:pPr>
             <a:endParaRPr lang="es-AR" dirty="0"/>
           </a:p>
@@ -14956,7 +14981,7 @@
         </p:nvSpPr>
         <p:spPr>
           <a:xfrm>
-            <a:off x="1169988" y="2190750"/>
+            <a:off x="915988" y="2063750"/>
             <a:ext cx="6841248" cy="3638550"/>
           </a:xfrm>
         </p:spPr>
@@ -14964,7 +14989,13 @@
           <a:bodyPr/>
           <a:lstStyle/>
           <a:p>
-            <a:pPr lvl="1"/>
+            <a:pPr lvl="1">
+              <a:spcAft>
+                <a:spcPts val="400"/>
+              </a:spcAft>
+              <a:buFont typeface="Arial" panose="020B0604020202020204" pitchFamily="34" charset="0"/>
+              <a:buChar char="•"/>
+            </a:pPr>
             <a:r>
               <a:rPr lang="en-GB" sz="2000" dirty="0"/>
               <a:t>Los tests de </a:t>
@@ -14979,288 +15010,312 @@
             </a:r>
           </a:p>
           <a:p>
-            <a:pPr lvl="2" indent="-285750"/>
-            <a:r>
-              <a:rPr lang="en-GB" sz="2000" dirty="0" err="1"/>
+            <a:pPr lvl="2">
+              <a:spcAft>
+                <a:spcPts val="400"/>
+              </a:spcAft>
+            </a:pPr>
+            <a:r>
+              <a:rPr lang="en-GB" sz="1800" dirty="0" err="1"/>
               <a:t>Testean</a:t>
             </a:r>
             <a:r>
-              <a:rPr lang="en-GB" sz="2000" dirty="0"/>
+              <a:rPr lang="en-GB" sz="1800" dirty="0"/>
               <a:t> la “</a:t>
             </a:r>
             <a:r>
-              <a:rPr lang="en-GB" sz="2000" dirty="0" err="1"/>
+              <a:rPr lang="en-GB" sz="1800" dirty="0" err="1"/>
               <a:t>integración</a:t>
             </a:r>
             <a:r>
-              <a:rPr lang="en-GB" sz="2000" dirty="0"/>
+              <a:rPr lang="en-GB" sz="1800" dirty="0"/>
               <a:t>” entre </a:t>
             </a:r>
             <a:r>
-              <a:rPr lang="en-GB" sz="2000" dirty="0" err="1"/>
+              <a:rPr lang="en-GB" sz="1800" dirty="0" err="1"/>
               <a:t>componentes</a:t>
             </a:r>
-            <a:endParaRPr lang="en-GB" sz="2000" dirty="0"/>
-          </a:p>
-          <a:p>
-            <a:pPr lvl="2" indent="-285750"/>
-            <a:r>
-              <a:rPr lang="en-GB" sz="2000" dirty="0"/>
+            <a:endParaRPr lang="en-GB" sz="1800" dirty="0"/>
+          </a:p>
+          <a:p>
+            <a:pPr lvl="2">
+              <a:spcAft>
+                <a:spcPts val="400"/>
+              </a:spcAft>
+            </a:pPr>
+            <a:r>
+              <a:rPr lang="en-GB" sz="1800" dirty="0"/>
               <a:t>Son </a:t>
             </a:r>
             <a:r>
-              <a:rPr lang="en-GB" sz="2000" dirty="0" err="1"/>
+              <a:rPr lang="en-GB" sz="1800" dirty="0" err="1"/>
               <a:t>complementarios</a:t>
             </a:r>
             <a:r>
-              <a:rPr lang="en-GB" sz="2000" dirty="0"/>
+              <a:rPr lang="en-GB" sz="1800" dirty="0"/>
               <a:t> a </a:t>
             </a:r>
             <a:r>
-              <a:rPr lang="en-GB" sz="2000" dirty="0" err="1"/>
+              <a:rPr lang="en-GB" sz="1800" dirty="0" err="1"/>
               <a:t>los</a:t>
             </a:r>
             <a:r>
-              <a:rPr lang="en-GB" sz="2000" dirty="0"/>
+              <a:rPr lang="en-GB" sz="1800" dirty="0"/>
               <a:t> tests </a:t>
             </a:r>
             <a:r>
-              <a:rPr lang="en-GB" sz="2000" dirty="0" err="1"/>
+              <a:rPr lang="en-GB" sz="1800" dirty="0" err="1"/>
               <a:t>unitarios</a:t>
             </a:r>
-            <a:endParaRPr lang="en-GB" sz="2000" dirty="0"/>
-          </a:p>
-          <a:p>
-            <a:pPr lvl="2" indent="-285750"/>
-            <a:r>
-              <a:rPr lang="en-GB" sz="2000" dirty="0" err="1"/>
+            <a:endParaRPr lang="en-GB" sz="1800" dirty="0"/>
+          </a:p>
+          <a:p>
+            <a:pPr lvl="2">
+              <a:spcAft>
+                <a:spcPts val="400"/>
+              </a:spcAft>
+            </a:pPr>
+            <a:r>
+              <a:rPr lang="en-GB" sz="1800" dirty="0" err="1"/>
               <a:t>Usan</a:t>
             </a:r>
             <a:r>
-              <a:rPr lang="en-GB" sz="2000" dirty="0"/>
+              <a:rPr lang="en-GB" sz="1800" dirty="0"/>
               <a:t> </a:t>
             </a:r>
             <a:r>
-              <a:rPr lang="en-GB" sz="2000" dirty="0" err="1"/>
+              <a:rPr lang="en-GB" sz="1800" dirty="0" err="1"/>
               <a:t>dependencias</a:t>
             </a:r>
             <a:r>
-              <a:rPr lang="en-GB" sz="2000" dirty="0"/>
+              <a:rPr lang="en-GB" sz="1800" dirty="0"/>
               <a:t> tales </a:t>
             </a:r>
             <a:r>
-              <a:rPr lang="en-GB" sz="2000" dirty="0" err="1"/>
+              <a:rPr lang="en-GB" sz="1800" dirty="0" err="1"/>
               <a:t>como</a:t>
             </a:r>
             <a:r>
-              <a:rPr lang="en-GB" sz="2000" dirty="0"/>
+              <a:rPr lang="en-GB" sz="1800" dirty="0"/>
               <a:t> </a:t>
             </a:r>
             <a:r>
-              <a:rPr lang="en-GB" sz="2000" dirty="0" err="1"/>
+              <a:rPr lang="en-GB" sz="1800" dirty="0" err="1"/>
               <a:t>una</a:t>
             </a:r>
             <a:r>
-              <a:rPr lang="en-GB" sz="2000" dirty="0"/>
+              <a:rPr lang="en-GB" sz="1800" dirty="0"/>
               <a:t> base de </a:t>
             </a:r>
             <a:r>
-              <a:rPr lang="en-GB" sz="2000" dirty="0" err="1"/>
+              <a:rPr lang="en-GB" sz="1800" dirty="0" err="1"/>
               <a:t>datos</a:t>
             </a:r>
-            <a:endParaRPr lang="en-GB" sz="2000" dirty="0"/>
-          </a:p>
-          <a:p>
-            <a:pPr lvl="2" indent="-285750"/>
-            <a:r>
-              <a:rPr lang="en-GB" sz="2000" dirty="0" err="1"/>
+            <a:endParaRPr lang="en-GB" sz="1800" dirty="0"/>
+          </a:p>
+          <a:p>
+            <a:pPr lvl="2">
+              <a:spcAft>
+                <a:spcPts val="400"/>
+              </a:spcAft>
+            </a:pPr>
+            <a:r>
+              <a:rPr lang="en-GB" sz="1800" dirty="0" err="1"/>
               <a:t>Pueden</a:t>
             </a:r>
             <a:r>
-              <a:rPr lang="en-GB" sz="2000" dirty="0"/>
+              <a:rPr lang="en-GB" sz="1800" dirty="0"/>
               <a:t> </a:t>
             </a:r>
             <a:r>
-              <a:rPr lang="en-GB" sz="2000" dirty="0" err="1"/>
+              <a:rPr lang="en-GB" sz="1800" dirty="0" err="1"/>
               <a:t>ser</a:t>
             </a:r>
             <a:r>
-              <a:rPr lang="en-GB" sz="2000" dirty="0"/>
+              <a:rPr lang="en-GB" sz="1800" dirty="0"/>
               <a:t> </a:t>
             </a:r>
             <a:r>
-              <a:rPr lang="en-GB" sz="2000" dirty="0" err="1"/>
+              <a:rPr lang="en-GB" sz="1800" dirty="0" err="1"/>
               <a:t>utilizados</a:t>
             </a:r>
             <a:r>
-              <a:rPr lang="en-GB" sz="2000" dirty="0"/>
+              <a:rPr lang="en-GB" sz="1800" dirty="0"/>
               <a:t> para </a:t>
             </a:r>
             <a:r>
-              <a:rPr lang="en-GB" sz="2000" dirty="0" err="1"/>
+              <a:rPr lang="en-GB" sz="1800" dirty="0" err="1"/>
               <a:t>probar</a:t>
             </a:r>
             <a:r>
-              <a:rPr lang="en-GB" sz="2000" dirty="0"/>
+              <a:rPr lang="en-GB" sz="1800" dirty="0"/>
               <a:t> stored procedures y </a:t>
             </a:r>
             <a:r>
-              <a:rPr lang="en-GB" sz="2000" dirty="0" err="1"/>
+              <a:rPr lang="en-GB" sz="1800" dirty="0" err="1"/>
               <a:t>llamadas</a:t>
             </a:r>
             <a:r>
-              <a:rPr lang="en-GB" sz="2000" dirty="0"/>
+              <a:rPr lang="en-GB" sz="1800" dirty="0"/>
               <a:t> a </a:t>
             </a:r>
             <a:r>
-              <a:rPr lang="en-GB" sz="2000" dirty="0" err="1"/>
+              <a:rPr lang="en-GB" sz="1800" dirty="0" err="1"/>
               <a:t>aplicaciones</a:t>
             </a:r>
             <a:r>
-              <a:rPr lang="en-GB" sz="2000" dirty="0"/>
+              <a:rPr lang="en-GB" sz="1800" dirty="0"/>
               <a:t> </a:t>
             </a:r>
             <a:r>
-              <a:rPr lang="en-GB" sz="2000" dirty="0" err="1"/>
+              <a:rPr lang="en-GB" sz="1800" dirty="0" err="1"/>
               <a:t>externas</a:t>
             </a:r>
-            <a:endParaRPr lang="en-GB" sz="2000" dirty="0"/>
-          </a:p>
-          <a:p>
-            <a:pPr lvl="2" indent="-285750"/>
-            <a:r>
-              <a:rPr lang="en-GB" sz="2000" dirty="0"/>
+            <a:endParaRPr lang="en-GB" sz="1800" dirty="0"/>
+          </a:p>
+          <a:p>
+            <a:pPr lvl="2">
+              <a:spcAft>
+                <a:spcPts val="400"/>
+              </a:spcAft>
+            </a:pPr>
+            <a:r>
+              <a:rPr lang="en-GB" sz="1800" dirty="0"/>
               <a:t>Son </a:t>
             </a:r>
             <a:r>
-              <a:rPr lang="en-GB" sz="2000" dirty="0" err="1"/>
+              <a:rPr lang="en-GB" sz="1800" dirty="0" err="1"/>
               <a:t>menos</a:t>
             </a:r>
             <a:r>
-              <a:rPr lang="en-GB" sz="2000" dirty="0"/>
+              <a:rPr lang="en-GB" sz="1800" dirty="0"/>
               <a:t> </a:t>
             </a:r>
             <a:r>
-              <a:rPr lang="en-GB" sz="2000" dirty="0" err="1"/>
+              <a:rPr lang="en-GB" sz="1800" dirty="0" err="1"/>
               <a:t>performantes</a:t>
             </a:r>
             <a:r>
-              <a:rPr lang="en-GB" sz="2000" dirty="0"/>
+              <a:rPr lang="en-GB" sz="1800" dirty="0"/>
               <a:t> que </a:t>
             </a:r>
             <a:r>
-              <a:rPr lang="en-GB" sz="2000" dirty="0" err="1"/>
+              <a:rPr lang="en-GB" sz="1800" dirty="0" err="1"/>
               <a:t>los</a:t>
             </a:r>
             <a:r>
-              <a:rPr lang="en-GB" sz="2000" dirty="0"/>
+              <a:rPr lang="en-GB" sz="1800" dirty="0"/>
               <a:t> tests </a:t>
             </a:r>
             <a:r>
-              <a:rPr lang="en-GB" sz="2000" dirty="0" err="1"/>
+              <a:rPr lang="en-GB" sz="1800" dirty="0" err="1"/>
               <a:t>unitarios</a:t>
             </a:r>
             <a:r>
-              <a:rPr lang="en-GB" sz="2000" dirty="0"/>
+              <a:rPr lang="en-GB" sz="1800" dirty="0"/>
               <a:t> y a </a:t>
             </a:r>
             <a:r>
-              <a:rPr lang="en-GB" sz="2000" dirty="0" err="1"/>
+              <a:rPr lang="en-GB" sz="1800" dirty="0" err="1"/>
               <a:t>veces</a:t>
             </a:r>
             <a:r>
-              <a:rPr lang="en-GB" sz="2000" dirty="0"/>
+              <a:rPr lang="en-GB" sz="1800" dirty="0"/>
               <a:t> se </a:t>
             </a:r>
             <a:r>
-              <a:rPr lang="en-GB" sz="2000" dirty="0" err="1"/>
+              <a:rPr lang="en-GB" sz="1800" dirty="0" err="1"/>
               <a:t>ejecutan</a:t>
             </a:r>
             <a:r>
-              <a:rPr lang="en-GB" sz="2000" dirty="0"/>
+              <a:rPr lang="en-GB" sz="1800" dirty="0"/>
               <a:t> </a:t>
             </a:r>
             <a:r>
-              <a:rPr lang="en-GB" sz="2000" dirty="0" err="1"/>
+              <a:rPr lang="en-GB" sz="1800" dirty="0" err="1"/>
               <a:t>menos</a:t>
             </a:r>
             <a:r>
-              <a:rPr lang="en-GB" sz="2000" dirty="0"/>
+              <a:rPr lang="en-GB" sz="1800" dirty="0"/>
               <a:t> </a:t>
             </a:r>
             <a:r>
-              <a:rPr lang="en-GB" sz="2000" dirty="0" err="1"/>
+              <a:rPr lang="en-GB" sz="1800" dirty="0" err="1"/>
               <a:t>frecuentemente</a:t>
             </a:r>
-            <a:endParaRPr lang="en-GB" sz="2000" dirty="0"/>
-          </a:p>
-          <a:p>
-            <a:pPr lvl="2" indent="-285750"/>
-            <a:r>
-              <a:rPr lang="en-GB" sz="2000" dirty="0"/>
+            <a:endParaRPr lang="en-GB" sz="1800" dirty="0"/>
+          </a:p>
+          <a:p>
+            <a:pPr lvl="2">
+              <a:spcAft>
+                <a:spcPts val="400"/>
+              </a:spcAft>
+            </a:pPr>
+            <a:r>
+              <a:rPr lang="en-GB" sz="1800" dirty="0"/>
               <a:t>Se </a:t>
             </a:r>
             <a:r>
-              <a:rPr lang="en-GB" sz="2000" dirty="0" err="1"/>
+              <a:rPr lang="en-GB" sz="1800" dirty="0" err="1"/>
               <a:t>enfocan</a:t>
             </a:r>
             <a:r>
-              <a:rPr lang="en-GB" sz="2000" dirty="0"/>
+              <a:rPr lang="en-GB" sz="1800" dirty="0"/>
               <a:t> </a:t>
             </a:r>
             <a:r>
-              <a:rPr lang="en-GB" sz="2000" dirty="0" err="1"/>
+              <a:rPr lang="en-GB" sz="1800" dirty="0" err="1"/>
               <a:t>en</a:t>
             </a:r>
             <a:r>
-              <a:rPr lang="en-GB" sz="2000" dirty="0"/>
+              <a:rPr lang="en-GB" sz="1800" dirty="0"/>
               <a:t> </a:t>
             </a:r>
             <a:r>
-              <a:rPr lang="en-GB" sz="2000" dirty="0" err="1"/>
+              <a:rPr lang="en-GB" sz="1800" dirty="0" err="1"/>
               <a:t>métodos</a:t>
             </a:r>
             <a:r>
-              <a:rPr lang="en-GB" sz="2000" dirty="0"/>
+              <a:rPr lang="en-GB" sz="1800" dirty="0"/>
               <a:t> con </a:t>
             </a:r>
             <a:r>
-              <a:rPr lang="en-GB" sz="2000" dirty="0" err="1"/>
+              <a:rPr lang="en-GB" sz="1800" dirty="0" err="1"/>
               <a:t>dependencias</a:t>
             </a:r>
             <a:r>
-              <a:rPr lang="en-GB" sz="2000" dirty="0"/>
+              <a:rPr lang="en-GB" sz="1800" dirty="0"/>
               <a:t>, no </a:t>
             </a:r>
             <a:r>
-              <a:rPr lang="en-GB" sz="2000" dirty="0" err="1"/>
+              <a:rPr lang="en-GB" sz="1800" dirty="0" err="1"/>
               <a:t>pruebas</a:t>
             </a:r>
             <a:r>
-              <a:rPr lang="en-GB" sz="2000" dirty="0"/>
+              <a:rPr lang="en-GB" sz="1800" dirty="0"/>
               <a:t> de la </a:t>
             </a:r>
             <a:r>
-              <a:rPr lang="en-GB" sz="2000" dirty="0" err="1"/>
+              <a:rPr lang="en-GB" sz="1800" dirty="0" err="1"/>
               <a:t>aplicación</a:t>
             </a:r>
             <a:r>
-              <a:rPr lang="en-GB" sz="2000" dirty="0"/>
+              <a:rPr lang="en-GB" sz="1800" dirty="0"/>
               <a:t> de </a:t>
             </a:r>
             <a:r>
-              <a:rPr lang="en-GB" sz="2000" dirty="0" err="1"/>
+              <a:rPr lang="en-GB" sz="1800" dirty="0" err="1"/>
               <a:t>punta</a:t>
             </a:r>
             <a:r>
-              <a:rPr lang="en-GB" sz="2000" dirty="0"/>
+              <a:rPr lang="en-GB" sz="1800" dirty="0"/>
               <a:t> a </a:t>
             </a:r>
             <a:r>
-              <a:rPr lang="en-GB" sz="2000" dirty="0" err="1"/>
+              <a:rPr lang="en-GB" sz="1800" dirty="0" err="1"/>
               <a:t>punta</a:t>
             </a:r>
-            <a:endParaRPr lang="es-AR" altLang="es-AR" sz="2000" dirty="0"/>
+            <a:endParaRPr lang="es-AR" altLang="es-AR" sz="1800" dirty="0"/>
           </a:p>
         </p:txBody>
       </p:sp>
@@ -15387,6 +15442,11 @@
           <a:bodyPr/>
           <a:lstStyle/>
           <a:p>
+            <a:pPr>
+              <a:spcAft>
+                <a:spcPts val="400"/>
+              </a:spcAft>
+            </a:pPr>
             <a:r>
               <a:rPr lang="en-GB" dirty="0" err="1"/>
               <a:t>Cómo</a:t>
@@ -15413,86 +15473,108 @@
             </a:r>
           </a:p>
           <a:p>
-            <a:pPr lvl="1"/>
-            <a:r>
-              <a:rPr lang="en-US" sz="2000" dirty="0"/>
+            <a:pPr lvl="1">
+              <a:spcAft>
+                <a:spcPts val="400"/>
+              </a:spcAft>
+              <a:buFont typeface="Courier New" panose="02070309020205020404" pitchFamily="49" charset="0"/>
+              <a:buChar char="o"/>
+            </a:pPr>
+            <a:r>
+              <a:rPr lang="en-US" dirty="0"/>
               <a:t>Setup de </a:t>
             </a:r>
             <a:r>
-              <a:rPr lang="en-US" sz="2000" dirty="0" err="1"/>
+              <a:rPr lang="en-US" dirty="0" err="1"/>
               <a:t>precondiciones</a:t>
             </a:r>
-            <a:endParaRPr lang="en-US" sz="2000" dirty="0"/>
-          </a:p>
-          <a:p>
-            <a:pPr lvl="1"/>
-            <a:r>
-              <a:rPr lang="en-US" sz="2000" dirty="0" err="1"/>
+            <a:endParaRPr lang="en-US" dirty="0"/>
+          </a:p>
+          <a:p>
+            <a:pPr lvl="1">
+              <a:spcAft>
+                <a:spcPts val="400"/>
+              </a:spcAft>
+              <a:buFont typeface="Courier New" panose="02070309020205020404" pitchFamily="49" charset="0"/>
+              <a:buChar char="o"/>
+            </a:pPr>
+            <a:r>
+              <a:rPr lang="en-US" dirty="0" err="1"/>
               <a:t>Ejecutar</a:t>
             </a:r>
             <a:r>
-              <a:rPr lang="en-US" sz="2000" dirty="0"/>
+              <a:rPr lang="en-US" dirty="0"/>
               <a:t> el </a:t>
             </a:r>
             <a:r>
-              <a:rPr lang="en-US" sz="2000" dirty="0" err="1"/>
+              <a:rPr lang="en-US" dirty="0" err="1"/>
               <a:t>código</a:t>
             </a:r>
             <a:r>
-              <a:rPr lang="en-US" sz="2000" dirty="0"/>
+              <a:rPr lang="en-US" dirty="0"/>
               <a:t> a </a:t>
             </a:r>
             <a:r>
-              <a:rPr lang="en-US" sz="2000" dirty="0" err="1"/>
+              <a:rPr lang="en-US" dirty="0" err="1"/>
               <a:t>testear</a:t>
             </a:r>
-            <a:endParaRPr lang="en-US" sz="2000" dirty="0"/>
-          </a:p>
-          <a:p>
-            <a:pPr lvl="1"/>
-            <a:r>
-              <a:rPr lang="en-US" sz="2000" dirty="0" err="1"/>
+            <a:endParaRPr lang="en-US" dirty="0"/>
+          </a:p>
+          <a:p>
+            <a:pPr lvl="1">
+              <a:spcAft>
+                <a:spcPts val="400"/>
+              </a:spcAft>
+              <a:buFont typeface="Courier New" panose="02070309020205020404" pitchFamily="49" charset="0"/>
+              <a:buChar char="o"/>
+            </a:pPr>
+            <a:r>
+              <a:rPr lang="en-US" dirty="0" err="1"/>
               <a:t>Realizar</a:t>
             </a:r>
             <a:r>
-              <a:rPr lang="en-US" sz="2000" dirty="0"/>
+              <a:rPr lang="en-US" dirty="0"/>
               <a:t> asserts </a:t>
             </a:r>
             <a:r>
-              <a:rPr lang="en-US" sz="2000" dirty="0" err="1"/>
+              <a:rPr lang="en-US" dirty="0" err="1"/>
               <a:t>sobre</a:t>
             </a:r>
             <a:r>
-              <a:rPr lang="en-US" sz="2000" dirty="0"/>
+              <a:rPr lang="en-US" dirty="0"/>
               <a:t> </a:t>
             </a:r>
             <a:r>
-              <a:rPr lang="en-US" sz="2000" dirty="0" err="1"/>
+              <a:rPr lang="en-US" dirty="0" err="1"/>
               <a:t>los</a:t>
             </a:r>
             <a:r>
-              <a:rPr lang="en-US" sz="2000" dirty="0"/>
+              <a:rPr lang="en-US" dirty="0"/>
               <a:t> </a:t>
             </a:r>
             <a:r>
-              <a:rPr lang="en-US" sz="2000" dirty="0" err="1"/>
+              <a:rPr lang="en-US" dirty="0" err="1"/>
               <a:t>resultados</a:t>
             </a:r>
             <a:r>
-              <a:rPr lang="en-US" sz="2000" dirty="0"/>
+              <a:rPr lang="en-US" dirty="0"/>
               <a:t> </a:t>
             </a:r>
             <a:r>
-              <a:rPr lang="en-US" sz="2000" dirty="0" err="1"/>
+              <a:rPr lang="en-US" dirty="0" err="1"/>
               <a:t>esperados</a:t>
             </a:r>
             <a:r>
-              <a:rPr lang="en-GB" sz="2000" dirty="0"/>
+              <a:rPr lang="en-GB" dirty="0"/>
               <a:t> </a:t>
             </a:r>
-            <a:endParaRPr lang="en-GB" sz="2000" i="1" dirty="0"/>
-          </a:p>
-          <a:p>
+          </a:p>
+          <a:p>
+            <a:pPr>
+              <a:spcAft>
+                <a:spcPts val="400"/>
+              </a:spcAft>
+            </a:pPr>
             <a:endParaRPr lang="es-AR" altLang="es-AR" dirty="0"/>
           </a:p>
         </p:txBody>
@@ -15591,11 +15673,21 @@
             <p:ph type="body" sz="quarter" idx="12"/>
           </p:nvPr>
         </p:nvSpPr>
-        <p:spPr/>
+        <p:spPr>
+          <a:xfrm>
+            <a:off x="1169988" y="2063750"/>
+            <a:ext cx="8488362" cy="3638550"/>
+          </a:xfrm>
+        </p:spPr>
         <p:txBody>
           <a:bodyPr/>
           <a:lstStyle/>
           <a:p>
+            <a:pPr>
+              <a:spcAft>
+                <a:spcPts val="400"/>
+              </a:spcAft>
+            </a:pPr>
             <a:r>
               <a:rPr lang="en-US" dirty="0"/>
               <a:t> Un </a:t>
@@ -15618,268 +15710,321 @@
             </a:r>
           </a:p>
           <a:p>
-            <a:pPr lvl="1"/>
-            <a:r>
-              <a:rPr lang="en-US" sz="2000" b="1" dirty="0" err="1"/>
+            <a:pPr lvl="1">
+              <a:spcAft>
+                <a:spcPts val="400"/>
+              </a:spcAft>
+              <a:buFont typeface="Courier New" panose="02070309020205020404" pitchFamily="49" charset="0"/>
+              <a:buChar char="o"/>
+            </a:pPr>
+            <a:r>
+              <a:rPr lang="en-US" b="1" dirty="0" err="1"/>
               <a:t>Utiliza</a:t>
             </a:r>
             <a:r>
-              <a:rPr lang="en-US" sz="2000" b="1" dirty="0"/>
+              <a:rPr lang="en-US" b="1" dirty="0"/>
               <a:t> </a:t>
             </a:r>
             <a:r>
-              <a:rPr lang="en-US" sz="2000" b="1" dirty="0" err="1"/>
+              <a:rPr lang="en-US" b="1" dirty="0" err="1"/>
               <a:t>dependencias</a:t>
             </a:r>
             <a:r>
-              <a:rPr lang="en-US" sz="2000" b="1" dirty="0"/>
+              <a:rPr lang="en-US" b="1" dirty="0"/>
               <a:t> de forma </a:t>
             </a:r>
             <a:r>
-              <a:rPr lang="en-US" sz="2000" b="1" dirty="0" err="1"/>
+              <a:rPr lang="en-US" b="1" dirty="0" err="1"/>
               <a:t>controlada</a:t>
             </a:r>
-            <a:endParaRPr lang="en-US" sz="2000" b="1" dirty="0"/>
-          </a:p>
-          <a:p>
-            <a:pPr lvl="1"/>
-            <a:r>
-              <a:rPr lang="en-US" sz="2000" dirty="0" err="1"/>
+            <a:endParaRPr lang="en-US" b="1" dirty="0"/>
+          </a:p>
+          <a:p>
+            <a:pPr lvl="1">
+              <a:spcAft>
+                <a:spcPts val="400"/>
+              </a:spcAft>
+              <a:buFont typeface="Courier New" panose="02070309020205020404" pitchFamily="49" charset="0"/>
+              <a:buChar char="o"/>
+            </a:pPr>
+            <a:r>
+              <a:rPr lang="en-US" dirty="0" err="1"/>
               <a:t>Documenta</a:t>
             </a:r>
             <a:r>
-              <a:rPr lang="en-US" sz="2000" dirty="0"/>
+              <a:rPr lang="en-US" dirty="0"/>
               <a:t> el </a:t>
             </a:r>
             <a:r>
-              <a:rPr lang="en-US" sz="2000" dirty="0" err="1"/>
+              <a:rPr lang="en-US" dirty="0" err="1"/>
               <a:t>diseño</a:t>
             </a:r>
             <a:r>
-              <a:rPr lang="en-US" sz="2000" dirty="0"/>
+              <a:rPr lang="en-US" dirty="0"/>
               <a:t> de la </a:t>
             </a:r>
             <a:r>
-              <a:rPr lang="en-US" sz="2000" dirty="0" err="1"/>
+              <a:rPr lang="en-US" dirty="0" err="1"/>
               <a:t>aplicación</a:t>
             </a:r>
-            <a:endParaRPr lang="en-US" sz="2000" dirty="0"/>
-          </a:p>
-          <a:p>
-            <a:pPr lvl="1"/>
-            <a:r>
-              <a:rPr lang="en-US" sz="2000" dirty="0" err="1"/>
+            <a:endParaRPr lang="en-US" dirty="0"/>
+          </a:p>
+          <a:p>
+            <a:pPr lvl="1">
+              <a:spcAft>
+                <a:spcPts val="400"/>
+              </a:spcAft>
+              <a:buFont typeface="Courier New" panose="02070309020205020404" pitchFamily="49" charset="0"/>
+              <a:buChar char="o"/>
+            </a:pPr>
+            <a:r>
+              <a:rPr lang="en-US" dirty="0" err="1"/>
               <a:t>Puede</a:t>
             </a:r>
             <a:r>
-              <a:rPr lang="en-US" sz="2000" dirty="0"/>
+              <a:rPr lang="en-US" dirty="0"/>
               <a:t> </a:t>
             </a:r>
             <a:r>
-              <a:rPr lang="en-US" sz="2000" dirty="0" err="1"/>
+              <a:rPr lang="en-US" dirty="0" err="1"/>
               <a:t>ejecutarse</a:t>
             </a:r>
             <a:r>
-              <a:rPr lang="en-US" sz="2000" dirty="0"/>
+              <a:rPr lang="en-US" dirty="0"/>
               <a:t> </a:t>
             </a:r>
             <a:r>
-              <a:rPr lang="en-US" sz="2000" dirty="0" err="1"/>
+              <a:rPr lang="en-US" dirty="0" err="1"/>
               <a:t>en</a:t>
             </a:r>
             <a:r>
-              <a:rPr lang="en-US" sz="2000" dirty="0"/>
+              <a:rPr lang="en-US" dirty="0"/>
               <a:t> </a:t>
             </a:r>
             <a:r>
-              <a:rPr lang="en-US" sz="2000" dirty="0" err="1"/>
+              <a:rPr lang="en-US" dirty="0" err="1"/>
               <a:t>cualquier</a:t>
             </a:r>
             <a:r>
-              <a:rPr lang="en-US" sz="2000" dirty="0"/>
+              <a:rPr lang="en-US" dirty="0"/>
               <a:t> </a:t>
             </a:r>
             <a:r>
-              <a:rPr lang="en-US" sz="2000" dirty="0" err="1"/>
+              <a:rPr lang="en-US" dirty="0" err="1"/>
               <a:t>orden</a:t>
             </a:r>
             <a:r>
-              <a:rPr lang="en-US" sz="2000" dirty="0"/>
+              <a:rPr lang="en-US" dirty="0"/>
               <a:t> </a:t>
             </a:r>
             <a:r>
-              <a:rPr lang="en-US" sz="2000" dirty="0" err="1"/>
+              <a:rPr lang="en-US" dirty="0" err="1"/>
               <a:t>si</a:t>
             </a:r>
             <a:r>
-              <a:rPr lang="en-US" sz="2000" dirty="0"/>
+              <a:rPr lang="en-US" dirty="0"/>
               <a:t> </a:t>
             </a:r>
             <a:r>
-              <a:rPr lang="en-US" sz="2000" dirty="0" err="1"/>
+              <a:rPr lang="en-US" dirty="0" err="1"/>
               <a:t>es</a:t>
             </a:r>
             <a:r>
-              <a:rPr lang="en-US" sz="2000" dirty="0"/>
+              <a:rPr lang="en-US" dirty="0"/>
               <a:t> parte de </a:t>
             </a:r>
             <a:r>
-              <a:rPr lang="en-US" sz="2000" dirty="0" err="1"/>
+              <a:rPr lang="en-US" dirty="0" err="1"/>
               <a:t>muchos</a:t>
             </a:r>
             <a:r>
-              <a:rPr lang="en-US" sz="2000" dirty="0"/>
+              <a:rPr lang="en-US" dirty="0"/>
               <a:t> </a:t>
             </a:r>
             <a:r>
-              <a:rPr lang="en-US" sz="2000" dirty="0" err="1"/>
+              <a:rPr lang="en-US" dirty="0" err="1"/>
               <a:t>otros</a:t>
             </a:r>
             <a:r>
-              <a:rPr lang="en-US" sz="2000" dirty="0"/>
+              <a:rPr lang="en-US" dirty="0"/>
               <a:t> tests</a:t>
             </a:r>
           </a:p>
           <a:p>
-            <a:pPr lvl="1"/>
-            <a:r>
-              <a:rPr lang="en-US" sz="2000" dirty="0" err="1"/>
+            <a:pPr lvl="1">
+              <a:spcAft>
+                <a:spcPts val="400"/>
+              </a:spcAft>
+              <a:buFont typeface="Courier New" panose="02070309020205020404" pitchFamily="49" charset="0"/>
+              <a:buChar char="o"/>
+            </a:pPr>
+            <a:r>
+              <a:rPr lang="en-US" dirty="0" err="1"/>
               <a:t>Retorna</a:t>
             </a:r>
             <a:r>
-              <a:rPr lang="en-US" sz="2000" dirty="0"/>
+              <a:rPr lang="en-US" dirty="0"/>
               <a:t> </a:t>
             </a:r>
             <a:r>
-              <a:rPr lang="en-US" sz="2000" dirty="0" err="1"/>
+              <a:rPr lang="en-US" dirty="0" err="1"/>
               <a:t>consistentemente</a:t>
             </a:r>
             <a:r>
-              <a:rPr lang="en-US" sz="2000" dirty="0"/>
+              <a:rPr lang="en-US" dirty="0"/>
               <a:t> el </a:t>
             </a:r>
             <a:r>
-              <a:rPr lang="en-US" sz="2000" dirty="0" err="1"/>
+              <a:rPr lang="en-US" dirty="0" err="1"/>
               <a:t>mismo</a:t>
             </a:r>
             <a:r>
-              <a:rPr lang="en-US" sz="2000" dirty="0"/>
+              <a:rPr lang="en-US" dirty="0"/>
               <a:t> </a:t>
             </a:r>
             <a:r>
-              <a:rPr lang="en-US" sz="2000" dirty="0" err="1"/>
+              <a:rPr lang="en-US" dirty="0" err="1"/>
               <a:t>resultado</a:t>
             </a:r>
-            <a:endParaRPr lang="en-US" sz="2000" dirty="0"/>
-          </a:p>
-          <a:p>
-            <a:pPr lvl="1"/>
-            <a:r>
-              <a:rPr lang="en-US" sz="2000" dirty="0" err="1"/>
+            <a:endParaRPr lang="en-US" dirty="0"/>
+          </a:p>
+          <a:p>
+            <a:pPr lvl="1">
+              <a:spcAft>
+                <a:spcPts val="400"/>
+              </a:spcAft>
+              <a:buFont typeface="Courier New" panose="02070309020205020404" pitchFamily="49" charset="0"/>
+              <a:buChar char="o"/>
+            </a:pPr>
+            <a:r>
+              <a:rPr lang="en-US" dirty="0" err="1"/>
               <a:t>Prueba</a:t>
             </a:r>
             <a:r>
-              <a:rPr lang="en-US" sz="2000" dirty="0"/>
+              <a:rPr lang="en-US" dirty="0"/>
               <a:t> un </a:t>
             </a:r>
             <a:r>
-              <a:rPr lang="en-US" sz="2000" dirty="0" err="1"/>
+              <a:rPr lang="en-US" dirty="0" err="1"/>
               <a:t>único</a:t>
             </a:r>
             <a:r>
-              <a:rPr lang="en-US" sz="2000" dirty="0"/>
+              <a:rPr lang="en-US" dirty="0"/>
               <a:t> </a:t>
             </a:r>
             <a:r>
-              <a:rPr lang="en-US" sz="2000" dirty="0" err="1"/>
+              <a:rPr lang="en-US" dirty="0" err="1"/>
               <a:t>concepto</a:t>
             </a:r>
             <a:r>
-              <a:rPr lang="en-US" sz="2000" dirty="0"/>
+              <a:rPr lang="en-US" dirty="0"/>
               <a:t> </a:t>
             </a:r>
             <a:r>
-              <a:rPr lang="en-US" sz="2000" dirty="0" err="1"/>
+              <a:rPr lang="en-US" dirty="0" err="1"/>
               <a:t>lógico</a:t>
             </a:r>
             <a:r>
-              <a:rPr lang="en-US" sz="2000" dirty="0"/>
+              <a:rPr lang="en-US" dirty="0"/>
               <a:t> </a:t>
             </a:r>
             <a:r>
-              <a:rPr lang="en-US" sz="2000" dirty="0" err="1"/>
+              <a:rPr lang="en-US" dirty="0" err="1"/>
               <a:t>en</a:t>
             </a:r>
             <a:r>
-              <a:rPr lang="en-US" sz="2000" dirty="0"/>
+              <a:rPr lang="en-US" dirty="0"/>
               <a:t> el </a:t>
             </a:r>
             <a:r>
-              <a:rPr lang="en-US" sz="2000" dirty="0" err="1"/>
+              <a:rPr lang="en-US" dirty="0" err="1"/>
               <a:t>sistema</a:t>
             </a:r>
-            <a:endParaRPr lang="en-US" sz="2000" dirty="0"/>
-          </a:p>
-          <a:p>
-            <a:pPr lvl="1"/>
-            <a:r>
-              <a:rPr lang="en-US" sz="2000" dirty="0" err="1"/>
+            <a:endParaRPr lang="en-US" dirty="0"/>
+          </a:p>
+          <a:p>
+            <a:pPr lvl="1">
+              <a:spcAft>
+                <a:spcPts val="400"/>
+              </a:spcAft>
+              <a:buFont typeface="Courier New" panose="02070309020205020404" pitchFamily="49" charset="0"/>
+              <a:buChar char="o"/>
+            </a:pPr>
+            <a:r>
+              <a:rPr lang="en-US" dirty="0" err="1"/>
               <a:t>Tiene</a:t>
             </a:r>
             <a:r>
-              <a:rPr lang="en-US" sz="2000" dirty="0"/>
+              <a:rPr lang="en-US" dirty="0"/>
               <a:t> un </a:t>
             </a:r>
             <a:r>
-              <a:rPr lang="en-US" sz="2000" dirty="0" err="1"/>
+              <a:rPr lang="en-US" dirty="0" err="1"/>
               <a:t>nombre</a:t>
             </a:r>
             <a:r>
-              <a:rPr lang="en-US" sz="2000" dirty="0"/>
+              <a:rPr lang="en-US" dirty="0"/>
               <a:t> </a:t>
             </a:r>
             <a:r>
-              <a:rPr lang="en-US" sz="2000" dirty="0" err="1"/>
+              <a:rPr lang="en-US" dirty="0" err="1"/>
               <a:t>claro</a:t>
             </a:r>
             <a:r>
-              <a:rPr lang="en-US" sz="2000" dirty="0"/>
+              <a:rPr lang="en-US" dirty="0"/>
               <a:t> y </a:t>
             </a:r>
             <a:r>
-              <a:rPr lang="en-US" sz="2000" dirty="0" err="1"/>
+              <a:rPr lang="en-US" dirty="0" err="1"/>
               <a:t>consistente</a:t>
             </a:r>
-            <a:endParaRPr lang="en-US" sz="2000" dirty="0"/>
-          </a:p>
-          <a:p>
-            <a:pPr lvl="1"/>
-            <a:r>
-              <a:rPr lang="en-US" sz="2000" dirty="0" err="1"/>
+            <a:endParaRPr lang="en-US" dirty="0"/>
+          </a:p>
+          <a:p>
+            <a:pPr lvl="1">
+              <a:spcAft>
+                <a:spcPts val="400"/>
+              </a:spcAft>
+              <a:buFont typeface="Courier New" panose="02070309020205020404" pitchFamily="49" charset="0"/>
+              <a:buChar char="o"/>
+            </a:pPr>
+            <a:r>
+              <a:rPr lang="en-US" dirty="0" err="1"/>
               <a:t>Es</a:t>
             </a:r>
             <a:r>
-              <a:rPr lang="en-US" sz="2000" dirty="0"/>
+              <a:rPr lang="en-US" dirty="0"/>
               <a:t> legible</a:t>
             </a:r>
           </a:p>
           <a:p>
-            <a:pPr lvl="1"/>
-            <a:r>
-              <a:rPr lang="en-US" sz="2000" dirty="0" err="1"/>
+            <a:pPr lvl="1">
+              <a:spcAft>
+                <a:spcPts val="400"/>
+              </a:spcAft>
+              <a:buFont typeface="Courier New" panose="02070309020205020404" pitchFamily="49" charset="0"/>
+              <a:buChar char="o"/>
+            </a:pPr>
+            <a:r>
+              <a:rPr lang="en-US" dirty="0" err="1"/>
               <a:t>Es</a:t>
             </a:r>
             <a:r>
-              <a:rPr lang="en-US" sz="2000" dirty="0"/>
+              <a:rPr lang="en-US" dirty="0"/>
               <a:t> </a:t>
             </a:r>
             <a:r>
-              <a:rPr lang="en-US" sz="2000" dirty="0" err="1"/>
+              <a:rPr lang="en-US" dirty="0" err="1"/>
               <a:t>mantenible</a:t>
             </a:r>
-            <a:endParaRPr lang="en-US" sz="2000" dirty="0"/>
-          </a:p>
-          <a:p>
+            <a:endParaRPr lang="en-US" dirty="0"/>
+          </a:p>
+          <a:p>
+            <a:pPr>
+              <a:spcAft>
+                <a:spcPts val="400"/>
+              </a:spcAft>
+            </a:pPr>
             <a:endParaRPr lang="es-AR" altLang="es-AR" dirty="0"/>
           </a:p>
         </p:txBody>
@@ -15988,24 +16133,44 @@
           <a:bodyPr/>
           <a:lstStyle/>
           <a:p>
+            <a:pPr>
+              <a:spcAft>
+                <a:spcPts val="400"/>
+              </a:spcAft>
+            </a:pPr>
             <a:r>
               <a:rPr lang="es-AR" dirty="0" smtClean="0"/>
               <a:t>Sobre Baufest</a:t>
             </a:r>
           </a:p>
           <a:p>
+            <a:pPr>
+              <a:spcAft>
+                <a:spcPts val="400"/>
+              </a:spcAft>
+            </a:pPr>
             <a:r>
               <a:rPr lang="es-AR" dirty="0" smtClean="0"/>
               <a:t>Sobre los instructores</a:t>
             </a:r>
           </a:p>
           <a:p>
+            <a:pPr>
+              <a:spcAft>
+                <a:spcPts val="400"/>
+              </a:spcAft>
+            </a:pPr>
             <a:r>
               <a:rPr lang="es-AR" dirty="0" smtClean="0"/>
               <a:t>Objetivos</a:t>
             </a:r>
           </a:p>
           <a:p>
+            <a:pPr>
+              <a:spcAft>
+                <a:spcPts val="400"/>
+              </a:spcAft>
+            </a:pPr>
             <a:r>
               <a:rPr lang="es-AR" dirty="0" err="1" smtClean="0"/>
               <a:t>Testing</a:t>
@@ -16016,6 +16181,11 @@
             </a:r>
           </a:p>
           <a:p>
+            <a:pPr>
+              <a:spcAft>
+                <a:spcPts val="400"/>
+              </a:spcAft>
+            </a:pPr>
             <a:r>
               <a:rPr lang="es-AR" dirty="0" err="1" smtClean="0"/>
               <a:t>Tests</a:t>
@@ -16026,12 +16196,22 @@
             </a:r>
           </a:p>
           <a:p>
+            <a:pPr>
+              <a:spcAft>
+                <a:spcPts val="400"/>
+              </a:spcAft>
+            </a:pPr>
             <a:r>
               <a:rPr lang="es-AR" dirty="0" smtClean="0"/>
               <a:t>Código Legacy</a:t>
             </a:r>
           </a:p>
           <a:p>
+            <a:pPr>
+              <a:spcAft>
+                <a:spcPts val="400"/>
+              </a:spcAft>
+            </a:pPr>
             <a:r>
               <a:rPr lang="es-AR" dirty="0" err="1" smtClean="0"/>
               <a:t>Coding</a:t>
@@ -16042,6 +16222,11 @@
             </a:r>
           </a:p>
           <a:p>
+            <a:pPr>
+              <a:spcAft>
+                <a:spcPts val="400"/>
+              </a:spcAft>
+            </a:pPr>
             <a:r>
               <a:rPr lang="es-AR" dirty="0" err="1" smtClean="0"/>
               <a:t>Bonus</a:t>
@@ -16057,6 +16242,11 @@
             <a:endParaRPr lang="es-AR" dirty="0" smtClean="0"/>
           </a:p>
           <a:p>
+            <a:pPr>
+              <a:spcAft>
+                <a:spcPts val="400"/>
+              </a:spcAft>
+            </a:pPr>
             <a:r>
               <a:rPr lang="es-AR" dirty="0" err="1" smtClean="0"/>
               <a:t>Feedback</a:t>
@@ -16064,12 +16254,22 @@
             <a:endParaRPr lang="es-AR" dirty="0" smtClean="0"/>
           </a:p>
           <a:p>
+            <a:pPr>
+              <a:spcAft>
+                <a:spcPts val="400"/>
+              </a:spcAft>
+            </a:pPr>
             <a:r>
               <a:rPr lang="es-AR" dirty="0" smtClean="0"/>
               <a:t>Resumen</a:t>
             </a:r>
           </a:p>
           <a:p>
+            <a:pPr>
+              <a:spcAft>
+                <a:spcPts val="400"/>
+              </a:spcAft>
+            </a:pPr>
             <a:endParaRPr lang="es-AR" dirty="0"/>
           </a:p>
         </p:txBody>
@@ -16253,7 +16453,7 @@
         </p:nvSpPr>
         <p:spPr>
           <a:xfrm>
-            <a:off x="1169678" y="1857817"/>
+            <a:off x="1169678" y="1898761"/>
             <a:ext cx="8488424" cy="4108150"/>
           </a:xfrm>
         </p:spPr>
@@ -16266,7 +16466,7 @@
                 <a:spcPct val="100000"/>
               </a:lnSpc>
               <a:spcAft>
-                <a:spcPts val="1200"/>
+                <a:spcPts val="400"/>
               </a:spcAft>
               <a:buClr>
                 <a:schemeClr val="accent6"/>
@@ -16300,22 +16500,22 @@
             </a:endParaRPr>
           </a:p>
           <a:p>
-            <a:pPr marL="540000" lvl="1" indent="-285750">
+            <a:pPr marL="597150" lvl="1" indent="-342900">
               <a:lnSpc>
                 <a:spcPct val="100000"/>
               </a:lnSpc>
               <a:spcAft>
-                <a:spcPts val="1200"/>
+                <a:spcPts val="400"/>
               </a:spcAft>
               <a:buClr>
                 <a:schemeClr val="accent6"/>
               </a:buClr>
               <a:buSzPct val="100000"/>
-              <a:buFont typeface="Wingdings" panose="05000000000000000000" pitchFamily="2" charset="2"/>
-              <a:buChar char="§"/>
-            </a:pPr>
-            <a:r>
-              <a:rPr lang="en-GB" sz="2000" dirty="0" err="1">
+              <a:buFont typeface="Courier New" panose="02070309020205020404" pitchFamily="49" charset="0"/>
+              <a:buChar char="o"/>
+            </a:pPr>
+            <a:r>
+              <a:rPr lang="en-GB" dirty="0" err="1">
                 <a:solidFill>
                   <a:schemeClr val="tx1"/>
                 </a:solidFill>
@@ -16323,7 +16523,7 @@
               <a:t>Permite</a:t>
             </a:r>
             <a:r>
-              <a:rPr lang="en-GB" sz="2000" dirty="0">
+              <a:rPr lang="en-GB" dirty="0">
                 <a:solidFill>
                   <a:schemeClr val="tx1"/>
                 </a:solidFill>
@@ -16331,7 +16531,7 @@
               <a:t> </a:t>
             </a:r>
             <a:r>
-              <a:rPr lang="en-GB" sz="2000" dirty="0" err="1">
+              <a:rPr lang="en-GB" dirty="0" err="1">
                 <a:solidFill>
                   <a:schemeClr val="tx1"/>
                 </a:solidFill>
@@ -16339,7 +16539,7 @@
               <a:t>cambiar</a:t>
             </a:r>
             <a:r>
-              <a:rPr lang="en-GB" sz="2000" dirty="0">
+              <a:rPr lang="en-GB" dirty="0">
                 <a:solidFill>
                   <a:schemeClr val="tx1"/>
                 </a:solidFill>
@@ -16347,7 +16547,7 @@
               <a:t> la </a:t>
             </a:r>
             <a:r>
-              <a:rPr lang="en-GB" sz="2000" dirty="0" err="1">
+              <a:rPr lang="en-GB" dirty="0" err="1">
                 <a:solidFill>
                   <a:schemeClr val="tx1"/>
                 </a:solidFill>
@@ -16355,7 +16555,7 @@
               <a:t>implementación</a:t>
             </a:r>
             <a:r>
-              <a:rPr lang="en-GB" sz="2000" dirty="0">
+              <a:rPr lang="en-GB" dirty="0">
                 <a:solidFill>
                   <a:schemeClr val="tx1"/>
                 </a:solidFill>
@@ -16363,7 +16563,7 @@
               <a:t> </a:t>
             </a:r>
             <a:r>
-              <a:rPr lang="en-GB" sz="2000" dirty="0" err="1">
+              <a:rPr lang="en-GB" dirty="0" err="1">
                 <a:solidFill>
                   <a:schemeClr val="tx1"/>
                 </a:solidFill>
@@ -16371,23 +16571,23 @@
               <a:t>interna</a:t>
             </a:r>
             <a:r>
-              <a:rPr lang="en-GB" sz="2000" dirty="0">
-                <a:solidFill>
-                  <a:schemeClr val="tx1"/>
-                </a:solidFill>
-              </a:rPr>
-              <a:t> de </a:t>
-            </a:r>
-            <a:r>
-              <a:rPr lang="en-GB" sz="2000" dirty="0" err="1">
-                <a:solidFill>
-                  <a:schemeClr val="tx1"/>
-                </a:solidFill>
-              </a:rPr>
-              <a:t>las</a:t>
-            </a:r>
-            <a:r>
-              <a:rPr lang="en-GB" sz="2000" dirty="0">
+              <a:rPr lang="en-GB" dirty="0">
+                <a:solidFill>
+                  <a:schemeClr val="tx1"/>
+                </a:solidFill>
+              </a:rPr>
+              <a:t> de las </a:t>
+            </a:r>
+            <a:r>
+              <a:rPr lang="en-GB" dirty="0" err="1">
+                <a:solidFill>
+                  <a:schemeClr val="tx1"/>
+                </a:solidFill>
+              </a:rPr>
+              <a:t>clases</a:t>
+            </a:r>
+            <a:r>
+              <a:rPr lang="en-GB" dirty="0">
                 <a:solidFill>
                   <a:schemeClr val="tx1"/>
                 </a:solidFill>
@@ -16395,23 +16595,7 @@
               <a:t> </a:t>
             </a:r>
             <a:r>
-              <a:rPr lang="en-GB" sz="2000" dirty="0" err="1">
-                <a:solidFill>
-                  <a:schemeClr val="tx1"/>
-                </a:solidFill>
-              </a:rPr>
-              <a:t>clases</a:t>
-            </a:r>
-            <a:r>
-              <a:rPr lang="en-GB" sz="2000" dirty="0">
-                <a:solidFill>
-                  <a:schemeClr val="tx1"/>
-                </a:solidFill>
-              </a:rPr>
-              <a:t> </a:t>
-            </a:r>
-            <a:r>
-              <a:rPr lang="en-GB" sz="2000" dirty="0" err="1">
+              <a:rPr lang="en-GB" dirty="0" err="1">
                 <a:solidFill>
                   <a:schemeClr val="tx1"/>
                 </a:solidFill>
@@ -16419,7 +16603,7 @@
               <a:t>concretas</a:t>
             </a:r>
             <a:r>
-              <a:rPr lang="en-GB" sz="2000" dirty="0">
+              <a:rPr lang="en-GB" dirty="0">
                 <a:solidFill>
                   <a:schemeClr val="tx1"/>
                 </a:solidFill>
@@ -16427,7 +16611,7 @@
               <a:t> sin </a:t>
             </a:r>
             <a:r>
-              <a:rPr lang="en-GB" sz="2000" dirty="0" err="1">
+              <a:rPr lang="en-GB" dirty="0" err="1">
                 <a:solidFill>
                   <a:schemeClr val="tx1"/>
                 </a:solidFill>
@@ -16435,7 +16619,7 @@
               <a:t>modificar</a:t>
             </a:r>
             <a:r>
-              <a:rPr lang="en-GB" sz="2000" dirty="0">
+              <a:rPr lang="en-GB" dirty="0">
                 <a:solidFill>
                   <a:schemeClr val="tx1"/>
                 </a:solidFill>
@@ -16443,7 +16627,7 @@
               <a:t> el </a:t>
             </a:r>
             <a:r>
-              <a:rPr lang="en-GB" sz="2000" dirty="0" err="1">
+              <a:rPr lang="en-GB" dirty="0" err="1">
                 <a:solidFill>
                   <a:schemeClr val="tx1"/>
                 </a:solidFill>
@@ -16451,7 +16635,7 @@
               <a:t>código</a:t>
             </a:r>
             <a:r>
-              <a:rPr lang="en-GB" sz="2000" dirty="0">
+              <a:rPr lang="en-GB" dirty="0">
                 <a:solidFill>
                   <a:schemeClr val="tx1"/>
                 </a:solidFill>
@@ -16459,7 +16643,7 @@
               <a:t> de la </a:t>
             </a:r>
             <a:r>
-              <a:rPr lang="en-GB" sz="2000" dirty="0" err="1">
+              <a:rPr lang="en-GB" dirty="0" err="1">
                 <a:solidFill>
                   <a:schemeClr val="tx1"/>
                 </a:solidFill>
@@ -16467,13 +16651,32 @@
               <a:t>aplicación</a:t>
             </a:r>
             <a:r>
-              <a:rPr lang="en-GB" sz="2000" dirty="0">
+              <a:rPr lang="en-GB" dirty="0" smtClean="0">
                 <a:solidFill>
                   <a:schemeClr val="tx1"/>
                 </a:solidFill>
               </a:rPr>
               <a:t>.</a:t>
             </a:r>
+          </a:p>
+          <a:p>
+            <a:pPr marL="254250" lvl="1">
+              <a:lnSpc>
+                <a:spcPct val="100000"/>
+              </a:lnSpc>
+              <a:spcAft>
+                <a:spcPts val="400"/>
+              </a:spcAft>
+              <a:buClr>
+                <a:schemeClr val="accent6"/>
+              </a:buClr>
+              <a:buSzPct val="100000"/>
+            </a:pPr>
+            <a:endParaRPr lang="en-GB" dirty="0">
+              <a:solidFill>
+                <a:schemeClr val="tx1"/>
+              </a:solidFill>
+            </a:endParaRPr>
           </a:p>
           <a:p>
             <a:pPr marL="285750" indent="-285750">
@@ -16481,7 +16684,7 @@
                 <a:spcPct val="100000"/>
               </a:lnSpc>
               <a:spcAft>
-                <a:spcPts val="1200"/>
+                <a:spcPts val="400"/>
               </a:spcAft>
               <a:buClr>
                 <a:schemeClr val="accent6"/>
@@ -16509,22 +16712,22 @@
             </a:r>
           </a:p>
           <a:p>
-            <a:pPr marL="540000" lvl="1" indent="-285750">
+            <a:pPr marL="597150" lvl="1" indent="-342900">
               <a:lnSpc>
                 <a:spcPct val="100000"/>
               </a:lnSpc>
               <a:spcAft>
-                <a:spcPts val="1200"/>
+                <a:spcPts val="400"/>
               </a:spcAft>
               <a:buClr>
                 <a:schemeClr val="accent6"/>
               </a:buClr>
               <a:buSzPct val="100000"/>
-              <a:buFont typeface="Wingdings" panose="05000000000000000000" pitchFamily="2" charset="2"/>
-              <a:buChar char="§"/>
-            </a:pPr>
-            <a:r>
-              <a:rPr lang="en-GB" altLang="es-AR" sz="2000" dirty="0" err="1">
+              <a:buFont typeface="Courier New" panose="02070309020205020404" pitchFamily="49" charset="0"/>
+              <a:buChar char="o"/>
+            </a:pPr>
+            <a:r>
+              <a:rPr lang="en-GB" altLang="es-AR" dirty="0" err="1">
                 <a:solidFill>
                   <a:schemeClr val="tx1"/>
                 </a:solidFill>
@@ -16532,7 +16735,7 @@
               <a:t>Permite</a:t>
             </a:r>
             <a:r>
-              <a:rPr lang="en-GB" altLang="es-AR" sz="2000" dirty="0">
+              <a:rPr lang="en-GB" altLang="es-AR" dirty="0">
                 <a:solidFill>
                   <a:schemeClr val="tx1"/>
                 </a:solidFill>
@@ -16540,7 +16743,7 @@
               <a:t> la </a:t>
             </a:r>
             <a:r>
-              <a:rPr lang="en-GB" altLang="es-AR" sz="2000" dirty="0" err="1">
+              <a:rPr lang="en-GB" altLang="es-AR" dirty="0" err="1">
                 <a:solidFill>
                   <a:schemeClr val="tx1"/>
                 </a:solidFill>
@@ -16548,7 +16751,7 @@
               <a:t>creación</a:t>
             </a:r>
             <a:r>
-              <a:rPr lang="en-GB" altLang="es-AR" sz="2000" dirty="0">
+              <a:rPr lang="en-GB" altLang="es-AR" dirty="0">
                 <a:solidFill>
                   <a:schemeClr val="tx1"/>
                 </a:solidFill>
@@ -16556,7 +16759,7 @@
               <a:t> de </a:t>
             </a:r>
             <a:r>
-              <a:rPr lang="en-GB" altLang="es-AR" sz="2000" dirty="0" err="1">
+              <a:rPr lang="en-GB" altLang="es-AR" dirty="0" err="1">
                 <a:solidFill>
                   <a:schemeClr val="tx1"/>
                 </a:solidFill>
@@ -16564,7 +16767,7 @@
               <a:t>diferentes</a:t>
             </a:r>
             <a:r>
-              <a:rPr lang="en-GB" altLang="es-AR" sz="2000" dirty="0">
+              <a:rPr lang="en-GB" altLang="es-AR" dirty="0">
                 <a:solidFill>
                   <a:schemeClr val="tx1"/>
                 </a:solidFill>
@@ -16572,7 +16775,7 @@
               <a:t> </a:t>
             </a:r>
             <a:r>
-              <a:rPr lang="en-GB" altLang="es-AR" sz="2000" dirty="0" err="1">
+              <a:rPr lang="en-GB" altLang="es-AR" dirty="0" err="1">
                 <a:solidFill>
                   <a:schemeClr val="tx1"/>
                 </a:solidFill>
@@ -16580,7 +16783,7 @@
               <a:t>clases</a:t>
             </a:r>
             <a:r>
-              <a:rPr lang="en-GB" altLang="es-AR" sz="2000" dirty="0">
+              <a:rPr lang="en-GB" altLang="es-AR" dirty="0">
                 <a:solidFill>
                   <a:schemeClr val="tx1"/>
                 </a:solidFill>
@@ -16588,7 +16791,7 @@
               <a:t> </a:t>
             </a:r>
             <a:r>
-              <a:rPr lang="en-GB" altLang="es-AR" sz="2000" dirty="0" err="1">
+              <a:rPr lang="en-GB" altLang="es-AR" dirty="0" err="1">
                 <a:solidFill>
                   <a:schemeClr val="tx1"/>
                 </a:solidFill>
@@ -16596,31 +16799,15 @@
               <a:t>concretas</a:t>
             </a:r>
             <a:r>
-              <a:rPr lang="en-GB" altLang="es-AR" sz="2000" dirty="0">
-                <a:solidFill>
-                  <a:schemeClr val="tx1"/>
-                </a:solidFill>
-              </a:rPr>
-              <a:t> </a:t>
-            </a:r>
-            <a:r>
-              <a:rPr lang="en-GB" altLang="es-AR" sz="2000" dirty="0" err="1">
-                <a:solidFill>
-                  <a:schemeClr val="tx1"/>
-                </a:solidFill>
-              </a:rPr>
-              <a:t>que</a:t>
-            </a:r>
-            <a:r>
-              <a:rPr lang="en-GB" altLang="es-AR" sz="2000" dirty="0">
-                <a:solidFill>
-                  <a:schemeClr val="tx1"/>
-                </a:solidFill>
-              </a:rPr>
-              <a:t> </a:t>
-            </a:r>
-            <a:r>
-              <a:rPr lang="en-GB" altLang="es-AR" sz="2000" dirty="0" err="1">
+              <a:rPr lang="en-GB" altLang="es-AR" dirty="0">
+                <a:solidFill>
+                  <a:schemeClr val="tx1"/>
+                </a:solidFill>
+              </a:rPr>
+              <a:t> que </a:t>
+            </a:r>
+            <a:r>
+              <a:rPr lang="en-GB" altLang="es-AR" dirty="0" err="1">
                 <a:solidFill>
                   <a:schemeClr val="tx1"/>
                 </a:solidFill>
@@ -16628,7 +16815,7 @@
               <a:t>implementen</a:t>
             </a:r>
             <a:r>
-              <a:rPr lang="en-GB" altLang="es-AR" sz="2000" dirty="0">
+              <a:rPr lang="en-GB" altLang="es-AR" dirty="0">
                 <a:solidFill>
                   <a:schemeClr val="tx1"/>
                 </a:solidFill>
@@ -16636,7 +16823,7 @@
               <a:t> la </a:t>
             </a:r>
             <a:r>
-              <a:rPr lang="en-GB" altLang="es-AR" sz="2000" dirty="0" err="1">
+              <a:rPr lang="en-GB" altLang="es-AR" dirty="0" err="1">
                 <a:solidFill>
                   <a:schemeClr val="tx1"/>
                 </a:solidFill>
@@ -16644,7 +16831,7 @@
               <a:t>interfaz</a:t>
             </a:r>
             <a:r>
-              <a:rPr lang="en-GB" altLang="es-AR" sz="2000" dirty="0">
+              <a:rPr lang="en-GB" altLang="es-AR" dirty="0">
                 <a:solidFill>
                   <a:schemeClr val="tx1"/>
                 </a:solidFill>
@@ -16652,7 +16839,7 @@
               <a:t> sin </a:t>
             </a:r>
             <a:r>
-              <a:rPr lang="en-GB" altLang="es-AR" sz="2000" dirty="0" err="1">
+              <a:rPr lang="en-GB" altLang="es-AR" dirty="0" err="1">
                 <a:solidFill>
                   <a:schemeClr val="tx1"/>
                 </a:solidFill>
@@ -16660,7 +16847,7 @@
               <a:t>modificar</a:t>
             </a:r>
             <a:r>
-              <a:rPr lang="en-GB" altLang="es-AR" sz="2000" dirty="0">
+              <a:rPr lang="en-GB" altLang="es-AR" dirty="0">
                 <a:solidFill>
                   <a:schemeClr val="tx1"/>
                 </a:solidFill>
@@ -16668,7 +16855,7 @@
               <a:t> el </a:t>
             </a:r>
             <a:r>
-              <a:rPr lang="en-GB" altLang="es-AR" sz="2000" dirty="0" err="1">
+              <a:rPr lang="en-GB" altLang="es-AR" dirty="0" err="1">
                 <a:solidFill>
                   <a:schemeClr val="tx1"/>
                 </a:solidFill>
@@ -16676,7 +16863,7 @@
               <a:t>código</a:t>
             </a:r>
             <a:r>
-              <a:rPr lang="en-GB" altLang="es-AR" sz="2000" dirty="0">
+              <a:rPr lang="en-GB" altLang="es-AR" dirty="0">
                 <a:solidFill>
                   <a:schemeClr val="tx1"/>
                 </a:solidFill>
@@ -16684,7 +16871,7 @@
               <a:t> de la </a:t>
             </a:r>
             <a:r>
-              <a:rPr lang="en-GB" altLang="es-AR" sz="2000" dirty="0" err="1">
+              <a:rPr lang="en-GB" altLang="es-AR" dirty="0" err="1">
                 <a:solidFill>
                   <a:schemeClr val="tx1"/>
                 </a:solidFill>
@@ -16692,13 +16879,32 @@
               <a:t>aplicación</a:t>
             </a:r>
             <a:r>
-              <a:rPr lang="en-GB" altLang="es-AR" sz="2000" dirty="0">
+              <a:rPr lang="en-GB" altLang="es-AR" dirty="0" smtClean="0">
                 <a:solidFill>
                   <a:schemeClr val="tx1"/>
                 </a:solidFill>
               </a:rPr>
               <a:t>.</a:t>
             </a:r>
+          </a:p>
+          <a:p>
+            <a:pPr marL="254250" lvl="1">
+              <a:lnSpc>
+                <a:spcPct val="100000"/>
+              </a:lnSpc>
+              <a:spcAft>
+                <a:spcPts val="400"/>
+              </a:spcAft>
+              <a:buClr>
+                <a:schemeClr val="accent6"/>
+              </a:buClr>
+              <a:buSzPct val="100000"/>
+            </a:pPr>
+            <a:endParaRPr lang="en-GB" altLang="es-AR" dirty="0">
+              <a:solidFill>
+                <a:schemeClr val="tx1"/>
+              </a:solidFill>
+            </a:endParaRPr>
           </a:p>
           <a:p>
             <a:pPr marL="285750" indent="-285750">
@@ -16706,7 +16912,7 @@
                 <a:spcPct val="100000"/>
               </a:lnSpc>
               <a:spcAft>
-                <a:spcPts val="1200"/>
+                <a:spcPts val="400"/>
               </a:spcAft>
               <a:buClr>
                 <a:schemeClr val="accent6"/>
@@ -16739,19 +16945,28 @@
                 </a:solidFill>
                 <a:latin typeface="+mn-lt"/>
               </a:rPr>
-              <a:t> (cuando se usa en conjunto con </a:t>
-            </a:r>
-            <a:r>
-              <a:rPr lang="es-AR" sz="2000" dirty="0" err="1">
+              <a:t> </a:t>
+            </a:r>
+            <a:r>
+              <a:rPr lang="es-AR" sz="1800" dirty="0">
                 <a:solidFill>
                   <a:schemeClr val="tx1"/>
                 </a:solidFill>
                 <a:latin typeface="+mn-lt"/>
               </a:rPr>
+              <a:t>(cuando se usa en conjunto con </a:t>
+            </a:r>
+            <a:r>
+              <a:rPr lang="es-AR" sz="1800" dirty="0" err="1">
+                <a:solidFill>
+                  <a:schemeClr val="tx1"/>
+                </a:solidFill>
+                <a:latin typeface="+mn-lt"/>
+              </a:rPr>
               <a:t>Tip</a:t>
             </a:r>
             <a:r>
-              <a:rPr lang="es-AR" sz="2000" dirty="0">
+              <a:rPr lang="es-AR" sz="1800" dirty="0">
                 <a:solidFill>
                   <a:schemeClr val="tx1"/>
                 </a:solidFill>
@@ -16761,22 +16976,22 @@
             </a:r>
           </a:p>
           <a:p>
-            <a:pPr marL="540000" lvl="1" indent="-285750">
+            <a:pPr marL="597150" lvl="1" indent="-342900">
               <a:lnSpc>
                 <a:spcPct val="100000"/>
               </a:lnSpc>
               <a:spcAft>
-                <a:spcPts val="1200"/>
+                <a:spcPts val="400"/>
               </a:spcAft>
               <a:buClr>
                 <a:schemeClr val="accent6"/>
               </a:buClr>
               <a:buSzPct val="100000"/>
-              <a:buFont typeface="Wingdings" panose="05000000000000000000" pitchFamily="2" charset="2"/>
-              <a:buChar char="§"/>
-            </a:pPr>
-            <a:r>
-              <a:rPr lang="es-AR" altLang="es-AR" sz="2000" dirty="0">
+              <a:buFont typeface="Courier New" panose="02070309020205020404" pitchFamily="49" charset="0"/>
+              <a:buChar char="o"/>
+            </a:pPr>
+            <a:r>
+              <a:rPr lang="es-AR" altLang="es-AR" dirty="0">
                 <a:solidFill>
                   <a:schemeClr val="tx1"/>
                 </a:solidFill>
@@ -16784,7 +16999,7 @@
               <a:t>Permite el uso de clases </a:t>
             </a:r>
             <a:r>
-              <a:rPr lang="es-AR" altLang="es-AR" sz="2000" dirty="0" err="1">
+              <a:rPr lang="es-AR" altLang="es-AR" dirty="0" err="1">
                 <a:solidFill>
                   <a:schemeClr val="tx1"/>
                 </a:solidFill>
@@ -16792,7 +17007,7 @@
               <a:t>Mock</a:t>
             </a:r>
             <a:r>
-              <a:rPr lang="es-AR" altLang="es-AR" sz="2000" dirty="0">
+              <a:rPr lang="es-AR" altLang="es-AR" dirty="0">
                 <a:solidFill>
                   <a:schemeClr val="tx1"/>
                 </a:solidFill>
@@ -16801,22 +17016,22 @@
             </a:r>
           </a:p>
           <a:p>
-            <a:pPr marL="540000" lvl="1" indent="-285750">
+            <a:pPr marL="597150" lvl="1" indent="-342900">
               <a:lnSpc>
                 <a:spcPct val="100000"/>
               </a:lnSpc>
               <a:spcAft>
-                <a:spcPts val="1200"/>
+                <a:spcPts val="400"/>
               </a:spcAft>
               <a:buClr>
                 <a:schemeClr val="accent6"/>
               </a:buClr>
               <a:buSzPct val="100000"/>
-              <a:buFont typeface="Wingdings" panose="05000000000000000000" pitchFamily="2" charset="2"/>
-              <a:buChar char="§"/>
-            </a:pPr>
-            <a:r>
-              <a:rPr lang="es-AR" altLang="es-AR" sz="2000" dirty="0">
+              <a:buFont typeface="Courier New" panose="02070309020205020404" pitchFamily="49" charset="0"/>
+              <a:buChar char="o"/>
+            </a:pPr>
+            <a:r>
+              <a:rPr lang="es-AR" altLang="es-AR" dirty="0">
                 <a:solidFill>
                   <a:schemeClr val="tx1"/>
                 </a:solidFill>
@@ -16824,7 +17039,7 @@
               <a:t>El</a:t>
             </a:r>
             <a:r>
-              <a:rPr lang="en-GB" altLang="es-AR" sz="2000" dirty="0">
+              <a:rPr lang="en-GB" altLang="es-AR" dirty="0">
                 <a:solidFill>
                   <a:schemeClr val="tx1"/>
                 </a:solidFill>
@@ -16832,7 +17047,7 @@
               <a:t> </a:t>
             </a:r>
             <a:r>
-              <a:rPr lang="en-GB" altLang="es-AR" sz="2000" dirty="0" err="1">
+              <a:rPr lang="en-GB" altLang="es-AR" dirty="0" err="1">
                 <a:solidFill>
                   <a:schemeClr val="tx1"/>
                 </a:solidFill>
@@ -16840,7 +17055,7 @@
               <a:t>código</a:t>
             </a:r>
             <a:r>
-              <a:rPr lang="en-GB" altLang="es-AR" sz="2000" dirty="0">
+              <a:rPr lang="en-GB" altLang="es-AR" dirty="0">
                 <a:solidFill>
                   <a:schemeClr val="tx1"/>
                 </a:solidFill>
@@ -16848,7 +17063,7 @@
               <a:t> </a:t>
             </a:r>
             <a:r>
-              <a:rPr lang="es-AR" altLang="es-AR" sz="2000" dirty="0">
+              <a:rPr lang="es-AR" altLang="es-AR" dirty="0">
                 <a:solidFill>
                   <a:schemeClr val="tx1"/>
                 </a:solidFill>
@@ -16856,7 +17071,7 @@
               <a:t>de</a:t>
             </a:r>
             <a:r>
-              <a:rPr lang="en-GB" altLang="es-AR" sz="2000" dirty="0">
+              <a:rPr lang="en-GB" altLang="es-AR" dirty="0">
                 <a:solidFill>
                   <a:schemeClr val="tx1"/>
                 </a:solidFill>
@@ -16864,7 +17079,7 @@
               <a:t> la a</a:t>
             </a:r>
             <a:r>
-              <a:rPr lang="es-AR" altLang="es-AR" sz="2000" dirty="0" err="1">
+              <a:rPr lang="es-AR" altLang="es-AR" dirty="0" err="1">
                 <a:solidFill>
                   <a:schemeClr val="tx1"/>
                 </a:solidFill>
@@ -16872,14 +17087,14 @@
               <a:t>plicación</a:t>
             </a:r>
             <a:r>
-              <a:rPr lang="es-AR" altLang="es-AR" sz="2000" dirty="0">
+              <a:rPr lang="es-AR" altLang="es-AR" dirty="0">
                 <a:solidFill>
                   <a:schemeClr val="tx1"/>
                 </a:solidFill>
               </a:rPr>
               <a:t> no depende de clases concretas.</a:t>
             </a:r>
-            <a:endParaRPr lang="es-AR" sz="2000" dirty="0">
+            <a:endParaRPr lang="es-AR" dirty="0">
               <a:solidFill>
                 <a:schemeClr val="tx1"/>
               </a:solidFill>
@@ -16890,6 +17105,9 @@
               <a:lnSpc>
                 <a:spcPct val="100000"/>
               </a:lnSpc>
+              <a:spcAft>
+                <a:spcPts val="400"/>
+              </a:spcAft>
               <a:buClr>
                 <a:schemeClr val="accent6"/>
               </a:buClr>
@@ -17008,7 +17226,7 @@
           <a:p>
             <a:pPr marL="285750" indent="-285750">
               <a:spcAft>
-                <a:spcPts val="1200"/>
+                <a:spcPts val="400"/>
               </a:spcAft>
               <a:buClr>
                 <a:schemeClr val="accent6"/>
@@ -17350,7 +17568,7 @@
               <a:t>servicio</a:t>
             </a:r>
             <a:r>
-              <a:rPr lang="en-US" sz="2000" dirty="0">
+              <a:rPr lang="en-US" sz="2000" dirty="0" smtClean="0">
                 <a:solidFill>
                   <a:schemeClr val="tx1"/>
                 </a:solidFill>
@@ -17360,9 +17578,25 @@
             </a:r>
           </a:p>
           <a:p>
+            <a:pPr>
+              <a:spcAft>
+                <a:spcPts val="400"/>
+              </a:spcAft>
+              <a:buClr>
+                <a:schemeClr val="accent6"/>
+              </a:buClr>
+            </a:pPr>
+            <a:endParaRPr lang="en-US" sz="2000" dirty="0">
+              <a:solidFill>
+                <a:schemeClr val="tx1"/>
+              </a:solidFill>
+              <a:latin typeface="+mn-lt"/>
+            </a:endParaRPr>
+          </a:p>
+          <a:p>
             <a:pPr marL="285750" indent="-285750">
               <a:spcAft>
-                <a:spcPts val="1200"/>
+                <a:spcPts val="400"/>
               </a:spcAft>
               <a:buClr>
                 <a:schemeClr val="accent6"/>
@@ -17500,17 +17734,17 @@
           <a:p>
             <a:pPr marL="540000" lvl="1" indent="-285750">
               <a:spcAft>
-                <a:spcPts val="1200"/>
+                <a:spcPts val="400"/>
               </a:spcAft>
               <a:buClr>
                 <a:schemeClr val="accent6"/>
               </a:buClr>
               <a:buSzPct val="100000"/>
-              <a:buFont typeface="Wingdings" panose="05000000000000000000" pitchFamily="2" charset="2"/>
-              <a:buChar char="§"/>
-            </a:pPr>
-            <a:r>
-              <a:rPr lang="en-US" sz="2000" dirty="0">
+              <a:buFont typeface="Courier New" panose="02070309020205020404" pitchFamily="49" charset="0"/>
+              <a:buChar char="o"/>
+            </a:pPr>
+            <a:r>
+              <a:rPr lang="en-US" dirty="0">
                 <a:solidFill>
                   <a:schemeClr val="tx1"/>
                 </a:solidFill>
@@ -17518,7 +17752,7 @@
               <a:t>public Constructor (</a:t>
             </a:r>
             <a:r>
-              <a:rPr lang="en-US" sz="2000" dirty="0" err="1">
+              <a:rPr lang="en-US" dirty="0" err="1">
                 <a:solidFill>
                   <a:schemeClr val="tx1"/>
                 </a:solidFill>
@@ -17526,7 +17760,7 @@
               <a:t>IDependency</a:t>
             </a:r>
             <a:r>
-              <a:rPr lang="en-US" sz="2000" dirty="0">
+              <a:rPr lang="en-US" dirty="0">
                 <a:solidFill>
                   <a:schemeClr val="tx1"/>
                 </a:solidFill>
@@ -17537,7 +17771,7 @@
           <a:p>
             <a:pPr marL="285750" indent="-285750">
               <a:spcAft>
-                <a:spcPts val="1200"/>
+                <a:spcPts val="400"/>
               </a:spcAft>
               <a:buClr>
                 <a:schemeClr val="accent6"/>
@@ -17545,6 +17779,42 @@
               <a:buFont typeface="Arial" charset="0"/>
               <a:buChar char="•"/>
             </a:pPr>
+            <a:endParaRPr lang="en-US" sz="2000" dirty="0" smtClean="0">
+              <a:solidFill>
+                <a:schemeClr val="tx1"/>
+              </a:solidFill>
+              <a:latin typeface="+mn-lt"/>
+            </a:endParaRPr>
+          </a:p>
+          <a:p>
+            <a:pPr marL="285750" indent="-285750">
+              <a:spcAft>
+                <a:spcPts val="400"/>
+              </a:spcAft>
+              <a:buClr>
+                <a:schemeClr val="accent6"/>
+              </a:buClr>
+              <a:buFont typeface="Arial" charset="0"/>
+              <a:buChar char="•"/>
+            </a:pPr>
+            <a:r>
+              <a:rPr lang="en-US" sz="2000" dirty="0" smtClean="0">
+                <a:solidFill>
+                  <a:schemeClr val="tx1"/>
+                </a:solidFill>
+                <a:latin typeface="+mn-lt"/>
+              </a:rPr>
+              <a:t>El </a:t>
+            </a:r>
+            <a:r>
+              <a:rPr lang="en-US" sz="2000" dirty="0" err="1">
+                <a:solidFill>
+                  <a:schemeClr val="tx1"/>
+                </a:solidFill>
+                <a:latin typeface="+mn-lt"/>
+              </a:rPr>
+              <a:t>cliente</a:t>
+            </a:r>
             <a:r>
               <a:rPr lang="en-US" sz="2000" dirty="0">
                 <a:solidFill>
@@ -17552,7 +17822,7 @@
                 </a:solidFill>
                 <a:latin typeface="+mn-lt"/>
               </a:rPr>
-              <a:t>El </a:t>
+              <a:t> </a:t>
             </a:r>
             <a:r>
               <a:rPr lang="en-US" sz="2000" dirty="0" err="1">
@@ -17561,7 +17831,7 @@
                 </a:solidFill>
                 <a:latin typeface="+mn-lt"/>
               </a:rPr>
-              <a:t>cliente</a:t>
+              <a:t>ya</a:t>
             </a:r>
             <a:r>
               <a:rPr lang="en-US" sz="2000" dirty="0">
@@ -17570,6 +17840,24 @@
                 </a:solidFill>
                 <a:latin typeface="+mn-lt"/>
               </a:rPr>
+              <a:t> no </a:t>
+            </a:r>
+            <a:r>
+              <a:rPr lang="en-US" sz="2000" dirty="0" err="1">
+                <a:solidFill>
+                  <a:schemeClr val="tx1"/>
+                </a:solidFill>
+                <a:latin typeface="+mn-lt"/>
+              </a:rPr>
+              <a:t>necesita</a:t>
+            </a:r>
+            <a:r>
+              <a:rPr lang="en-US" sz="2000" dirty="0">
+                <a:solidFill>
+                  <a:schemeClr val="tx1"/>
+                </a:solidFill>
+                <a:latin typeface="+mn-lt"/>
+              </a:rPr>
               <a:t> </a:t>
             </a:r>
             <a:r>
@@ -17579,7 +17867,7 @@
                 </a:solidFill>
                 <a:latin typeface="+mn-lt"/>
               </a:rPr>
-              <a:t>ya</a:t>
+              <a:t>ningún</a:t>
             </a:r>
             <a:r>
               <a:rPr lang="en-US" sz="2000" dirty="0">
@@ -17588,7 +17876,7 @@
                 </a:solidFill>
                 <a:latin typeface="+mn-lt"/>
               </a:rPr>
-              <a:t> no </a:t>
+              <a:t> </a:t>
             </a:r>
             <a:r>
               <a:rPr lang="en-US" sz="2000" dirty="0" err="1">
@@ -17597,7 +17885,7 @@
                 </a:solidFill>
                 <a:latin typeface="+mn-lt"/>
               </a:rPr>
-              <a:t>necesita</a:t>
+              <a:t>conocimiento</a:t>
             </a:r>
             <a:r>
               <a:rPr lang="en-US" sz="2000" dirty="0">
@@ -17615,7 +17903,7 @@
                 </a:solidFill>
                 <a:latin typeface="+mn-lt"/>
               </a:rPr>
-              <a:t>ningún</a:t>
+              <a:t>sobre</a:t>
             </a:r>
             <a:r>
               <a:rPr lang="en-US" sz="2000" dirty="0">
@@ -17624,6 +17912,24 @@
                 </a:solidFill>
                 <a:latin typeface="+mn-lt"/>
               </a:rPr>
+              <a:t> la </a:t>
+            </a:r>
+            <a:r>
+              <a:rPr lang="en-US" sz="2000" dirty="0" err="1">
+                <a:solidFill>
+                  <a:schemeClr val="tx1"/>
+                </a:solidFill>
+                <a:latin typeface="+mn-lt"/>
+              </a:rPr>
+              <a:t>implementación</a:t>
+            </a:r>
+            <a:r>
+              <a:rPr lang="en-US" sz="2000" dirty="0">
+                <a:solidFill>
+                  <a:schemeClr val="tx1"/>
+                </a:solidFill>
+                <a:latin typeface="+mn-lt"/>
+              </a:rPr>
               <a:t> </a:t>
             </a:r>
             <a:r>
@@ -17633,7 +17939,7 @@
                 </a:solidFill>
                 <a:latin typeface="+mn-lt"/>
               </a:rPr>
-              <a:t>conocimiento</a:t>
+              <a:t>concreta</a:t>
             </a:r>
             <a:r>
               <a:rPr lang="en-US" sz="2000" dirty="0">
@@ -17642,79 +17948,7 @@
                 </a:solidFill>
                 <a:latin typeface="+mn-lt"/>
               </a:rPr>
-              <a:t> </a:t>
-            </a:r>
-            <a:r>
-              <a:rPr lang="en-US" sz="2000" dirty="0" err="1">
-                <a:solidFill>
-                  <a:schemeClr val="tx1"/>
-                </a:solidFill>
-                <a:latin typeface="+mn-lt"/>
-              </a:rPr>
-              <a:t>sobre</a:t>
-            </a:r>
-            <a:r>
-              <a:rPr lang="en-US" sz="2000" dirty="0">
-                <a:solidFill>
-                  <a:schemeClr val="tx1"/>
-                </a:solidFill>
-                <a:latin typeface="+mn-lt"/>
-              </a:rPr>
-              <a:t> la </a:t>
-            </a:r>
-            <a:r>
-              <a:rPr lang="en-US" sz="2000" dirty="0" err="1">
-                <a:solidFill>
-                  <a:schemeClr val="tx1"/>
-                </a:solidFill>
-                <a:latin typeface="+mn-lt"/>
-              </a:rPr>
-              <a:t>implementación</a:t>
-            </a:r>
-            <a:r>
-              <a:rPr lang="en-US" sz="2000" dirty="0">
-                <a:solidFill>
-                  <a:schemeClr val="tx1"/>
-                </a:solidFill>
-                <a:latin typeface="+mn-lt"/>
-              </a:rPr>
-              <a:t> </a:t>
-            </a:r>
-            <a:r>
-              <a:rPr lang="en-US" sz="2000" dirty="0" err="1">
-                <a:solidFill>
-                  <a:schemeClr val="tx1"/>
-                </a:solidFill>
-                <a:latin typeface="+mn-lt"/>
-              </a:rPr>
-              <a:t>concreta</a:t>
-            </a:r>
-            <a:r>
-              <a:rPr lang="en-US" sz="2000" dirty="0">
-                <a:solidFill>
-                  <a:schemeClr val="tx1"/>
-                </a:solidFill>
-                <a:latin typeface="+mn-lt"/>
-              </a:rPr>
-              <a:t> </a:t>
-            </a:r>
-            <a:r>
-              <a:rPr lang="en-US" sz="2000" dirty="0" err="1">
-                <a:solidFill>
-                  <a:schemeClr val="tx1"/>
-                </a:solidFill>
-                <a:latin typeface="+mn-lt"/>
-              </a:rPr>
-              <a:t>que</a:t>
-            </a:r>
-            <a:r>
-              <a:rPr lang="en-US" sz="2000" dirty="0">
-                <a:solidFill>
-                  <a:schemeClr val="tx1"/>
-                </a:solidFill>
-                <a:latin typeface="+mn-lt"/>
-              </a:rPr>
-              <a:t> </a:t>
+              <a:t> que </a:t>
             </a:r>
             <a:r>
               <a:rPr lang="en-US" sz="2000" dirty="0" err="1">
@@ -17961,7 +18195,7 @@
         </p:nvSpPr>
         <p:spPr>
           <a:xfrm>
-            <a:off x="1169678" y="2238817"/>
+            <a:off x="1169678" y="2111817"/>
             <a:ext cx="8488424" cy="3917082"/>
           </a:xfrm>
         </p:spPr>
@@ -17971,7 +18205,7 @@
           <a:p>
             <a:pPr marL="285750" indent="-285750">
               <a:spcAft>
-                <a:spcPts val="1200"/>
+                <a:spcPts val="400"/>
               </a:spcAft>
               <a:buClr>
                 <a:schemeClr val="accent6"/>
@@ -18043,7 +18277,7 @@
               <a:t> Mock para tests </a:t>
             </a:r>
             <a:r>
-              <a:rPr lang="en-US" sz="2000" dirty="0" err="1">
+              <a:rPr lang="en-US" sz="2000" dirty="0" err="1" smtClean="0">
                 <a:solidFill>
                   <a:schemeClr val="tx1"/>
                 </a:solidFill>
@@ -18051,6 +18285,22 @@
               </a:rPr>
               <a:t>unitarios</a:t>
             </a:r>
+            <a:endParaRPr lang="en-US" sz="2000" dirty="0" smtClean="0">
+              <a:solidFill>
+                <a:schemeClr val="tx1"/>
+              </a:solidFill>
+              <a:latin typeface="+mn-lt"/>
+            </a:endParaRPr>
+          </a:p>
+          <a:p>
+            <a:pPr>
+              <a:spcAft>
+                <a:spcPts val="400"/>
+              </a:spcAft>
+              <a:buClr>
+                <a:schemeClr val="accent6"/>
+              </a:buClr>
+            </a:pPr>
             <a:endParaRPr lang="en-US" sz="2000" dirty="0">
               <a:solidFill>
                 <a:schemeClr val="tx1"/>
@@ -18061,7 +18311,7 @@
           <a:p>
             <a:pPr marL="285750" indent="-285750">
               <a:spcAft>
-                <a:spcPts val="1200"/>
+                <a:spcPts val="400"/>
               </a:spcAft>
               <a:buClr>
                 <a:schemeClr val="accent6"/>
@@ -18109,7 +18359,7 @@
           <a:p>
             <a:pPr marL="285750" indent="-285750">
               <a:spcAft>
-                <a:spcPts val="1200"/>
+                <a:spcPts val="400"/>
               </a:spcAft>
               <a:buClr>
                 <a:schemeClr val="accent6"/>
@@ -18117,6 +18367,33 @@
               <a:buFont typeface="Arial" charset="0"/>
               <a:buChar char="•"/>
             </a:pPr>
+            <a:endParaRPr lang="es-AR" sz="2000" dirty="0" smtClean="0">
+              <a:solidFill>
+                <a:schemeClr val="tx1"/>
+              </a:solidFill>
+              <a:latin typeface="+mn-lt"/>
+            </a:endParaRPr>
+          </a:p>
+          <a:p>
+            <a:pPr marL="285750" indent="-285750">
+              <a:spcAft>
+                <a:spcPts val="400"/>
+              </a:spcAft>
+              <a:buClr>
+                <a:schemeClr val="accent6"/>
+              </a:buClr>
+              <a:buFont typeface="Arial" charset="0"/>
+              <a:buChar char="•"/>
+            </a:pPr>
+            <a:r>
+              <a:rPr lang="es-AR" sz="2000" dirty="0" smtClean="0">
+                <a:solidFill>
+                  <a:schemeClr val="tx1"/>
+                </a:solidFill>
+                <a:latin typeface="+mn-lt"/>
+              </a:rPr>
+              <a:t>Hace </a:t>
+            </a:r>
             <a:r>
               <a:rPr lang="es-AR" sz="2000" dirty="0">
                 <a:solidFill>
@@ -18124,7 +18401,7 @@
                 </a:solidFill>
                 <a:latin typeface="+mn-lt"/>
               </a:rPr>
-              <a:t>Hace obvias las violaciones </a:t>
+              <a:t>obvias las violaciones </a:t>
             </a:r>
             <a:r>
               <a:rPr lang="en-GB" sz="2000" dirty="0">
@@ -18145,17 +18422,17 @@
           <a:p>
             <a:pPr marL="540000" lvl="1" indent="-285750">
               <a:spcAft>
-                <a:spcPts val="1200"/>
+                <a:spcPts val="400"/>
               </a:spcAft>
               <a:buClr>
                 <a:schemeClr val="accent6"/>
               </a:buClr>
               <a:buSzPct val="100000"/>
-              <a:buFont typeface="Wingdings" panose="05000000000000000000" pitchFamily="2" charset="2"/>
-              <a:buChar char="§"/>
-            </a:pPr>
-            <a:r>
-              <a:rPr lang="en-GB" sz="2000" dirty="0">
+              <a:buFont typeface="Courier New" panose="02070309020205020404" pitchFamily="49" charset="0"/>
+              <a:buChar char="o"/>
+            </a:pPr>
+            <a:r>
+              <a:rPr lang="en-GB" dirty="0">
                 <a:solidFill>
                   <a:schemeClr val="tx1"/>
                 </a:solidFill>
@@ -18166,7 +18443,7 @@
           <a:p>
             <a:pPr marL="285750" indent="-285750">
               <a:spcAft>
-                <a:spcPts val="1200"/>
+                <a:spcPts val="400"/>
               </a:spcAft>
               <a:buClr>
                 <a:schemeClr val="accent6"/>
@@ -18174,8 +18451,26 @@
               <a:buFont typeface="Arial" charset="0"/>
               <a:buChar char="•"/>
             </a:pPr>
-            <a:r>
-              <a:rPr lang="es-AR" sz="2000" dirty="0" err="1">
+            <a:endParaRPr lang="es-AR" sz="2000" dirty="0" smtClean="0">
+              <a:solidFill>
+                <a:schemeClr val="tx1"/>
+              </a:solidFill>
+              <a:latin typeface="+mn-lt"/>
+            </a:endParaRPr>
+          </a:p>
+          <a:p>
+            <a:pPr marL="285750" indent="-285750">
+              <a:spcAft>
+                <a:spcPts val="400"/>
+              </a:spcAft>
+              <a:buClr>
+                <a:schemeClr val="accent6"/>
+              </a:buClr>
+              <a:buFont typeface="Arial" charset="0"/>
+              <a:buChar char="•"/>
+            </a:pPr>
+            <a:r>
+              <a:rPr lang="es-AR" sz="2000" dirty="0" err="1" smtClean="0">
                 <a:solidFill>
                   <a:schemeClr val="tx1"/>
                 </a:solidFill>
@@ -18184,13 +18479,22 @@
               <a:t>Frameworks</a:t>
             </a:r>
             <a:r>
+              <a:rPr lang="es-AR" sz="2000" dirty="0" smtClean="0">
+                <a:solidFill>
+                  <a:schemeClr val="tx1"/>
+                </a:solidFill>
+                <a:latin typeface="+mn-lt"/>
+              </a:rPr>
+              <a:t> </a:t>
+            </a:r>
+            <a:r>
               <a:rPr lang="es-AR" sz="2000" dirty="0">
                 <a:solidFill>
                   <a:schemeClr val="tx1"/>
                 </a:solidFill>
                 <a:latin typeface="+mn-lt"/>
               </a:rPr>
-              <a:t> de inyección de dependencias </a:t>
+              <a:t>de inyección de dependencias </a:t>
             </a:r>
             <a:r>
               <a:rPr lang="en-GB" sz="2000" dirty="0">
@@ -18203,16 +18507,16 @@
             </a:r>
           </a:p>
           <a:p>
-            <a:pPr marL="540000" lvl="1" indent="-285750">
-              <a:spcAft>
-                <a:spcPts val="1200"/>
+            <a:pPr marL="597150" lvl="1" indent="-342900">
+              <a:spcAft>
+                <a:spcPts val="400"/>
               </a:spcAft>
               <a:buClr>
                 <a:schemeClr val="accent6"/>
               </a:buClr>
               <a:buSzPct val="100000"/>
-              <a:buFont typeface="Wingdings" panose="05000000000000000000" pitchFamily="2" charset="2"/>
-              <a:buChar char="§"/>
+              <a:buFont typeface="Courier New" panose="02070309020205020404" pitchFamily="49" charset="0"/>
+              <a:buChar char="o"/>
             </a:pPr>
             <a:r>
               <a:rPr lang="en-GB" sz="2000" dirty="0" err="1">
@@ -18596,7 +18900,7 @@
         </p:nvSpPr>
         <p:spPr>
           <a:xfrm>
-            <a:off x="1124464" y="1664853"/>
+            <a:off x="1124464" y="1918853"/>
             <a:ext cx="8488424" cy="4927016"/>
           </a:xfrm>
         </p:spPr>
@@ -18606,7 +18910,7 @@
           <a:p>
             <a:pPr marL="285750" indent="-285750">
               <a:spcAft>
-                <a:spcPts val="1200"/>
+                <a:spcPts val="400"/>
               </a:spcAft>
               <a:buClr>
                 <a:schemeClr val="accent6"/>
@@ -18615,13 +18919,22 @@
               <a:buChar char="•"/>
             </a:pPr>
             <a:r>
+              <a:rPr lang="en-GB" sz="2000" dirty="0" smtClean="0">
+                <a:solidFill>
+                  <a:schemeClr val="tx1"/>
+                </a:solidFill>
+                <a:latin typeface="+mn-lt"/>
+              </a:rPr>
+              <a:t>Ideal </a:t>
+            </a:r>
+            <a:r>
               <a:rPr lang="en-GB" sz="2000" dirty="0">
                 <a:solidFill>
                   <a:schemeClr val="tx1"/>
                 </a:solidFill>
                 <a:latin typeface="+mn-lt"/>
               </a:rPr>
-              <a:t> Ideal para </a:t>
+              <a:t>para </a:t>
             </a:r>
             <a:r>
               <a:rPr lang="en-GB" sz="2000" dirty="0" err="1">
@@ -18804,7 +19117,7 @@
               <a:t> la </a:t>
             </a:r>
             <a:r>
-              <a:rPr lang="en-GB" sz="2000" dirty="0" err="1">
+              <a:rPr lang="en-GB" sz="2000" dirty="0" err="1" smtClean="0">
                 <a:solidFill>
                   <a:schemeClr val="tx1"/>
                 </a:solidFill>
@@ -18812,350 +19125,17 @@
               </a:rPr>
               <a:t>superclase</a:t>
             </a:r>
-            <a:r>
-              <a:rPr lang="en-GB" sz="2000" dirty="0">
-                <a:solidFill>
-                  <a:schemeClr val="tx1"/>
-                </a:solidFill>
-                <a:latin typeface="+mn-lt"/>
-              </a:rPr>
-              <a:t>.</a:t>
-            </a:r>
+            <a:endParaRPr lang="en-GB" sz="2000" dirty="0" smtClean="0">
+              <a:solidFill>
+                <a:schemeClr val="tx1"/>
+              </a:solidFill>
+              <a:latin typeface="+mn-lt"/>
+            </a:endParaRPr>
           </a:p>
           <a:p>
             <a:pPr marL="285750" indent="-285750">
               <a:spcAft>
-                <a:spcPts val="1200"/>
-              </a:spcAft>
-              <a:buClr>
-                <a:schemeClr val="accent6"/>
-              </a:buClr>
-              <a:buFont typeface="Arial" charset="0"/>
-              <a:buChar char="•"/>
-            </a:pPr>
-            <a:r>
-              <a:rPr lang="en-GB" sz="2000" dirty="0">
-                <a:solidFill>
-                  <a:schemeClr val="tx1"/>
-                </a:solidFill>
-                <a:latin typeface="+mn-lt"/>
-              </a:rPr>
-              <a:t> </a:t>
-            </a:r>
-            <a:r>
-              <a:rPr lang="en-GB" sz="2000" dirty="0" err="1">
-                <a:solidFill>
-                  <a:schemeClr val="tx1"/>
-                </a:solidFill>
-                <a:latin typeface="+mn-lt"/>
-              </a:rPr>
-              <a:t>Permite</a:t>
-            </a:r>
-            <a:r>
-              <a:rPr lang="en-GB" sz="2000" dirty="0">
-                <a:solidFill>
-                  <a:schemeClr val="tx1"/>
-                </a:solidFill>
-                <a:latin typeface="+mn-lt"/>
-              </a:rPr>
-              <a:t> </a:t>
-            </a:r>
-            <a:r>
-              <a:rPr lang="en-GB" sz="2000" dirty="0" err="1">
-                <a:solidFill>
-                  <a:schemeClr val="tx1"/>
-                </a:solidFill>
-                <a:latin typeface="+mn-lt"/>
-              </a:rPr>
-              <a:t>que</a:t>
-            </a:r>
-            <a:r>
-              <a:rPr lang="en-GB" sz="2000" dirty="0">
-                <a:solidFill>
-                  <a:schemeClr val="tx1"/>
-                </a:solidFill>
-                <a:latin typeface="+mn-lt"/>
-              </a:rPr>
-              <a:t> </a:t>
-            </a:r>
-            <a:r>
-              <a:rPr lang="en-GB" sz="2000" dirty="0" err="1">
-                <a:solidFill>
-                  <a:schemeClr val="tx1"/>
-                </a:solidFill>
-                <a:latin typeface="+mn-lt"/>
-              </a:rPr>
-              <a:t>las</a:t>
-            </a:r>
-            <a:r>
-              <a:rPr lang="en-GB" sz="2000" dirty="0">
-                <a:solidFill>
-                  <a:schemeClr val="tx1"/>
-                </a:solidFill>
-                <a:latin typeface="+mn-lt"/>
-              </a:rPr>
-              <a:t> </a:t>
-            </a:r>
-            <a:r>
-              <a:rPr lang="en-GB" sz="2000" dirty="0" err="1">
-                <a:solidFill>
-                  <a:schemeClr val="tx1"/>
-                </a:solidFill>
-                <a:latin typeface="+mn-lt"/>
-              </a:rPr>
-              <a:t>subclases</a:t>
-            </a:r>
-            <a:r>
-              <a:rPr lang="en-GB" sz="2000" dirty="0">
-                <a:solidFill>
-                  <a:schemeClr val="tx1"/>
-                </a:solidFill>
-                <a:latin typeface="+mn-lt"/>
-              </a:rPr>
-              <a:t> </a:t>
-            </a:r>
-            <a:r>
-              <a:rPr lang="en-GB" sz="2000" dirty="0" err="1">
-                <a:solidFill>
-                  <a:schemeClr val="tx1"/>
-                </a:solidFill>
-                <a:latin typeface="+mn-lt"/>
-              </a:rPr>
-              <a:t>implementen</a:t>
-            </a:r>
-            <a:r>
-              <a:rPr lang="en-GB" sz="2000" dirty="0">
-                <a:solidFill>
-                  <a:schemeClr val="tx1"/>
-                </a:solidFill>
-                <a:latin typeface="+mn-lt"/>
-              </a:rPr>
-              <a:t> </a:t>
-            </a:r>
-            <a:r>
-              <a:rPr lang="en-GB" sz="2000" dirty="0" err="1">
-                <a:solidFill>
-                  <a:schemeClr val="tx1"/>
-                </a:solidFill>
-                <a:latin typeface="+mn-lt"/>
-              </a:rPr>
-              <a:t>nueva</a:t>
-            </a:r>
-            <a:r>
-              <a:rPr lang="en-GB" sz="2000" dirty="0">
-                <a:solidFill>
-                  <a:schemeClr val="tx1"/>
-                </a:solidFill>
-                <a:latin typeface="+mn-lt"/>
-              </a:rPr>
-              <a:t> </a:t>
-            </a:r>
-            <a:r>
-              <a:rPr lang="en-GB" sz="2000" dirty="0" err="1">
-                <a:solidFill>
-                  <a:schemeClr val="tx1"/>
-                </a:solidFill>
-                <a:latin typeface="+mn-lt"/>
-              </a:rPr>
-              <a:t>funcionalidad</a:t>
-            </a:r>
-            <a:r>
-              <a:rPr lang="en-GB" sz="2000" dirty="0">
-                <a:solidFill>
-                  <a:schemeClr val="tx1"/>
-                </a:solidFill>
-                <a:latin typeface="+mn-lt"/>
-              </a:rPr>
-              <a:t> sin </a:t>
-            </a:r>
-            <a:r>
-              <a:rPr lang="en-GB" sz="2000" dirty="0" err="1">
-                <a:solidFill>
-                  <a:schemeClr val="tx1"/>
-                </a:solidFill>
-                <a:latin typeface="+mn-lt"/>
-              </a:rPr>
-              <a:t>afectar</a:t>
-            </a:r>
-            <a:r>
-              <a:rPr lang="en-GB" sz="2000" dirty="0">
-                <a:solidFill>
-                  <a:schemeClr val="tx1"/>
-                </a:solidFill>
-                <a:latin typeface="+mn-lt"/>
-              </a:rPr>
-              <a:t> </a:t>
-            </a:r>
-            <a:r>
-              <a:rPr lang="en-GB" sz="2000" dirty="0" err="1">
-                <a:solidFill>
-                  <a:schemeClr val="tx1"/>
-                </a:solidFill>
-                <a:latin typeface="+mn-lt"/>
-              </a:rPr>
-              <a:t>otras</a:t>
-            </a:r>
-            <a:r>
-              <a:rPr lang="en-GB" sz="2000" dirty="0">
-                <a:solidFill>
-                  <a:schemeClr val="tx1"/>
-                </a:solidFill>
-                <a:latin typeface="+mn-lt"/>
-              </a:rPr>
-              <a:t> </a:t>
-            </a:r>
-            <a:r>
-              <a:rPr lang="en-GB" sz="2000" dirty="0" err="1">
-                <a:solidFill>
-                  <a:schemeClr val="tx1"/>
-                </a:solidFill>
-                <a:latin typeface="+mn-lt"/>
-              </a:rPr>
-              <a:t>subclases</a:t>
-            </a:r>
-            <a:r>
-              <a:rPr lang="en-GB" sz="2000" dirty="0">
-                <a:solidFill>
-                  <a:schemeClr val="tx1"/>
-                </a:solidFill>
-                <a:latin typeface="+mn-lt"/>
-              </a:rPr>
-              <a:t>.</a:t>
-            </a:r>
-          </a:p>
-          <a:p>
-            <a:pPr marL="285750" indent="-285750">
-              <a:spcAft>
-                <a:spcPts val="1200"/>
-              </a:spcAft>
-              <a:buClr>
-                <a:schemeClr val="accent6"/>
-              </a:buClr>
-              <a:buFont typeface="Arial" charset="0"/>
-              <a:buChar char="•"/>
-            </a:pPr>
-            <a:r>
-              <a:rPr lang="en-GB" sz="2000" dirty="0">
-                <a:solidFill>
-                  <a:schemeClr val="tx1"/>
-                </a:solidFill>
-                <a:latin typeface="+mn-lt"/>
-              </a:rPr>
-              <a:t> </a:t>
-            </a:r>
-            <a:r>
-              <a:rPr lang="en-GB" sz="2000" dirty="0" err="1">
-                <a:solidFill>
-                  <a:schemeClr val="tx1"/>
-                </a:solidFill>
-                <a:latin typeface="+mn-lt"/>
-              </a:rPr>
-              <a:t>Permite</a:t>
-            </a:r>
-            <a:r>
-              <a:rPr lang="en-GB" sz="2000" dirty="0">
-                <a:solidFill>
-                  <a:schemeClr val="tx1"/>
-                </a:solidFill>
-                <a:latin typeface="+mn-lt"/>
-              </a:rPr>
-              <a:t> </a:t>
-            </a:r>
-            <a:r>
-              <a:rPr lang="en-GB" sz="2000" dirty="0" err="1">
-                <a:solidFill>
-                  <a:schemeClr val="tx1"/>
-                </a:solidFill>
-                <a:latin typeface="+mn-lt"/>
-              </a:rPr>
-              <a:t>cambios</a:t>
-            </a:r>
-            <a:r>
-              <a:rPr lang="en-GB" sz="2000" dirty="0">
-                <a:solidFill>
-                  <a:schemeClr val="tx1"/>
-                </a:solidFill>
-                <a:latin typeface="+mn-lt"/>
-              </a:rPr>
-              <a:t> de </a:t>
-            </a:r>
-            <a:r>
-              <a:rPr lang="en-GB" sz="2000" dirty="0" err="1">
-                <a:solidFill>
-                  <a:schemeClr val="tx1"/>
-                </a:solidFill>
-                <a:latin typeface="+mn-lt"/>
-              </a:rPr>
-              <a:t>comportamiento</a:t>
-            </a:r>
-            <a:r>
-              <a:rPr lang="en-GB" sz="2000" dirty="0">
-                <a:solidFill>
-                  <a:schemeClr val="tx1"/>
-                </a:solidFill>
-                <a:latin typeface="+mn-lt"/>
-              </a:rPr>
-              <a:t> </a:t>
-            </a:r>
-            <a:r>
-              <a:rPr lang="en-GB" sz="2000" dirty="0" err="1">
-                <a:solidFill>
-                  <a:schemeClr val="tx1"/>
-                </a:solidFill>
-                <a:latin typeface="+mn-lt"/>
-              </a:rPr>
-              <a:t>en</a:t>
-            </a:r>
-            <a:r>
-              <a:rPr lang="en-GB" sz="2000" dirty="0">
-                <a:solidFill>
-                  <a:schemeClr val="tx1"/>
-                </a:solidFill>
-                <a:latin typeface="+mn-lt"/>
-              </a:rPr>
-              <a:t> </a:t>
-            </a:r>
-            <a:r>
-              <a:rPr lang="en-GB" sz="2000" dirty="0" err="1">
-                <a:solidFill>
-                  <a:schemeClr val="tx1"/>
-                </a:solidFill>
-                <a:latin typeface="+mn-lt"/>
-              </a:rPr>
-              <a:t>tiempo</a:t>
-            </a:r>
-            <a:r>
-              <a:rPr lang="en-GB" sz="2000" dirty="0">
-                <a:solidFill>
-                  <a:schemeClr val="tx1"/>
-                </a:solidFill>
-                <a:latin typeface="+mn-lt"/>
-              </a:rPr>
-              <a:t> de </a:t>
-            </a:r>
-            <a:r>
-              <a:rPr lang="en-GB" sz="2000" dirty="0" err="1">
-                <a:solidFill>
-                  <a:schemeClr val="tx1"/>
-                </a:solidFill>
-                <a:latin typeface="+mn-lt"/>
-              </a:rPr>
-              <a:t>ejecución</a:t>
-            </a:r>
-            <a:r>
-              <a:rPr lang="en-GB" sz="2000" dirty="0">
-                <a:solidFill>
-                  <a:schemeClr val="tx1"/>
-                </a:solidFill>
-                <a:latin typeface="+mn-lt"/>
-              </a:rPr>
-              <a:t>.</a:t>
-            </a:r>
-          </a:p>
-          <a:p>
-            <a:pPr marL="285750" indent="-285750">
-              <a:spcAft>
-                <a:spcPts val="1200"/>
+                <a:spcPts val="400"/>
               </a:spcAft>
               <a:buClr>
                 <a:schemeClr val="accent6"/>
@@ -19173,7 +19153,340 @@
           <a:p>
             <a:pPr marL="285750" indent="-285750">
               <a:spcAft>
-                <a:spcPts val="1200"/>
+                <a:spcPts val="400"/>
+              </a:spcAft>
+              <a:buClr>
+                <a:schemeClr val="accent6"/>
+              </a:buClr>
+              <a:buFont typeface="Arial" charset="0"/>
+              <a:buChar char="•"/>
+            </a:pPr>
+            <a:r>
+              <a:rPr lang="en-GB" sz="2000" dirty="0" err="1" smtClean="0">
+                <a:solidFill>
+                  <a:schemeClr val="tx1"/>
+                </a:solidFill>
+                <a:latin typeface="+mn-lt"/>
+              </a:rPr>
+              <a:t>Permite</a:t>
+            </a:r>
+            <a:r>
+              <a:rPr lang="en-GB" sz="2000" dirty="0" smtClean="0">
+                <a:solidFill>
+                  <a:schemeClr val="tx1"/>
+                </a:solidFill>
+                <a:latin typeface="+mn-lt"/>
+              </a:rPr>
+              <a:t> </a:t>
+            </a:r>
+            <a:r>
+              <a:rPr lang="en-GB" sz="2000" dirty="0">
+                <a:solidFill>
+                  <a:schemeClr val="tx1"/>
+                </a:solidFill>
+                <a:latin typeface="+mn-lt"/>
+              </a:rPr>
+              <a:t>que las </a:t>
+            </a:r>
+            <a:r>
+              <a:rPr lang="en-GB" sz="2000" dirty="0" err="1">
+                <a:solidFill>
+                  <a:schemeClr val="tx1"/>
+                </a:solidFill>
+                <a:latin typeface="+mn-lt"/>
+              </a:rPr>
+              <a:t>subclases</a:t>
+            </a:r>
+            <a:r>
+              <a:rPr lang="en-GB" sz="2000" dirty="0">
+                <a:solidFill>
+                  <a:schemeClr val="tx1"/>
+                </a:solidFill>
+                <a:latin typeface="+mn-lt"/>
+              </a:rPr>
+              <a:t> </a:t>
+            </a:r>
+            <a:r>
+              <a:rPr lang="en-GB" sz="2000" dirty="0" err="1">
+                <a:solidFill>
+                  <a:schemeClr val="tx1"/>
+                </a:solidFill>
+                <a:latin typeface="+mn-lt"/>
+              </a:rPr>
+              <a:t>implementen</a:t>
+            </a:r>
+            <a:r>
+              <a:rPr lang="en-GB" sz="2000" dirty="0">
+                <a:solidFill>
+                  <a:schemeClr val="tx1"/>
+                </a:solidFill>
+                <a:latin typeface="+mn-lt"/>
+              </a:rPr>
+              <a:t> </a:t>
+            </a:r>
+            <a:r>
+              <a:rPr lang="en-GB" sz="2000" dirty="0" err="1">
+                <a:solidFill>
+                  <a:schemeClr val="tx1"/>
+                </a:solidFill>
+                <a:latin typeface="+mn-lt"/>
+              </a:rPr>
+              <a:t>nueva</a:t>
+            </a:r>
+            <a:r>
+              <a:rPr lang="en-GB" sz="2000" dirty="0">
+                <a:solidFill>
+                  <a:schemeClr val="tx1"/>
+                </a:solidFill>
+                <a:latin typeface="+mn-lt"/>
+              </a:rPr>
+              <a:t> </a:t>
+            </a:r>
+            <a:r>
+              <a:rPr lang="en-GB" sz="2000" dirty="0" err="1">
+                <a:solidFill>
+                  <a:schemeClr val="tx1"/>
+                </a:solidFill>
+                <a:latin typeface="+mn-lt"/>
+              </a:rPr>
+              <a:t>funcionalidad</a:t>
+            </a:r>
+            <a:r>
+              <a:rPr lang="en-GB" sz="2000" dirty="0">
+                <a:solidFill>
+                  <a:schemeClr val="tx1"/>
+                </a:solidFill>
+                <a:latin typeface="+mn-lt"/>
+              </a:rPr>
+              <a:t> sin </a:t>
+            </a:r>
+            <a:r>
+              <a:rPr lang="en-GB" sz="2000" dirty="0" err="1">
+                <a:solidFill>
+                  <a:schemeClr val="tx1"/>
+                </a:solidFill>
+                <a:latin typeface="+mn-lt"/>
+              </a:rPr>
+              <a:t>afectar</a:t>
+            </a:r>
+            <a:r>
+              <a:rPr lang="en-GB" sz="2000" dirty="0">
+                <a:solidFill>
+                  <a:schemeClr val="tx1"/>
+                </a:solidFill>
+                <a:latin typeface="+mn-lt"/>
+              </a:rPr>
+              <a:t> </a:t>
+            </a:r>
+            <a:r>
+              <a:rPr lang="en-GB" sz="2000" dirty="0" err="1">
+                <a:solidFill>
+                  <a:schemeClr val="tx1"/>
+                </a:solidFill>
+                <a:latin typeface="+mn-lt"/>
+              </a:rPr>
+              <a:t>otras</a:t>
+            </a:r>
+            <a:r>
+              <a:rPr lang="en-GB" sz="2000" dirty="0">
+                <a:solidFill>
+                  <a:schemeClr val="tx1"/>
+                </a:solidFill>
+                <a:latin typeface="+mn-lt"/>
+              </a:rPr>
+              <a:t> </a:t>
+            </a:r>
+            <a:r>
+              <a:rPr lang="en-GB" sz="2000" dirty="0" err="1" smtClean="0">
+                <a:solidFill>
+                  <a:schemeClr val="tx1"/>
+                </a:solidFill>
+                <a:latin typeface="+mn-lt"/>
+              </a:rPr>
+              <a:t>subclases</a:t>
+            </a:r>
+            <a:endParaRPr lang="en-GB" sz="2000" dirty="0">
+              <a:solidFill>
+                <a:schemeClr val="tx1"/>
+              </a:solidFill>
+              <a:latin typeface="+mn-lt"/>
+            </a:endParaRPr>
+          </a:p>
+          <a:p>
+            <a:pPr marL="285750" indent="-285750">
+              <a:spcAft>
+                <a:spcPts val="400"/>
+              </a:spcAft>
+              <a:buClr>
+                <a:schemeClr val="accent6"/>
+              </a:buClr>
+              <a:buFont typeface="Arial" charset="0"/>
+              <a:buChar char="•"/>
+            </a:pPr>
+            <a:endParaRPr lang="en-GB" sz="2000" dirty="0" smtClean="0">
+              <a:solidFill>
+                <a:schemeClr val="tx1"/>
+              </a:solidFill>
+              <a:latin typeface="+mn-lt"/>
+            </a:endParaRPr>
+          </a:p>
+          <a:p>
+            <a:pPr marL="285750" indent="-285750">
+              <a:spcAft>
+                <a:spcPts val="400"/>
+              </a:spcAft>
+              <a:buClr>
+                <a:schemeClr val="accent6"/>
+              </a:buClr>
+              <a:buFont typeface="Arial" charset="0"/>
+              <a:buChar char="•"/>
+            </a:pPr>
+            <a:r>
+              <a:rPr lang="en-GB" sz="2000" dirty="0" err="1" smtClean="0">
+                <a:solidFill>
+                  <a:schemeClr val="tx1"/>
+                </a:solidFill>
+                <a:latin typeface="+mn-lt"/>
+              </a:rPr>
+              <a:t>Permite</a:t>
+            </a:r>
+            <a:r>
+              <a:rPr lang="en-GB" sz="2000" dirty="0" smtClean="0">
+                <a:solidFill>
+                  <a:schemeClr val="tx1"/>
+                </a:solidFill>
+                <a:latin typeface="+mn-lt"/>
+              </a:rPr>
+              <a:t> </a:t>
+            </a:r>
+            <a:r>
+              <a:rPr lang="en-GB" sz="2000" dirty="0" err="1">
+                <a:solidFill>
+                  <a:schemeClr val="tx1"/>
+                </a:solidFill>
+                <a:latin typeface="+mn-lt"/>
+              </a:rPr>
+              <a:t>cambios</a:t>
+            </a:r>
+            <a:r>
+              <a:rPr lang="en-GB" sz="2000" dirty="0">
+                <a:solidFill>
+                  <a:schemeClr val="tx1"/>
+                </a:solidFill>
+                <a:latin typeface="+mn-lt"/>
+              </a:rPr>
+              <a:t> de </a:t>
+            </a:r>
+            <a:r>
+              <a:rPr lang="en-GB" sz="2000" dirty="0" err="1">
+                <a:solidFill>
+                  <a:schemeClr val="tx1"/>
+                </a:solidFill>
+                <a:latin typeface="+mn-lt"/>
+              </a:rPr>
+              <a:t>comportamiento</a:t>
+            </a:r>
+            <a:r>
+              <a:rPr lang="en-GB" sz="2000" dirty="0">
+                <a:solidFill>
+                  <a:schemeClr val="tx1"/>
+                </a:solidFill>
+                <a:latin typeface="+mn-lt"/>
+              </a:rPr>
+              <a:t> </a:t>
+            </a:r>
+            <a:r>
+              <a:rPr lang="en-GB" sz="2000" dirty="0" err="1">
+                <a:solidFill>
+                  <a:schemeClr val="tx1"/>
+                </a:solidFill>
+                <a:latin typeface="+mn-lt"/>
+              </a:rPr>
+              <a:t>en</a:t>
+            </a:r>
+            <a:r>
+              <a:rPr lang="en-GB" sz="2000" dirty="0">
+                <a:solidFill>
+                  <a:schemeClr val="tx1"/>
+                </a:solidFill>
+                <a:latin typeface="+mn-lt"/>
+              </a:rPr>
+              <a:t> </a:t>
+            </a:r>
+            <a:r>
+              <a:rPr lang="en-GB" sz="2000" dirty="0" err="1">
+                <a:solidFill>
+                  <a:schemeClr val="tx1"/>
+                </a:solidFill>
+                <a:latin typeface="+mn-lt"/>
+              </a:rPr>
+              <a:t>tiempo</a:t>
+            </a:r>
+            <a:r>
+              <a:rPr lang="en-GB" sz="2000" dirty="0">
+                <a:solidFill>
+                  <a:schemeClr val="tx1"/>
+                </a:solidFill>
+                <a:latin typeface="+mn-lt"/>
+              </a:rPr>
+              <a:t> de </a:t>
+            </a:r>
+            <a:r>
+              <a:rPr lang="en-GB" sz="2000" dirty="0" err="1" smtClean="0">
+                <a:solidFill>
+                  <a:schemeClr val="tx1"/>
+                </a:solidFill>
+                <a:latin typeface="+mn-lt"/>
+              </a:rPr>
+              <a:t>ejecución</a:t>
+            </a:r>
+            <a:endParaRPr lang="en-GB" sz="2000" dirty="0">
+              <a:solidFill>
+                <a:schemeClr val="tx1"/>
+              </a:solidFill>
+              <a:latin typeface="+mn-lt"/>
+            </a:endParaRPr>
+          </a:p>
+          <a:p>
+            <a:pPr marL="285750" indent="-285750">
+              <a:spcAft>
+                <a:spcPts val="400"/>
+              </a:spcAft>
+              <a:buClr>
+                <a:schemeClr val="accent6"/>
+              </a:buClr>
+              <a:buFont typeface="Arial" charset="0"/>
+              <a:buChar char="•"/>
+            </a:pPr>
+            <a:endParaRPr lang="en-GB" sz="2000" dirty="0">
+              <a:solidFill>
+                <a:schemeClr val="tx1"/>
+              </a:solidFill>
+              <a:latin typeface="+mn-lt"/>
+            </a:endParaRPr>
+          </a:p>
+          <a:p>
+            <a:pPr marL="285750" indent="-285750">
+              <a:spcAft>
+                <a:spcPts val="400"/>
+              </a:spcAft>
+              <a:buClr>
+                <a:schemeClr val="accent6"/>
+              </a:buClr>
+              <a:buFont typeface="Arial" charset="0"/>
+              <a:buChar char="•"/>
+            </a:pPr>
+            <a:endParaRPr lang="en-US" sz="2000" dirty="0" smtClean="0">
+              <a:solidFill>
+                <a:schemeClr val="tx1"/>
+              </a:solidFill>
+              <a:latin typeface="+mn-lt"/>
+            </a:endParaRPr>
+          </a:p>
+          <a:p>
+            <a:pPr marL="285750" indent="-285750">
+              <a:spcAft>
+                <a:spcPts val="400"/>
               </a:spcAft>
               <a:buClr>
                 <a:schemeClr val="accent6"/>
@@ -19189,15 +19502,13 @@
             </a:endParaRPr>
           </a:p>
           <a:p>
-            <a:pPr marL="285750" indent="-285750">
-              <a:spcAft>
-                <a:spcPts val="1200"/>
+            <a:pPr>
+              <a:spcAft>
+                <a:spcPts val="400"/>
               </a:spcAft>
               <a:buClr>
                 <a:schemeClr val="accent6"/>
               </a:buClr>
-              <a:buFont typeface="Arial" charset="0"/>
-              <a:buChar char="•"/>
             </a:pPr>
             <a:endParaRPr lang="en-US" sz="2000" dirty="0">
               <a:solidFill>
@@ -19209,7 +19520,7 @@
           <a:p>
             <a:pPr marL="285750" indent="-285750">
               <a:spcAft>
-                <a:spcPts val="1200"/>
+                <a:spcPts val="400"/>
               </a:spcAft>
               <a:buClr>
                 <a:schemeClr val="accent6"/>
@@ -19996,7 +20307,7 @@
           <a:p>
             <a:pPr marL="285750" indent="-285750">
               <a:spcAft>
-                <a:spcPts val="1200"/>
+                <a:spcPts val="400"/>
               </a:spcAft>
               <a:buClr>
                 <a:schemeClr val="accent6"/>
@@ -20060,19 +20371,19 @@
             </a:r>
           </a:p>
           <a:p>
-            <a:pPr marL="540000" lvl="1" indent="-285750">
-              <a:spcAft>
-                <a:spcPts val="1200"/>
+            <a:pPr marL="597150" lvl="1" indent="-342900">
+              <a:spcAft>
+                <a:spcPts val="400"/>
               </a:spcAft>
               <a:buClr>
                 <a:schemeClr val="accent6"/>
               </a:buClr>
               <a:buSzPct val="100000"/>
-              <a:buFont typeface="Wingdings" panose="05000000000000000000" pitchFamily="2" charset="2"/>
-              <a:buChar char="§"/>
-            </a:pPr>
-            <a:r>
-              <a:rPr lang="en-US" sz="2000" dirty="0">
+              <a:buFont typeface="Courier New" panose="02070309020205020404" pitchFamily="49" charset="0"/>
+              <a:buChar char="o"/>
+            </a:pPr>
+            <a:r>
+              <a:rPr lang="en-US" dirty="0">
                 <a:solidFill>
                   <a:schemeClr val="tx1"/>
                 </a:solidFill>
@@ -20080,33 +20391,33 @@
               <a:t>Setup de </a:t>
             </a:r>
             <a:r>
-              <a:rPr lang="en-US" sz="2000" dirty="0" err="1">
+              <a:rPr lang="en-US" dirty="0" err="1">
                 <a:solidFill>
                   <a:schemeClr val="tx1"/>
                 </a:solidFill>
               </a:rPr>
               <a:t>precondiciones</a:t>
             </a:r>
-            <a:endParaRPr lang="en-US" sz="2000" dirty="0">
+            <a:endParaRPr lang="en-US" dirty="0">
               <a:solidFill>
                 <a:schemeClr val="tx1"/>
               </a:solidFill>
             </a:endParaRPr>
           </a:p>
           <a:p>
-            <a:pPr marL="540000" lvl="1" indent="-285750">
-              <a:spcAft>
-                <a:spcPts val="1200"/>
+            <a:pPr marL="597150" lvl="1" indent="-342900">
+              <a:spcAft>
+                <a:spcPts val="400"/>
               </a:spcAft>
               <a:buClr>
                 <a:schemeClr val="accent6"/>
               </a:buClr>
               <a:buSzPct val="100000"/>
-              <a:buFont typeface="Wingdings" panose="05000000000000000000" pitchFamily="2" charset="2"/>
-              <a:buChar char="§"/>
-            </a:pPr>
-            <a:r>
-              <a:rPr lang="en-US" sz="2000" dirty="0" err="1">
+              <a:buFont typeface="Courier New" panose="02070309020205020404" pitchFamily="49" charset="0"/>
+              <a:buChar char="o"/>
+            </a:pPr>
+            <a:r>
+              <a:rPr lang="en-US" dirty="0" err="1">
                 <a:solidFill>
                   <a:schemeClr val="tx1"/>
                 </a:solidFill>
@@ -20114,7 +20425,7 @@
               <a:t>Ejecutar</a:t>
             </a:r>
             <a:r>
-              <a:rPr lang="en-US" sz="2000" dirty="0">
+              <a:rPr lang="en-US" dirty="0">
                 <a:solidFill>
                   <a:schemeClr val="tx1"/>
                 </a:solidFill>
@@ -20122,7 +20433,7 @@
               <a:t> el </a:t>
             </a:r>
             <a:r>
-              <a:rPr lang="en-US" sz="2000" dirty="0" err="1">
+              <a:rPr lang="en-US" dirty="0" err="1">
                 <a:solidFill>
                   <a:schemeClr val="tx1"/>
                 </a:solidFill>
@@ -20130,7 +20441,7 @@
               <a:t>código</a:t>
             </a:r>
             <a:r>
-              <a:rPr lang="en-US" sz="2000" dirty="0">
+              <a:rPr lang="en-US" dirty="0">
                 <a:solidFill>
                   <a:schemeClr val="tx1"/>
                 </a:solidFill>
@@ -20138,33 +20449,33 @@
               <a:t> a </a:t>
             </a:r>
             <a:r>
-              <a:rPr lang="en-US" sz="2000" dirty="0" err="1">
+              <a:rPr lang="en-US" dirty="0" err="1">
                 <a:solidFill>
                   <a:schemeClr val="tx1"/>
                 </a:solidFill>
               </a:rPr>
               <a:t>testear</a:t>
             </a:r>
-            <a:endParaRPr lang="en-US" sz="2000" dirty="0">
+            <a:endParaRPr lang="en-US" dirty="0">
               <a:solidFill>
                 <a:schemeClr val="tx1"/>
               </a:solidFill>
             </a:endParaRPr>
           </a:p>
           <a:p>
-            <a:pPr marL="540000" lvl="1" indent="-285750">
-              <a:spcAft>
-                <a:spcPts val="1200"/>
+            <a:pPr marL="597150" lvl="1" indent="-342900">
+              <a:spcAft>
+                <a:spcPts val="400"/>
               </a:spcAft>
               <a:buClr>
                 <a:schemeClr val="accent6"/>
               </a:buClr>
               <a:buSzPct val="100000"/>
-              <a:buFont typeface="Wingdings" panose="05000000000000000000" pitchFamily="2" charset="2"/>
-              <a:buChar char="§"/>
-            </a:pPr>
-            <a:r>
-              <a:rPr lang="en-US" sz="2000" dirty="0" err="1">
+              <a:buFont typeface="Courier New" panose="02070309020205020404" pitchFamily="49" charset="0"/>
+              <a:buChar char="o"/>
+            </a:pPr>
+            <a:r>
+              <a:rPr lang="en-US" dirty="0" err="1">
                 <a:solidFill>
                   <a:schemeClr val="tx1"/>
                 </a:solidFill>
@@ -20172,7 +20483,7 @@
               <a:t>Realizar</a:t>
             </a:r>
             <a:r>
-              <a:rPr lang="en-US" sz="2000" dirty="0">
+              <a:rPr lang="en-US" dirty="0">
                 <a:solidFill>
                   <a:schemeClr val="tx1"/>
                 </a:solidFill>
@@ -20180,7 +20491,7 @@
               <a:t> asserts </a:t>
             </a:r>
             <a:r>
-              <a:rPr lang="en-US" sz="2000" dirty="0" err="1">
+              <a:rPr lang="en-US" dirty="0" err="1">
                 <a:solidFill>
                   <a:schemeClr val="tx1"/>
                 </a:solidFill>
@@ -20188,7 +20499,7 @@
               <a:t>sobre</a:t>
             </a:r>
             <a:r>
-              <a:rPr lang="en-US" sz="2000" dirty="0">
+              <a:rPr lang="en-US" dirty="0">
                 <a:solidFill>
                   <a:schemeClr val="tx1"/>
                 </a:solidFill>
@@ -20196,7 +20507,7 @@
               <a:t> los </a:t>
             </a:r>
             <a:r>
-              <a:rPr lang="en-US" sz="2000" dirty="0" err="1">
+              <a:rPr lang="en-US" dirty="0" err="1">
                 <a:solidFill>
                   <a:schemeClr val="tx1"/>
                 </a:solidFill>
@@ -20204,7 +20515,7 @@
               <a:t>resultados</a:t>
             </a:r>
             <a:r>
-              <a:rPr lang="en-US" sz="2000" dirty="0">
+              <a:rPr lang="en-US" dirty="0">
                 <a:solidFill>
                   <a:schemeClr val="tx1"/>
                 </a:solidFill>
@@ -20212,7 +20523,7 @@
               <a:t> </a:t>
             </a:r>
             <a:r>
-              <a:rPr lang="en-US" sz="2000" dirty="0" err="1">
+              <a:rPr lang="en-US" dirty="0" err="1">
                 <a:solidFill>
                   <a:schemeClr val="tx1"/>
                 </a:solidFill>
@@ -20220,7 +20531,7 @@
               <a:t>esperados</a:t>
             </a:r>
             <a:r>
-              <a:rPr lang="en-GB" sz="2000" dirty="0">
+              <a:rPr lang="en-GB" dirty="0">
                 <a:solidFill>
                   <a:schemeClr val="tx1"/>
                 </a:solidFill>
@@ -20643,7 +20954,7 @@
           <a:p>
             <a:pPr marL="285750" indent="-285750">
               <a:spcAft>
-                <a:spcPts val="1200"/>
+                <a:spcPts val="400"/>
               </a:spcAft>
               <a:buClr>
                 <a:schemeClr val="accent6"/>
@@ -20769,7 +21080,7 @@
               <a:t> </a:t>
             </a:r>
             <a:r>
-              <a:rPr lang="en-US" sz="2000" dirty="0" err="1">
+              <a:rPr lang="en-US" sz="2000" dirty="0" err="1" smtClean="0">
                 <a:solidFill>
                   <a:schemeClr val="tx1"/>
                 </a:solidFill>
@@ -20777,6 +21088,24 @@
               </a:rPr>
               <a:t>mismo</a:t>
             </a:r>
+            <a:endParaRPr lang="en-US" sz="2000" dirty="0" smtClean="0">
+              <a:solidFill>
+                <a:schemeClr val="tx1"/>
+              </a:solidFill>
+              <a:latin typeface="+mn-lt"/>
+            </a:endParaRPr>
+          </a:p>
+          <a:p>
+            <a:pPr marL="285750" indent="-285750">
+              <a:spcAft>
+                <a:spcPts val="400"/>
+              </a:spcAft>
+              <a:buClr>
+                <a:schemeClr val="accent6"/>
+              </a:buClr>
+              <a:buFont typeface="Arial" charset="0"/>
+              <a:buChar char="•"/>
+            </a:pPr>
             <a:endParaRPr lang="en-US" sz="2000" dirty="0">
               <a:solidFill>
                 <a:schemeClr val="tx1"/>
@@ -20787,7 +21116,7 @@
           <a:p>
             <a:pPr marL="285750" indent="-285750">
               <a:spcAft>
-                <a:spcPts val="1200"/>
+                <a:spcPts val="400"/>
               </a:spcAft>
               <a:buClr>
                 <a:schemeClr val="accent6"/>
@@ -20931,7 +21260,7 @@
           <a:p>
             <a:pPr marL="285750" indent="-285750">
               <a:spcAft>
-                <a:spcPts val="1200"/>
+                <a:spcPts val="400"/>
               </a:spcAft>
               <a:buClr>
                 <a:schemeClr val="accent6"/>
@@ -20939,8 +21268,26 @@
               <a:buFont typeface="Arial" charset="0"/>
               <a:buChar char="•"/>
             </a:pPr>
-            <a:r>
-              <a:rPr lang="en-US" sz="2000" dirty="0" err="1">
+            <a:endParaRPr lang="en-US" sz="2000" dirty="0" smtClean="0">
+              <a:solidFill>
+                <a:schemeClr val="tx1"/>
+              </a:solidFill>
+              <a:latin typeface="+mn-lt"/>
+            </a:endParaRPr>
+          </a:p>
+          <a:p>
+            <a:pPr marL="285750" indent="-285750">
+              <a:spcAft>
+                <a:spcPts val="400"/>
+              </a:spcAft>
+              <a:buClr>
+                <a:schemeClr val="accent6"/>
+              </a:buClr>
+              <a:buFont typeface="Arial" charset="0"/>
+              <a:buChar char="•"/>
+            </a:pPr>
+            <a:r>
+              <a:rPr lang="en-US" sz="2000" dirty="0" err="1" smtClean="0">
                 <a:solidFill>
                   <a:schemeClr val="tx1"/>
                 </a:solidFill>
@@ -20949,29 +21296,38 @@
               <a:t>Ver</a:t>
             </a:r>
             <a:r>
+              <a:rPr lang="en-US" sz="2000" dirty="0" smtClean="0">
+                <a:solidFill>
+                  <a:schemeClr val="tx1"/>
+                </a:solidFill>
+                <a:latin typeface="+mn-lt"/>
+              </a:rPr>
+              <a:t> </a:t>
+            </a:r>
+            <a:r>
               <a:rPr lang="en-US" sz="2000" dirty="0">
                 <a:solidFill>
                   <a:schemeClr val="tx1"/>
                 </a:solidFill>
                 <a:latin typeface="+mn-lt"/>
               </a:rPr>
-              <a:t> Tips 1 y 2</a:t>
-            </a:r>
-          </a:p>
-          <a:p>
-            <a:pPr marL="540000" lvl="1" indent="-285750">
-              <a:spcAft>
-                <a:spcPts val="1200"/>
+              <a:t>Tips 1 y 2</a:t>
+            </a:r>
+          </a:p>
+          <a:p>
+            <a:pPr marL="597150" lvl="1" indent="-342900">
+              <a:spcAft>
+                <a:spcPts val="400"/>
               </a:spcAft>
               <a:buClr>
                 <a:schemeClr val="accent6"/>
               </a:buClr>
               <a:buSzPct val="100000"/>
-              <a:buFont typeface="Wingdings" panose="05000000000000000000" pitchFamily="2" charset="2"/>
-              <a:buChar char="§"/>
-            </a:pPr>
-            <a:r>
-              <a:rPr lang="en-US" sz="2000" dirty="0" err="1">
+              <a:buFont typeface="Courier New" panose="02070309020205020404" pitchFamily="49" charset="0"/>
+              <a:buChar char="o"/>
+            </a:pPr>
+            <a:r>
+              <a:rPr lang="en-US" dirty="0" err="1">
                 <a:solidFill>
                   <a:schemeClr val="tx1"/>
                 </a:solidFill>
@@ -20979,7 +21335,7 @@
               <a:t>Programación</a:t>
             </a:r>
             <a:r>
-              <a:rPr lang="en-US" sz="2000" dirty="0">
+              <a:rPr lang="en-US" dirty="0">
                 <a:solidFill>
                   <a:schemeClr val="tx1"/>
                 </a:solidFill>
@@ -20987,7 +21343,7 @@
               <a:t> </a:t>
             </a:r>
             <a:r>
-              <a:rPr lang="en-US" sz="2000" dirty="0" err="1">
+              <a:rPr lang="en-US" dirty="0" err="1">
                 <a:solidFill>
                   <a:schemeClr val="tx1"/>
                 </a:solidFill>
@@ -20995,7 +21351,7 @@
               <a:t>orientada</a:t>
             </a:r>
             <a:r>
-              <a:rPr lang="en-US" sz="2000" dirty="0">
+              <a:rPr lang="en-US" dirty="0">
                 <a:solidFill>
                   <a:schemeClr val="tx1"/>
                 </a:solidFill>
@@ -21004,19 +21360,19 @@
             </a:r>
           </a:p>
           <a:p>
-            <a:pPr marL="540000" lvl="1" indent="-285750">
-              <a:spcAft>
-                <a:spcPts val="1200"/>
+            <a:pPr marL="597150" lvl="1" indent="-342900">
+              <a:spcAft>
+                <a:spcPts val="400"/>
               </a:spcAft>
               <a:buClr>
                 <a:schemeClr val="accent6"/>
               </a:buClr>
               <a:buSzPct val="100000"/>
-              <a:buFont typeface="Wingdings" panose="05000000000000000000" pitchFamily="2" charset="2"/>
-              <a:buChar char="§"/>
-            </a:pPr>
-            <a:r>
-              <a:rPr lang="en-US" sz="2000" dirty="0" err="1">
+              <a:buFont typeface="Courier New" panose="02070309020205020404" pitchFamily="49" charset="0"/>
+              <a:buChar char="o"/>
+            </a:pPr>
+            <a:r>
+              <a:rPr lang="en-US" dirty="0" err="1">
                 <a:solidFill>
                   <a:schemeClr val="tx1"/>
                 </a:solidFill>
@@ -21024,7 +21380,7 @@
               <a:t>Inyección</a:t>
             </a:r>
             <a:r>
-              <a:rPr lang="en-US" sz="2000" dirty="0">
+              <a:rPr lang="en-US" dirty="0">
                 <a:solidFill>
                   <a:schemeClr val="tx1"/>
                 </a:solidFill>
@@ -21032,7 +21388,7 @@
               <a:t> de </a:t>
             </a:r>
             <a:r>
-              <a:rPr lang="en-US" sz="2000" dirty="0" err="1">
+              <a:rPr lang="en-US" dirty="0" err="1">
                 <a:solidFill>
                   <a:schemeClr val="tx1"/>
                 </a:solidFill>
@@ -21040,7 +21396,7 @@
               <a:t>dependencias</a:t>
             </a:r>
             <a:r>
-              <a:rPr lang="en-US" sz="2000" dirty="0">
+              <a:rPr lang="en-US" dirty="0">
                 <a:solidFill>
                   <a:schemeClr val="tx1"/>
                 </a:solidFill>
@@ -21048,7 +21404,7 @@
               <a:t> </a:t>
             </a:r>
             <a:r>
-              <a:rPr lang="en-US" sz="2000" dirty="0" err="1">
+              <a:rPr lang="en-US" dirty="0" err="1">
                 <a:solidFill>
                   <a:schemeClr val="tx1"/>
                 </a:solidFill>
@@ -21056,7 +21412,7 @@
               <a:t>por</a:t>
             </a:r>
             <a:r>
-              <a:rPr lang="en-US" sz="2000" dirty="0">
+              <a:rPr lang="en-US" dirty="0">
                 <a:solidFill>
                   <a:schemeClr val="tx1"/>
                 </a:solidFill>
@@ -21471,7 +21827,7 @@
           <a:p>
             <a:pPr marL="285750" indent="-285750">
               <a:spcAft>
-                <a:spcPts val="1200"/>
+                <a:spcPts val="400"/>
               </a:spcAft>
               <a:buClr>
                 <a:schemeClr val="accent6"/>
@@ -21668,7 +22024,7 @@
           <a:p>
             <a:pPr marL="285750" indent="-285750">
               <a:spcAft>
-                <a:spcPts val="1200"/>
+                <a:spcPts val="400"/>
               </a:spcAft>
               <a:buClr>
                 <a:schemeClr val="accent6"/>
@@ -22212,7 +22568,7 @@
         </p:nvSpPr>
         <p:spPr>
           <a:xfrm>
-            <a:off x="1169678" y="1984817"/>
+            <a:off x="1169678" y="2238817"/>
             <a:ext cx="8488424" cy="3330228"/>
           </a:xfrm>
         </p:spPr>
@@ -22222,7 +22578,7 @@
           <a:p>
             <a:pPr marL="285750" indent="-285750">
               <a:spcAft>
-                <a:spcPts val="1200"/>
+                <a:spcPts val="400"/>
               </a:spcAft>
               <a:buClr>
                 <a:schemeClr val="accent6"/>
@@ -22306,17 +22662,17 @@
           <a:p>
             <a:pPr marL="540000" lvl="1" indent="-285750">
               <a:spcAft>
-                <a:spcPts val="1200"/>
+                <a:spcPts val="400"/>
               </a:spcAft>
               <a:buClr>
                 <a:schemeClr val="accent6"/>
               </a:buClr>
               <a:buSzPct val="100000"/>
-              <a:buFont typeface="Wingdings" panose="05000000000000000000" pitchFamily="2" charset="2"/>
-              <a:buChar char="§"/>
-            </a:pPr>
-            <a:r>
-              <a:rPr lang="en-US" sz="2000" dirty="0">
+              <a:buFont typeface="Courier New" panose="02070309020205020404" pitchFamily="49" charset="0"/>
+              <a:buChar char="o"/>
+            </a:pPr>
+            <a:r>
+              <a:rPr lang="en-US" dirty="0">
                 <a:solidFill>
                   <a:schemeClr val="tx1"/>
                 </a:solidFill>
@@ -22324,7 +22680,7 @@
               <a:t>Setup de </a:t>
             </a:r>
             <a:r>
-              <a:rPr lang="en-US" sz="2000" dirty="0" err="1">
+              <a:rPr lang="en-US" dirty="0" err="1">
                 <a:solidFill>
                   <a:schemeClr val="tx1"/>
                 </a:solidFill>
@@ -22332,7 +22688,7 @@
               <a:t>precondiciones</a:t>
             </a:r>
             <a:r>
-              <a:rPr lang="en-US" sz="2000" dirty="0">
+              <a:rPr lang="en-US" dirty="0">
                 <a:solidFill>
                   <a:schemeClr val="tx1"/>
                 </a:solidFill>
@@ -22340,7 +22696,7 @@
               <a:t> </a:t>
             </a:r>
             <a:r>
-              <a:rPr lang="en-US" sz="2000" dirty="0" err="1">
+              <a:rPr lang="en-US" dirty="0" err="1">
                 <a:solidFill>
                   <a:schemeClr val="tx1"/>
                 </a:solidFill>
@@ -22348,7 +22704,7 @@
               <a:t>incluyendo</a:t>
             </a:r>
             <a:r>
-              <a:rPr lang="en-US" sz="2000" dirty="0">
+              <a:rPr lang="en-US" dirty="0">
                 <a:solidFill>
                   <a:schemeClr val="tx1"/>
                 </a:solidFill>
@@ -22356,7 +22712,7 @@
               <a:t> el setup de los </a:t>
             </a:r>
             <a:r>
-              <a:rPr lang="en-US" sz="2000" dirty="0" err="1">
+              <a:rPr lang="en-US" dirty="0" err="1">
                 <a:solidFill>
                   <a:schemeClr val="tx1"/>
                 </a:solidFill>
@@ -22364,7 +22720,7 @@
               <a:t>objetos</a:t>
             </a:r>
             <a:r>
-              <a:rPr lang="en-US" sz="2000" dirty="0">
+              <a:rPr lang="en-US" dirty="0">
                 <a:solidFill>
                   <a:schemeClr val="tx1"/>
                 </a:solidFill>
@@ -22375,17 +22731,17 @@
           <a:p>
             <a:pPr marL="540000" lvl="1" indent="-285750">
               <a:spcAft>
-                <a:spcPts val="1200"/>
+                <a:spcPts val="400"/>
               </a:spcAft>
               <a:buClr>
                 <a:schemeClr val="accent6"/>
               </a:buClr>
               <a:buSzPct val="100000"/>
-              <a:buFont typeface="Wingdings" panose="05000000000000000000" pitchFamily="2" charset="2"/>
-              <a:buChar char="§"/>
-            </a:pPr>
-            <a:r>
-              <a:rPr lang="en-US" sz="2000" dirty="0" err="1">
+              <a:buFont typeface="Courier New" panose="02070309020205020404" pitchFamily="49" charset="0"/>
+              <a:buChar char="o"/>
+            </a:pPr>
+            <a:r>
+              <a:rPr lang="en-US" dirty="0" err="1">
                 <a:solidFill>
                   <a:schemeClr val="tx1"/>
                 </a:solidFill>
@@ -22393,7 +22749,7 @@
               <a:t>Inyectar</a:t>
             </a:r>
             <a:r>
-              <a:rPr lang="en-US" sz="2000" dirty="0">
+              <a:rPr lang="en-US" dirty="0">
                 <a:solidFill>
                   <a:schemeClr val="tx1"/>
                 </a:solidFill>
@@ -22401,14 +22757,14 @@
               <a:t> mocks de </a:t>
             </a:r>
             <a:r>
-              <a:rPr lang="en-US" sz="2000" dirty="0" err="1">
+              <a:rPr lang="en-US" dirty="0" err="1">
                 <a:solidFill>
                   <a:schemeClr val="tx1"/>
                 </a:solidFill>
               </a:rPr>
               <a:t>dependencias</a:t>
             </a:r>
-            <a:endParaRPr lang="en-US" sz="2000" dirty="0">
+            <a:endParaRPr lang="en-US" dirty="0">
               <a:solidFill>
                 <a:schemeClr val="tx1"/>
               </a:solidFill>
@@ -22417,17 +22773,17 @@
           <a:p>
             <a:pPr marL="540000" lvl="1" indent="-285750">
               <a:spcAft>
-                <a:spcPts val="1200"/>
+                <a:spcPts val="400"/>
               </a:spcAft>
               <a:buClr>
                 <a:schemeClr val="accent6"/>
               </a:buClr>
               <a:buSzPct val="100000"/>
-              <a:buFont typeface="Wingdings" panose="05000000000000000000" pitchFamily="2" charset="2"/>
-              <a:buChar char="§"/>
-            </a:pPr>
-            <a:r>
-              <a:rPr lang="en-US" sz="2000" dirty="0" err="1">
+              <a:buFont typeface="Courier New" panose="02070309020205020404" pitchFamily="49" charset="0"/>
+              <a:buChar char="o"/>
+            </a:pPr>
+            <a:r>
+              <a:rPr lang="en-US" dirty="0" err="1">
                 <a:solidFill>
                   <a:schemeClr val="tx1"/>
                 </a:solidFill>
@@ -22435,7 +22791,7 @@
               <a:t>Ejecutar</a:t>
             </a:r>
             <a:r>
-              <a:rPr lang="en-US" sz="2000" dirty="0">
+              <a:rPr lang="en-US" dirty="0">
                 <a:solidFill>
                   <a:schemeClr val="tx1"/>
                 </a:solidFill>
@@ -22443,7 +22799,7 @@
               <a:t> el </a:t>
             </a:r>
             <a:r>
-              <a:rPr lang="en-US" sz="2000" dirty="0" err="1">
+              <a:rPr lang="en-US" dirty="0" err="1">
                 <a:solidFill>
                   <a:schemeClr val="tx1"/>
                 </a:solidFill>
@@ -22451,7 +22807,7 @@
               <a:t>código</a:t>
             </a:r>
             <a:r>
-              <a:rPr lang="en-US" sz="2000" dirty="0">
+              <a:rPr lang="en-US" dirty="0">
                 <a:solidFill>
                   <a:schemeClr val="tx1"/>
                 </a:solidFill>
@@ -22459,7 +22815,7 @@
               <a:t> a </a:t>
             </a:r>
             <a:r>
-              <a:rPr lang="en-US" sz="2000" dirty="0" err="1">
+              <a:rPr lang="en-US" dirty="0" err="1">
                 <a:solidFill>
                   <a:schemeClr val="tx1"/>
                 </a:solidFill>
@@ -22467,7 +22823,7 @@
               <a:t>ser</a:t>
             </a:r>
             <a:r>
-              <a:rPr lang="en-US" sz="2000" dirty="0">
+              <a:rPr lang="en-US" dirty="0">
                 <a:solidFill>
                   <a:schemeClr val="tx1"/>
                 </a:solidFill>
@@ -22475,14 +22831,14 @@
               <a:t> </a:t>
             </a:r>
             <a:r>
-              <a:rPr lang="en-US" sz="2000" dirty="0" err="1">
+              <a:rPr lang="en-US" dirty="0" err="1">
                 <a:solidFill>
                   <a:schemeClr val="tx1"/>
                 </a:solidFill>
               </a:rPr>
               <a:t>testeado</a:t>
             </a:r>
-            <a:endParaRPr lang="en-US" sz="2000" dirty="0">
+            <a:endParaRPr lang="en-US" dirty="0">
               <a:solidFill>
                 <a:schemeClr val="tx1"/>
               </a:solidFill>
@@ -22491,17 +22847,17 @@
           <a:p>
             <a:pPr marL="540000" lvl="1" indent="-285750">
               <a:spcAft>
-                <a:spcPts val="1200"/>
+                <a:spcPts val="400"/>
               </a:spcAft>
               <a:buClr>
                 <a:schemeClr val="accent6"/>
               </a:buClr>
               <a:buSzPct val="100000"/>
-              <a:buFont typeface="Wingdings" panose="05000000000000000000" pitchFamily="2" charset="2"/>
-              <a:buChar char="§"/>
-            </a:pPr>
-            <a:r>
-              <a:rPr lang="en-US" sz="2000" dirty="0" err="1">
+              <a:buFont typeface="Courier New" panose="02070309020205020404" pitchFamily="49" charset="0"/>
+              <a:buChar char="o"/>
+            </a:pPr>
+            <a:r>
+              <a:rPr lang="en-US" dirty="0" err="1">
                 <a:solidFill>
                   <a:schemeClr val="tx1"/>
                 </a:solidFill>
@@ -22509,7 +22865,7 @@
               <a:t>Realizar</a:t>
             </a:r>
             <a:r>
-              <a:rPr lang="en-US" sz="2000" dirty="0">
+              <a:rPr lang="en-US" dirty="0">
                 <a:solidFill>
                   <a:schemeClr val="tx1"/>
                 </a:solidFill>
@@ -22517,7 +22873,7 @@
               <a:t> asserts </a:t>
             </a:r>
             <a:r>
-              <a:rPr lang="en-US" sz="2000" dirty="0" err="1">
+              <a:rPr lang="en-US" dirty="0" err="1">
                 <a:solidFill>
                   <a:schemeClr val="tx1"/>
                 </a:solidFill>
@@ -22525,7 +22881,7 @@
               <a:t>sobre</a:t>
             </a:r>
             <a:r>
-              <a:rPr lang="en-US" sz="2000" dirty="0">
+              <a:rPr lang="en-US" dirty="0">
                 <a:solidFill>
                   <a:schemeClr val="tx1"/>
                 </a:solidFill>
@@ -22533,7 +22889,7 @@
               <a:t> los </a:t>
             </a:r>
             <a:r>
-              <a:rPr lang="en-US" sz="2000" dirty="0" err="1">
+              <a:rPr lang="en-US" dirty="0" err="1">
                 <a:solidFill>
                   <a:schemeClr val="tx1"/>
                 </a:solidFill>
@@ -22541,7 +22897,7 @@
               <a:t>resultados</a:t>
             </a:r>
             <a:r>
-              <a:rPr lang="en-US" sz="2000" dirty="0">
+              <a:rPr lang="en-US" dirty="0">
                 <a:solidFill>
                   <a:schemeClr val="tx1"/>
                 </a:solidFill>
@@ -22549,14 +22905,14 @@
               <a:t> </a:t>
             </a:r>
             <a:r>
-              <a:rPr lang="en-US" sz="2000" dirty="0" err="1">
+              <a:rPr lang="en-US" dirty="0" err="1">
                 <a:solidFill>
                   <a:schemeClr val="tx1"/>
                 </a:solidFill>
               </a:rPr>
               <a:t>esperados</a:t>
             </a:r>
-            <a:endParaRPr lang="en-US" sz="2000" dirty="0">
+            <a:endParaRPr lang="en-US" dirty="0">
               <a:solidFill>
                 <a:schemeClr val="tx1"/>
               </a:solidFill>
@@ -22565,17 +22921,17 @@
           <a:p>
             <a:pPr marL="540000" lvl="1" indent="-285750">
               <a:spcAft>
-                <a:spcPts val="1200"/>
+                <a:spcPts val="400"/>
               </a:spcAft>
               <a:buClr>
                 <a:schemeClr val="accent6"/>
               </a:buClr>
               <a:buSzPct val="100000"/>
-              <a:buFont typeface="Wingdings" panose="05000000000000000000" pitchFamily="2" charset="2"/>
-              <a:buChar char="§"/>
-            </a:pPr>
-            <a:r>
-              <a:rPr lang="en-US" sz="2000" dirty="0" err="1">
+              <a:buFont typeface="Courier New" panose="02070309020205020404" pitchFamily="49" charset="0"/>
+              <a:buChar char="o"/>
+            </a:pPr>
+            <a:r>
+              <a:rPr lang="en-US" dirty="0" err="1">
                 <a:solidFill>
                   <a:schemeClr val="tx1"/>
                 </a:solidFill>
@@ -22583,7 +22939,7 @@
               <a:t>Verificar</a:t>
             </a:r>
             <a:r>
-              <a:rPr lang="en-US" sz="2000" dirty="0">
+              <a:rPr lang="en-US" dirty="0">
                 <a:solidFill>
                   <a:schemeClr val="tx1"/>
                 </a:solidFill>
@@ -22591,7 +22947,7 @@
               <a:t> </a:t>
             </a:r>
             <a:r>
-              <a:rPr lang="en-US" sz="2000" dirty="0" err="1">
+              <a:rPr lang="en-US" dirty="0" err="1">
                 <a:solidFill>
                   <a:schemeClr val="tx1"/>
                 </a:solidFill>
@@ -22599,7 +22955,7 @@
               <a:t>que</a:t>
             </a:r>
             <a:r>
-              <a:rPr lang="en-US" sz="2000" dirty="0">
+              <a:rPr lang="en-US" dirty="0">
                 <a:solidFill>
                   <a:schemeClr val="tx1"/>
                 </a:solidFill>
@@ -22607,7 +22963,7 @@
               <a:t> el mock </a:t>
             </a:r>
             <a:r>
-              <a:rPr lang="en-US" sz="2000" dirty="0" err="1">
+              <a:rPr lang="en-US" dirty="0" err="1">
                 <a:solidFill>
                   <a:schemeClr val="tx1"/>
                 </a:solidFill>
@@ -22615,7 +22971,7 @@
               <a:t>fue</a:t>
             </a:r>
             <a:r>
-              <a:rPr lang="en-US" sz="2000" dirty="0">
+              <a:rPr lang="en-US" dirty="0">
                 <a:solidFill>
                   <a:schemeClr val="tx1"/>
                 </a:solidFill>
@@ -22623,7 +22979,7 @@
               <a:t> </a:t>
             </a:r>
             <a:r>
-              <a:rPr lang="en-US" sz="2000" dirty="0" err="1">
+              <a:rPr lang="en-US" dirty="0" err="1">
                 <a:solidFill>
                   <a:schemeClr val="tx1"/>
                 </a:solidFill>
@@ -22631,7 +22987,7 @@
               <a:t>llamado</a:t>
             </a:r>
             <a:r>
-              <a:rPr lang="en-US" sz="2000" dirty="0">
+              <a:rPr lang="en-US" dirty="0">
                 <a:solidFill>
                   <a:schemeClr val="tx1"/>
                 </a:solidFill>
@@ -22639,7 +22995,7 @@
               <a:t> la </a:t>
             </a:r>
             <a:r>
-              <a:rPr lang="en-US" sz="2000" dirty="0" err="1">
+              <a:rPr lang="en-US" dirty="0" err="1">
                 <a:solidFill>
                   <a:schemeClr val="tx1"/>
                 </a:solidFill>
@@ -22647,7 +23003,7 @@
               <a:t>cantidad</a:t>
             </a:r>
             <a:r>
-              <a:rPr lang="en-US" sz="2000" dirty="0">
+              <a:rPr lang="en-US" dirty="0">
                 <a:solidFill>
                   <a:schemeClr val="tx1"/>
                 </a:solidFill>
@@ -22655,7 +23011,7 @@
               <a:t> de </a:t>
             </a:r>
             <a:r>
-              <a:rPr lang="en-US" sz="2000" dirty="0" err="1">
+              <a:rPr lang="en-US" dirty="0" err="1">
                 <a:solidFill>
                   <a:schemeClr val="tx1"/>
                 </a:solidFill>
@@ -22663,7 +23019,7 @@
               <a:t>veces</a:t>
             </a:r>
             <a:r>
-              <a:rPr lang="en-US" sz="2000" dirty="0">
+              <a:rPr lang="en-US" dirty="0">
                 <a:solidFill>
                   <a:schemeClr val="tx1"/>
                 </a:solidFill>
@@ -22671,7 +23027,7 @@
               <a:t> y con los </a:t>
             </a:r>
             <a:r>
-              <a:rPr lang="en-US" sz="2000" dirty="0" err="1">
+              <a:rPr lang="en-US" dirty="0" err="1">
                 <a:solidFill>
                   <a:schemeClr val="tx1"/>
                 </a:solidFill>
@@ -22679,7 +23035,7 @@
               <a:t>parámetros</a:t>
             </a:r>
             <a:r>
-              <a:rPr lang="en-US" sz="2000" dirty="0">
+              <a:rPr lang="en-US" dirty="0">
                 <a:solidFill>
                   <a:schemeClr val="tx1"/>
                 </a:solidFill>
@@ -22687,14 +23043,14 @@
               <a:t> </a:t>
             </a:r>
             <a:r>
-              <a:rPr lang="en-US" sz="2000" dirty="0" err="1">
+              <a:rPr lang="en-US" dirty="0" err="1">
                 <a:solidFill>
                   <a:schemeClr val="tx1"/>
                 </a:solidFill>
               </a:rPr>
               <a:t>esperados</a:t>
             </a:r>
-            <a:endParaRPr lang="es-AR" sz="2000" dirty="0">
+            <a:endParaRPr lang="es-AR" dirty="0">
               <a:solidFill>
                 <a:schemeClr val="tx1"/>
               </a:solidFill>
@@ -23097,7 +23453,7 @@
         </p:nvSpPr>
         <p:spPr>
           <a:xfrm>
-            <a:off x="1169678" y="1857817"/>
+            <a:off x="1169678" y="1984817"/>
             <a:ext cx="8488424" cy="4135446"/>
           </a:xfrm>
         </p:spPr>
@@ -23105,16 +23461,16 @@
           <a:bodyPr/>
           <a:lstStyle/>
           <a:p>
-            <a:pPr marL="540000" lvl="1" indent="-285750">
-              <a:spcAft>
-                <a:spcPts val="1200"/>
+            <a:pPr marL="597150" lvl="1" indent="-342900">
+              <a:spcAft>
+                <a:spcPts val="400"/>
               </a:spcAft>
               <a:buClr>
                 <a:schemeClr val="accent6"/>
               </a:buClr>
               <a:buSzPct val="100000"/>
-              <a:buFont typeface="Wingdings" panose="05000000000000000000" pitchFamily="2" charset="2"/>
-              <a:buChar char="§"/>
+              <a:buFont typeface="Arial" panose="020B0604020202020204" pitchFamily="34" charset="0"/>
+              <a:buChar char="•"/>
             </a:pPr>
             <a:r>
               <a:rPr lang="en-GB" sz="2000" dirty="0">
@@ -23205,7 +23561,7 @@
               <a:t> de la </a:t>
             </a:r>
             <a:r>
-              <a:rPr lang="en-GB" sz="2000" dirty="0" err="1">
+              <a:rPr lang="en-GB" sz="2000" dirty="0" err="1" smtClean="0">
                 <a:solidFill>
                   <a:schemeClr val="tx1"/>
                 </a:solidFill>
@@ -23219,16 +23575,16 @@
             </a:endParaRPr>
           </a:p>
           <a:p>
-            <a:pPr marL="540000" lvl="1" indent="-285750">
-              <a:spcAft>
-                <a:spcPts val="1200"/>
+            <a:pPr marL="597150" lvl="1" indent="-342900">
+              <a:spcAft>
+                <a:spcPts val="400"/>
               </a:spcAft>
               <a:buClr>
                 <a:schemeClr val="accent6"/>
               </a:buClr>
               <a:buSzPct val="100000"/>
-              <a:buFont typeface="Wingdings" panose="05000000000000000000" pitchFamily="2" charset="2"/>
-              <a:buChar char="§"/>
+              <a:buFont typeface="Arial" panose="020B0604020202020204" pitchFamily="34" charset="0"/>
+              <a:buChar char="•"/>
             </a:pPr>
             <a:r>
               <a:rPr lang="es-AR" sz="2000" dirty="0">
@@ -23240,19 +23596,19 @@
             </a:r>
           </a:p>
           <a:p>
-            <a:pPr marL="540000" lvl="1" indent="-285750">
-              <a:spcAft>
-                <a:spcPts val="1200"/>
+            <a:pPr marL="597150" lvl="1" indent="-342900">
+              <a:spcAft>
+                <a:spcPts val="400"/>
               </a:spcAft>
               <a:buClr>
                 <a:schemeClr val="accent6"/>
               </a:buClr>
               <a:buSzPct val="100000"/>
-              <a:buFont typeface="Wingdings" panose="05000000000000000000" pitchFamily="2" charset="2"/>
-              <a:buChar char="§"/>
-            </a:pPr>
-            <a:r>
-              <a:rPr lang="en-US" sz="2000" dirty="0">
+              <a:buFont typeface="Arial" panose="020B0604020202020204" pitchFamily="34" charset="0"/>
+              <a:buChar char="•"/>
+            </a:pPr>
+            <a:r>
+              <a:rPr lang="en-US" sz="2000" dirty="0" smtClean="0">
                 <a:solidFill>
                   <a:schemeClr val="tx1"/>
                 </a:solidFill>
@@ -23314,19 +23670,19 @@
             </a:endParaRPr>
           </a:p>
           <a:p>
-            <a:pPr marL="540000" lvl="1" indent="-285750">
-              <a:spcAft>
-                <a:spcPts val="1200"/>
+            <a:pPr marL="597150" lvl="1" indent="-342900">
+              <a:spcAft>
+                <a:spcPts val="400"/>
               </a:spcAft>
               <a:buClr>
                 <a:schemeClr val="accent6"/>
               </a:buClr>
               <a:buSzPct val="100000"/>
-              <a:buFont typeface="Wingdings" panose="05000000000000000000" pitchFamily="2" charset="2"/>
-              <a:buChar char="§"/>
-            </a:pPr>
-            <a:r>
-              <a:rPr lang="en-US" sz="2000" dirty="0" err="1">
+              <a:buFont typeface="Arial" panose="020B0604020202020204" pitchFamily="34" charset="0"/>
+              <a:buChar char="•"/>
+            </a:pPr>
+            <a:r>
+              <a:rPr lang="en-US" sz="2000" dirty="0" err="1" smtClean="0">
                 <a:solidFill>
                   <a:schemeClr val="tx1"/>
                 </a:solidFill>
@@ -23334,7 +23690,7 @@
               <a:t>Tener</a:t>
             </a:r>
             <a:r>
-              <a:rPr lang="en-US" sz="2000" dirty="0">
+              <a:rPr lang="en-US" sz="2000" dirty="0" smtClean="0">
                 <a:solidFill>
                   <a:schemeClr val="tx1"/>
                 </a:solidFill>
@@ -23380,19 +23736,19 @@
             </a:endParaRPr>
           </a:p>
           <a:p>
-            <a:pPr marL="540000" lvl="1" indent="-285750">
-              <a:spcAft>
-                <a:spcPts val="1200"/>
+            <a:pPr marL="597150" lvl="1" indent="-342900">
+              <a:spcAft>
+                <a:spcPts val="400"/>
               </a:spcAft>
               <a:buClr>
                 <a:schemeClr val="accent6"/>
               </a:buClr>
               <a:buSzPct val="100000"/>
-              <a:buFont typeface="Wingdings" panose="05000000000000000000" pitchFamily="2" charset="2"/>
-              <a:buChar char="§"/>
-            </a:pPr>
-            <a:r>
-              <a:rPr lang="en-US" sz="2000" dirty="0" err="1">
+              <a:buFont typeface="Arial" panose="020B0604020202020204" pitchFamily="34" charset="0"/>
+              <a:buChar char="•"/>
+            </a:pPr>
+            <a:r>
+              <a:rPr lang="en-US" sz="2000" dirty="0" err="1" smtClean="0">
                 <a:solidFill>
                   <a:schemeClr val="tx1"/>
                 </a:solidFill>
@@ -23400,7 +23756,7 @@
               <a:t>Tener</a:t>
             </a:r>
             <a:r>
-              <a:rPr lang="en-US" sz="2000" dirty="0">
+              <a:rPr lang="en-US" sz="2000" dirty="0" smtClean="0">
                 <a:solidFill>
                   <a:schemeClr val="tx1"/>
                 </a:solidFill>
@@ -23454,19 +23810,19 @@
             </a:endParaRPr>
           </a:p>
           <a:p>
-            <a:pPr marL="540000" lvl="1" indent="-285750">
-              <a:spcAft>
-                <a:spcPts val="1200"/>
+            <a:pPr marL="597150" lvl="1" indent="-342900">
+              <a:spcAft>
+                <a:spcPts val="400"/>
               </a:spcAft>
               <a:buClr>
                 <a:schemeClr val="accent6"/>
               </a:buClr>
               <a:buSzPct val="100000"/>
-              <a:buFont typeface="Wingdings" panose="05000000000000000000" pitchFamily="2" charset="2"/>
-              <a:buChar char="§"/>
-            </a:pPr>
-            <a:r>
-              <a:rPr lang="en-US" sz="2000" dirty="0" err="1">
+              <a:buFont typeface="Arial" panose="020B0604020202020204" pitchFamily="34" charset="0"/>
+              <a:buChar char="•"/>
+            </a:pPr>
+            <a:r>
+              <a:rPr lang="en-US" sz="2000" dirty="0" err="1" smtClean="0">
                 <a:solidFill>
                   <a:schemeClr val="tx1"/>
                 </a:solidFill>
@@ -23474,12 +23830,20 @@
               <a:t>Elegir</a:t>
             </a:r>
             <a:r>
+              <a:rPr lang="en-US" sz="2000" dirty="0" smtClean="0">
+                <a:solidFill>
+                  <a:schemeClr val="tx1"/>
+                </a:solidFill>
+              </a:rPr>
+              <a:t> </a:t>
+            </a:r>
+            <a:r>
               <a:rPr lang="en-US" sz="2000" dirty="0">
                 <a:solidFill>
                   <a:schemeClr val="tx1"/>
                 </a:solidFill>
               </a:rPr>
-              <a:t> el </a:t>
+              <a:t>el </a:t>
             </a:r>
             <a:r>
               <a:rPr lang="en-US" sz="2000" dirty="0" err="1">
@@ -23544,16 +23908,16 @@
             </a:endParaRPr>
           </a:p>
           <a:p>
-            <a:pPr marL="540000" lvl="1" indent="-285750">
-              <a:spcAft>
-                <a:spcPts val="1200"/>
+            <a:pPr marL="597150" lvl="1" indent="-342900">
+              <a:spcAft>
+                <a:spcPts val="400"/>
               </a:spcAft>
               <a:buClr>
                 <a:schemeClr val="accent6"/>
               </a:buClr>
               <a:buSzPct val="100000"/>
-              <a:buFont typeface="Wingdings" panose="05000000000000000000" pitchFamily="2" charset="2"/>
-              <a:buChar char="§"/>
+              <a:buFont typeface="Arial" panose="020B0604020202020204" pitchFamily="34" charset="0"/>
+              <a:buChar char="•"/>
             </a:pPr>
             <a:r>
               <a:rPr lang="en-US" sz="2000" dirty="0">
@@ -23634,16 +23998,16 @@
             </a:endParaRPr>
           </a:p>
           <a:p>
-            <a:pPr marL="540000" lvl="1" indent="-285750">
-              <a:spcAft>
-                <a:spcPts val="1200"/>
+            <a:pPr marL="597150" lvl="1" indent="-342900">
+              <a:spcAft>
+                <a:spcPts val="400"/>
               </a:spcAft>
               <a:buClr>
                 <a:schemeClr val="accent6"/>
               </a:buClr>
               <a:buSzPct val="100000"/>
-              <a:buFont typeface="Wingdings" panose="05000000000000000000" pitchFamily="2" charset="2"/>
-              <a:buChar char="§"/>
+              <a:buFont typeface="Arial" panose="020B0604020202020204" pitchFamily="34" charset="0"/>
+              <a:buChar char="•"/>
             </a:pPr>
             <a:r>
               <a:rPr lang="en-US" sz="2000" dirty="0">
@@ -24170,16 +24534,16 @@
           <a:bodyPr/>
           <a:lstStyle/>
           <a:p>
-            <a:pPr marL="540000" lvl="1" indent="-285750">
-              <a:spcAft>
-                <a:spcPts val="1200"/>
+            <a:pPr marL="597150" lvl="1" indent="-342900">
+              <a:spcAft>
+                <a:spcPts val="400"/>
               </a:spcAft>
               <a:buClr>
                 <a:schemeClr val="accent6"/>
               </a:buClr>
               <a:buSzPct val="100000"/>
-              <a:buFont typeface="Wingdings" panose="05000000000000000000" pitchFamily="2" charset="2"/>
-              <a:buChar char="§"/>
+              <a:buFont typeface="Arial" panose="020B0604020202020204" pitchFamily="34" charset="0"/>
+              <a:buChar char="•"/>
             </a:pPr>
             <a:r>
               <a:rPr lang="en-GB" sz="2000" dirty="0" err="1">
@@ -24262,13 +24626,31 @@
               <a:t> de </a:t>
             </a:r>
             <a:r>
-              <a:rPr lang="en-GB" sz="2000" dirty="0" err="1">
+              <a:rPr lang="en-GB" sz="2000" dirty="0" err="1" smtClean="0">
                 <a:solidFill>
                   <a:schemeClr val="tx1"/>
                 </a:solidFill>
               </a:rPr>
               <a:t>terceros</a:t>
             </a:r>
+            <a:endParaRPr lang="en-GB" sz="2000" dirty="0" smtClean="0">
+              <a:solidFill>
+                <a:schemeClr val="tx1"/>
+              </a:solidFill>
+            </a:endParaRPr>
+          </a:p>
+          <a:p>
+            <a:pPr marL="597150" lvl="1" indent="-342900">
+              <a:spcAft>
+                <a:spcPts val="400"/>
+              </a:spcAft>
+              <a:buClr>
+                <a:schemeClr val="accent6"/>
+              </a:buClr>
+              <a:buSzPct val="100000"/>
+              <a:buFont typeface="Arial" panose="020B0604020202020204" pitchFamily="34" charset="0"/>
+              <a:buChar char="•"/>
+            </a:pPr>
             <a:endParaRPr lang="en-GB" sz="2000" dirty="0">
               <a:solidFill>
                 <a:schemeClr val="tx1"/>
@@ -24276,16 +24658,16 @@
             </a:endParaRPr>
           </a:p>
           <a:p>
-            <a:pPr marL="540000" lvl="1" indent="-285750">
-              <a:spcAft>
-                <a:spcPts val="1200"/>
+            <a:pPr marL="597150" lvl="1" indent="-342900">
+              <a:spcAft>
+                <a:spcPts val="400"/>
               </a:spcAft>
               <a:buClr>
                 <a:schemeClr val="accent6"/>
               </a:buClr>
               <a:buSzPct val="100000"/>
-              <a:buFont typeface="Wingdings" panose="05000000000000000000" pitchFamily="2" charset="2"/>
-              <a:buChar char="§"/>
+              <a:buFont typeface="Arial" panose="020B0604020202020204" pitchFamily="34" charset="0"/>
+              <a:buChar char="•"/>
             </a:pPr>
             <a:r>
               <a:rPr lang="en-GB" sz="2000" dirty="0">
@@ -24406,19 +24788,37 @@
             </a:endParaRPr>
           </a:p>
           <a:p>
-            <a:pPr marL="540000" lvl="1" indent="-285750">
-              <a:spcAft>
-                <a:spcPts val="1200"/>
+            <a:pPr marL="597150" lvl="1" indent="-342900">
+              <a:spcAft>
+                <a:spcPts val="400"/>
               </a:spcAft>
               <a:buClr>
                 <a:schemeClr val="accent6"/>
               </a:buClr>
               <a:buSzPct val="100000"/>
-              <a:buFont typeface="Wingdings" panose="05000000000000000000" pitchFamily="2" charset="2"/>
-              <a:buChar char="§"/>
-            </a:pPr>
-            <a:r>
-              <a:rPr lang="en-GB" sz="2000" dirty="0" err="1">
+              <a:buFont typeface="Arial" panose="020B0604020202020204" pitchFamily="34" charset="0"/>
+              <a:buChar char="•"/>
+            </a:pPr>
+            <a:endParaRPr lang="en-GB" sz="2000" dirty="0" smtClean="0">
+              <a:solidFill>
+                <a:schemeClr val="tx1"/>
+              </a:solidFill>
+            </a:endParaRPr>
+          </a:p>
+          <a:p>
+            <a:pPr marL="597150" lvl="1" indent="-342900">
+              <a:spcAft>
+                <a:spcPts val="400"/>
+              </a:spcAft>
+              <a:buClr>
+                <a:schemeClr val="accent6"/>
+              </a:buClr>
+              <a:buSzPct val="100000"/>
+              <a:buFont typeface="Arial" panose="020B0604020202020204" pitchFamily="34" charset="0"/>
+              <a:buChar char="•"/>
+            </a:pPr>
+            <a:r>
+              <a:rPr lang="en-GB" sz="2000" dirty="0" err="1" smtClean="0">
                 <a:solidFill>
                   <a:schemeClr val="tx1"/>
                 </a:solidFill>
@@ -24426,7 +24826,7 @@
               <a:t>Permiten</a:t>
             </a:r>
             <a:r>
-              <a:rPr lang="en-GB" sz="2000" dirty="0">
+              <a:rPr lang="en-GB" sz="2000" dirty="0" smtClean="0">
                 <a:solidFill>
                   <a:schemeClr val="tx1"/>
                 </a:solidFill>
@@ -24496,19 +24896,37 @@
             </a:endParaRPr>
           </a:p>
           <a:p>
-            <a:pPr marL="540000" lvl="1" indent="-285750">
-              <a:spcAft>
-                <a:spcPts val="1200"/>
+            <a:pPr marL="597150" lvl="1" indent="-342900">
+              <a:spcAft>
+                <a:spcPts val="400"/>
               </a:spcAft>
               <a:buClr>
                 <a:schemeClr val="accent6"/>
               </a:buClr>
               <a:buSzPct val="100000"/>
-              <a:buFont typeface="Wingdings" panose="05000000000000000000" pitchFamily="2" charset="2"/>
-              <a:buChar char="§"/>
-            </a:pPr>
-            <a:r>
-              <a:rPr lang="en-GB" sz="2000" dirty="0" err="1">
+              <a:buFont typeface="Arial" panose="020B0604020202020204" pitchFamily="34" charset="0"/>
+              <a:buChar char="•"/>
+            </a:pPr>
+            <a:endParaRPr lang="en-GB" sz="2000" dirty="0" smtClean="0">
+              <a:solidFill>
+                <a:schemeClr val="tx1"/>
+              </a:solidFill>
+            </a:endParaRPr>
+          </a:p>
+          <a:p>
+            <a:pPr marL="597150" lvl="1" indent="-342900">
+              <a:spcAft>
+                <a:spcPts val="400"/>
+              </a:spcAft>
+              <a:buClr>
+                <a:schemeClr val="accent6"/>
+              </a:buClr>
+              <a:buSzPct val="100000"/>
+              <a:buFont typeface="Arial" panose="020B0604020202020204" pitchFamily="34" charset="0"/>
+              <a:buChar char="•"/>
+            </a:pPr>
+            <a:r>
+              <a:rPr lang="en-GB" sz="2000" dirty="0" err="1" smtClean="0">
                 <a:solidFill>
                   <a:schemeClr val="tx1"/>
                 </a:solidFill>
@@ -24516,12 +24934,20 @@
               <a:t>Evitan</a:t>
             </a:r>
             <a:r>
+              <a:rPr lang="en-GB" sz="2000" dirty="0" smtClean="0">
+                <a:solidFill>
+                  <a:schemeClr val="tx1"/>
+                </a:solidFill>
+              </a:rPr>
+              <a:t> </a:t>
+            </a:r>
+            <a:r>
               <a:rPr lang="en-GB" sz="2000" dirty="0">
                 <a:solidFill>
                   <a:schemeClr val="tx1"/>
                 </a:solidFill>
               </a:rPr>
-              <a:t> el </a:t>
+              <a:t>el </a:t>
             </a:r>
             <a:r>
               <a:rPr lang="en-GB" sz="2000" dirty="0" err="1">
@@ -24650,19 +25076,37 @@
             </a:endParaRPr>
           </a:p>
           <a:p>
-            <a:pPr marL="540000" lvl="1" indent="-285750">
-              <a:spcAft>
-                <a:spcPts val="1200"/>
+            <a:pPr marL="597150" lvl="1" indent="-342900">
+              <a:spcAft>
+                <a:spcPts val="400"/>
               </a:spcAft>
               <a:buClr>
                 <a:schemeClr val="accent6"/>
               </a:buClr>
               <a:buSzPct val="100000"/>
-              <a:buFont typeface="Wingdings" panose="05000000000000000000" pitchFamily="2" charset="2"/>
-              <a:buChar char="§"/>
-            </a:pPr>
-            <a:r>
-              <a:rPr lang="en-GB" sz="2000" dirty="0">
+              <a:buFont typeface="Arial" panose="020B0604020202020204" pitchFamily="34" charset="0"/>
+              <a:buChar char="•"/>
+            </a:pPr>
+            <a:endParaRPr lang="en-GB" sz="2000" dirty="0" smtClean="0">
+              <a:solidFill>
+                <a:schemeClr val="tx1"/>
+              </a:solidFill>
+            </a:endParaRPr>
+          </a:p>
+          <a:p>
+            <a:pPr marL="597150" lvl="1" indent="-342900">
+              <a:spcAft>
+                <a:spcPts val="400"/>
+              </a:spcAft>
+              <a:buClr>
+                <a:schemeClr val="accent6"/>
+              </a:buClr>
+              <a:buSzPct val="100000"/>
+              <a:buFont typeface="Arial" panose="020B0604020202020204" pitchFamily="34" charset="0"/>
+              <a:buChar char="•"/>
+            </a:pPr>
+            <a:r>
+              <a:rPr lang="en-GB" sz="2000" dirty="0" smtClean="0">
                 <a:solidFill>
                   <a:schemeClr val="tx1"/>
                 </a:solidFill>
@@ -25298,7 +25742,7 @@
         </p:nvSpPr>
         <p:spPr>
           <a:xfrm>
-            <a:off x="1169988" y="2190750"/>
+            <a:off x="1169988" y="1809750"/>
             <a:ext cx="8488362" cy="4255020"/>
           </a:xfrm>
         </p:spPr>
@@ -25306,37 +25750,69 @@
           <a:bodyPr/>
           <a:lstStyle/>
           <a:p>
+            <a:pPr>
+              <a:spcAft>
+                <a:spcPts val="400"/>
+              </a:spcAft>
+            </a:pPr>
             <a:r>
               <a:rPr lang="es-AR" altLang="es-AR" dirty="0" smtClean="0"/>
               <a:t>Realizar cambios al código legacy nos brinda dos alternativas:</a:t>
             </a:r>
           </a:p>
           <a:p>
-            <a:pPr lvl="1"/>
+            <a:pPr lvl="1">
+              <a:spcAft>
+                <a:spcPts val="400"/>
+              </a:spcAft>
+              <a:buFont typeface="Courier New" panose="02070309020205020404" pitchFamily="49" charset="0"/>
+              <a:buChar char="o"/>
+            </a:pPr>
             <a:r>
               <a:rPr lang="es-AR" altLang="es-AR" sz="1800" dirty="0" smtClean="0"/>
               <a:t>Modificar y rezar</a:t>
             </a:r>
           </a:p>
           <a:p>
-            <a:pPr lvl="1"/>
+            <a:pPr lvl="1">
+              <a:spcAft>
+                <a:spcPts val="400"/>
+              </a:spcAft>
+              <a:buFont typeface="Courier New" panose="02070309020205020404" pitchFamily="49" charset="0"/>
+              <a:buChar char="o"/>
+            </a:pPr>
             <a:r>
               <a:rPr lang="es-AR" altLang="es-AR" dirty="0" smtClean="0"/>
               <a:t>Testear y modificar</a:t>
             </a:r>
           </a:p>
           <a:p>
-            <a:pPr lvl="1"/>
+            <a:pPr lvl="1">
+              <a:spcAft>
+                <a:spcPts val="400"/>
+              </a:spcAft>
+            </a:pPr>
             <a:endParaRPr lang="es-AR" altLang="es-AR" sz="1800" dirty="0"/>
           </a:p>
           <a:p>
+            <a:pPr>
+              <a:spcAft>
+                <a:spcPts val="400"/>
+              </a:spcAft>
+            </a:pPr>
             <a:r>
               <a:rPr lang="es-AR" altLang="es-AR" sz="2000" dirty="0" smtClean="0"/>
               <a:t>Refactoring dilemma</a:t>
             </a:r>
           </a:p>
           <a:p>
-            <a:pPr lvl="1"/>
+            <a:pPr lvl="1">
+              <a:spcAft>
+                <a:spcPts val="400"/>
+              </a:spcAft>
+              <a:buFont typeface="Courier New" panose="02070309020205020404" pitchFamily="49" charset="0"/>
+              <a:buChar char="o"/>
+            </a:pPr>
             <a:r>
               <a:rPr lang="es-AR" altLang="es-AR" sz="1800" dirty="0" smtClean="0"/>
               <a:t>Cuando modificamos código, deberíamos tener cobertura de </a:t>
@@ -25348,7 +25824,13 @@
             <a:endParaRPr lang="es-AR" altLang="es-AR" sz="1800" dirty="0" smtClean="0"/>
           </a:p>
           <a:p>
-            <a:pPr lvl="1"/>
+            <a:pPr lvl="1">
+              <a:spcAft>
+                <a:spcPts val="400"/>
+              </a:spcAft>
+              <a:buFont typeface="Courier New" panose="02070309020205020404" pitchFamily="49" charset="0"/>
+              <a:buChar char="o"/>
+            </a:pPr>
             <a:r>
               <a:rPr lang="es-AR" altLang="es-AR" dirty="0" smtClean="0"/>
               <a:t>Para tener cobertura de </a:t>
@@ -25363,24 +25845,45 @@
             </a:r>
           </a:p>
           <a:p>
-            <a:pPr lvl="1"/>
+            <a:pPr lvl="1">
+              <a:spcAft>
+                <a:spcPts val="400"/>
+              </a:spcAft>
+            </a:pPr>
             <a:endParaRPr lang="es-AR" altLang="es-AR" sz="1800" dirty="0"/>
           </a:p>
           <a:p>
+            <a:pPr>
+              <a:spcAft>
+                <a:spcPts val="400"/>
+              </a:spcAft>
+            </a:pPr>
             <a:r>
               <a:rPr lang="es-AR" altLang="es-AR" sz="2000" dirty="0" smtClean="0"/>
               <a:t>El código legacy suele:</a:t>
             </a:r>
           </a:p>
           <a:p>
-            <a:pPr lvl="1"/>
+            <a:pPr lvl="1">
+              <a:spcAft>
+                <a:spcPts val="400"/>
+              </a:spcAft>
+              <a:buFont typeface="Courier New" panose="02070309020205020404" pitchFamily="49" charset="0"/>
+              <a:buChar char="o"/>
+            </a:pPr>
             <a:r>
               <a:rPr lang="es-AR" altLang="es-AR" sz="1800" dirty="0" smtClean="0"/>
               <a:t>Tener dependencias acopladas con implementaciones concretas</a:t>
             </a:r>
           </a:p>
           <a:p>
-            <a:pPr lvl="1"/>
+            <a:pPr lvl="1">
+              <a:spcAft>
+                <a:spcPts val="400"/>
+              </a:spcAft>
+              <a:buFont typeface="Courier New" panose="02070309020205020404" pitchFamily="49" charset="0"/>
+              <a:buChar char="o"/>
+            </a:pPr>
             <a:r>
               <a:rPr lang="es-AR" altLang="es-AR" dirty="0" smtClean="0"/>
               <a:t>Usar </a:t>
@@ -25395,21 +25898,39 @@
             </a:r>
           </a:p>
           <a:p>
-            <a:pPr lvl="1"/>
+            <a:pPr lvl="1">
+              <a:spcAft>
+                <a:spcPts val="400"/>
+              </a:spcAft>
+              <a:buFont typeface="Courier New" panose="02070309020205020404" pitchFamily="49" charset="0"/>
+              <a:buChar char="o"/>
+            </a:pPr>
             <a:r>
               <a:rPr lang="es-AR" altLang="es-AR" sz="1800" dirty="0" smtClean="0"/>
               <a:t>Tener lógica en el constructor</a:t>
             </a:r>
           </a:p>
           <a:p>
-            <a:pPr lvl="1"/>
+            <a:pPr lvl="1">
+              <a:spcAft>
+                <a:spcPts val="400"/>
+              </a:spcAft>
+              <a:buFont typeface="Courier New" panose="02070309020205020404" pitchFamily="49" charset="0"/>
+              <a:buChar char="o"/>
+            </a:pPr>
             <a:r>
               <a:rPr lang="es-AR" altLang="es-AR" dirty="0" smtClean="0"/>
               <a:t>Utilizar objetos que no son fácilmente creados</a:t>
             </a:r>
           </a:p>
           <a:p>
-            <a:pPr lvl="1"/>
+            <a:pPr lvl="1">
+              <a:spcAft>
+                <a:spcPts val="400"/>
+              </a:spcAft>
+              <a:buFont typeface="Courier New" panose="02070309020205020404" pitchFamily="49" charset="0"/>
+              <a:buChar char="o"/>
+            </a:pPr>
             <a:r>
               <a:rPr lang="es-AR" altLang="es-AR" sz="1800" dirty="0" smtClean="0"/>
               <a:t>Implementar código con múltiples responsabilidades (no-SOLID)</a:t>
@@ -25561,13 +26082,24 @@
           <a:bodyPr/>
           <a:lstStyle/>
           <a:p>
+            <a:pPr>
+              <a:spcAft>
+                <a:spcPts val="400"/>
+              </a:spcAft>
+            </a:pPr>
             <a:r>
               <a:rPr lang="es-AR" altLang="es-AR" dirty="0" smtClean="0"/>
               <a:t>Extraer implementaciones concretas a interfaces</a:t>
             </a:r>
           </a:p>
           <a:p>
-            <a:pPr lvl="1"/>
+            <a:pPr lvl="1">
+              <a:spcAft>
+                <a:spcPts val="400"/>
+              </a:spcAft>
+              <a:buFont typeface="Courier New" panose="02070309020205020404" pitchFamily="49" charset="0"/>
+              <a:buChar char="o"/>
+            </a:pPr>
             <a:r>
               <a:rPr lang="es-AR" altLang="es-AR" dirty="0" err="1" smtClean="0"/>
               <a:t>Tip</a:t>
@@ -25578,7 +26110,13 @@
             </a:r>
           </a:p>
           <a:p>
-            <a:pPr lvl="1"/>
+            <a:pPr lvl="1">
+              <a:spcAft>
+                <a:spcPts val="400"/>
+              </a:spcAft>
+              <a:buFont typeface="Courier New" panose="02070309020205020404" pitchFamily="49" charset="0"/>
+              <a:buChar char="o"/>
+            </a:pPr>
             <a:r>
               <a:rPr lang="es-AR" altLang="es-AR" dirty="0" err="1" smtClean="0"/>
               <a:t>Tip</a:t>
@@ -25589,7 +26127,13 @@
             </a:r>
           </a:p>
           <a:p>
-            <a:pPr lvl="1"/>
+            <a:pPr lvl="1">
+              <a:spcAft>
+                <a:spcPts val="400"/>
+              </a:spcAft>
+              <a:buFont typeface="Courier New" panose="02070309020205020404" pitchFamily="49" charset="0"/>
+              <a:buChar char="o"/>
+            </a:pPr>
             <a:r>
               <a:rPr lang="es-AR" altLang="es-AR" dirty="0" smtClean="0"/>
               <a:t>Permite usar </a:t>
@@ -25616,13 +26160,24 @@
             <a:endParaRPr lang="es-AR" altLang="es-AR" dirty="0" smtClean="0"/>
           </a:p>
           <a:p>
+            <a:pPr>
+              <a:spcAft>
+                <a:spcPts val="400"/>
+              </a:spcAft>
+            </a:pPr>
             <a:r>
               <a:rPr lang="es-AR" altLang="es-AR" dirty="0" smtClean="0"/>
               <a:t>Cuidado con dependencias ocultas</a:t>
             </a:r>
           </a:p>
           <a:p>
-            <a:pPr lvl="1"/>
+            <a:pPr lvl="1">
+              <a:spcAft>
+                <a:spcPts val="400"/>
+              </a:spcAft>
+              <a:buFont typeface="Courier New" panose="02070309020205020404" pitchFamily="49" charset="0"/>
+              <a:buChar char="o"/>
+            </a:pPr>
             <a:r>
               <a:rPr lang="es-AR" altLang="es-AR" dirty="0" smtClean="0"/>
               <a:t>Ej. El constructor crea una instancia de otra clase</a:t>
@@ -25633,6 +26188,11 @@
             <a:endParaRPr lang="es-AR" altLang="es-AR" dirty="0" smtClean="0"/>
           </a:p>
           <a:p>
+            <a:pPr>
+              <a:spcAft>
+                <a:spcPts val="400"/>
+              </a:spcAft>
+            </a:pPr>
             <a:r>
               <a:rPr lang="es-AR" altLang="es-AR" dirty="0" smtClean="0"/>
               <a:t>Cuando se agregan constructores para inyección de dependencias, mantener un constructor sin parámetros para evitar modificar el código existente</a:t>
@@ -25773,6 +26333,11 @@
           <a:bodyPr/>
           <a:lstStyle/>
           <a:p>
+            <a:pPr>
+              <a:spcAft>
+                <a:spcPts val="400"/>
+              </a:spcAft>
+            </a:pPr>
             <a:r>
               <a:rPr lang="es-AR" altLang="es-AR" dirty="0" smtClean="0"/>
               <a:t>Utilizar </a:t>
@@ -25787,7 +26352,13 @@
             </a:r>
           </a:p>
           <a:p>
-            <a:pPr lvl="1"/>
+            <a:pPr lvl="1">
+              <a:spcAft>
+                <a:spcPts val="400"/>
+              </a:spcAft>
+              <a:buFont typeface="Courier New" panose="02070309020205020404" pitchFamily="49" charset="0"/>
+              <a:buChar char="o"/>
+            </a:pPr>
             <a:r>
               <a:rPr lang="en-US" dirty="0"/>
               <a:t>Tip 7: Wrappers para </a:t>
@@ -25822,6 +26393,11 @@
             <a:endParaRPr lang="en-US" dirty="0" smtClean="0"/>
           </a:p>
           <a:p>
+            <a:pPr>
+              <a:spcAft>
+                <a:spcPts val="400"/>
+              </a:spcAft>
+            </a:pPr>
             <a:r>
               <a:rPr lang="es-AR" dirty="0" smtClean="0"/>
               <a:t>Tener en mente las buenas prácticas para escribir código </a:t>
@@ -25833,7 +26409,13 @@
             <a:endParaRPr lang="es-AR" dirty="0" smtClean="0"/>
           </a:p>
           <a:p>
-            <a:pPr lvl="1"/>
+            <a:pPr lvl="1">
+              <a:spcAft>
+                <a:spcPts val="400"/>
+              </a:spcAft>
+              <a:buFont typeface="Courier New" panose="02070309020205020404" pitchFamily="49" charset="0"/>
+              <a:buChar char="o"/>
+            </a:pPr>
             <a:r>
               <a:rPr lang="en-US" dirty="0"/>
               <a:t>Tip 3: </a:t>
@@ -25877,7 +26459,13 @@
             <a:endParaRPr lang="en-US" dirty="0" smtClean="0"/>
           </a:p>
           <a:p>
-            <a:pPr lvl="1"/>
+            <a:pPr lvl="1">
+              <a:spcAft>
+                <a:spcPts val="400"/>
+              </a:spcAft>
+              <a:buFont typeface="Courier New" panose="02070309020205020404" pitchFamily="49" charset="0"/>
+              <a:buChar char="o"/>
+            </a:pPr>
             <a:r>
               <a:rPr lang="en-US" dirty="0"/>
               <a:t>Tip 6: </a:t>
@@ -26031,6 +26619,11 @@
           <a:bodyPr/>
           <a:lstStyle/>
           <a:p>
+            <a:pPr>
+              <a:spcAft>
+                <a:spcPts val="400"/>
+              </a:spcAft>
+            </a:pPr>
             <a:r>
               <a:rPr lang="es-AR" altLang="es-AR" dirty="0" smtClean="0"/>
               <a:t>Desacoplar hizo la aplicación </a:t>
@@ -26045,7 +26638,13 @@
             </a:r>
           </a:p>
           <a:p>
-            <a:pPr lvl="1"/>
+            <a:pPr lvl="1">
+              <a:spcAft>
+                <a:spcPts val="400"/>
+              </a:spcAft>
+              <a:buFont typeface="Courier New" panose="02070309020205020404" pitchFamily="49" charset="0"/>
+              <a:buChar char="o"/>
+            </a:pPr>
             <a:r>
               <a:rPr lang="en-US" dirty="0"/>
               <a:t>Tip 4: </a:t>
@@ -26065,7 +26664,13 @@
             <a:endParaRPr lang="es-AR" dirty="0"/>
           </a:p>
           <a:p>
-            <a:pPr lvl="1"/>
+            <a:pPr lvl="1">
+              <a:spcAft>
+                <a:spcPts val="400"/>
+              </a:spcAft>
+              <a:buFont typeface="Courier New" panose="02070309020205020404" pitchFamily="49" charset="0"/>
+              <a:buChar char="o"/>
+            </a:pPr>
             <a:r>
               <a:rPr lang="en-US" dirty="0"/>
               <a:t>Tip 5: Mocking de </a:t>
@@ -26084,6 +26689,11 @@
             <a:endParaRPr lang="en-US" dirty="0" smtClean="0"/>
           </a:p>
           <a:p>
+            <a:pPr>
+              <a:spcAft>
+                <a:spcPts val="400"/>
+              </a:spcAft>
+            </a:pPr>
             <a:r>
               <a:rPr lang="en-US" dirty="0" err="1" smtClean="0"/>
               <a:t>Verificar</a:t>
@@ -26131,7 +26741,11 @@
             <a:endParaRPr lang="es-AR" dirty="0"/>
           </a:p>
           <a:p>
-            <a:pPr lvl="1"/>
+            <a:pPr lvl="1">
+              <a:spcAft>
+                <a:spcPts val="400"/>
+              </a:spcAft>
+            </a:pPr>
             <a:endParaRPr lang="es-AR" dirty="0"/>
           </a:p>
         </p:txBody>
@@ -26245,7 +26859,7 @@
         </p:nvSpPr>
         <p:spPr>
           <a:xfrm>
-            <a:off x="1169988" y="1936749"/>
+            <a:off x="1169988" y="1809749"/>
             <a:ext cx="9458038" cy="2213861"/>
           </a:xfrm>
         </p:spPr>
@@ -26253,6 +26867,11 @@
           <a:bodyPr/>
           <a:lstStyle/>
           <a:p>
+            <a:pPr>
+              <a:spcAft>
+                <a:spcPts val="400"/>
+              </a:spcAft>
+            </a:pPr>
             <a:r>
               <a:rPr lang="es-AR" dirty="0" smtClean="0"/>
               <a:t>La refactorización es el proceso de reestructurar código existente sin afectar su comportamiento</a:t>
@@ -26263,55 +26882,102 @@
             <a:endParaRPr lang="es-AR" dirty="0" smtClean="0"/>
           </a:p>
           <a:p>
+            <a:pPr>
+              <a:spcAft>
+                <a:spcPts val="400"/>
+              </a:spcAft>
+            </a:pPr>
             <a:r>
               <a:rPr lang="es-AR" dirty="0" smtClean="0"/>
               <a:t>Ventajas</a:t>
             </a:r>
           </a:p>
           <a:p>
-            <a:pPr lvl="1"/>
+            <a:pPr lvl="1">
+              <a:spcAft>
+                <a:spcPts val="400"/>
+              </a:spcAft>
+              <a:buFont typeface="Courier New" panose="02070309020205020404" pitchFamily="49" charset="0"/>
+              <a:buChar char="o"/>
+            </a:pPr>
             <a:r>
               <a:rPr lang="es-AR" dirty="0" smtClean="0"/>
               <a:t>Mejora la lectura del código</a:t>
             </a:r>
           </a:p>
           <a:p>
-            <a:pPr lvl="1"/>
+            <a:pPr lvl="1">
+              <a:spcAft>
+                <a:spcPts val="400"/>
+              </a:spcAft>
+              <a:buFont typeface="Courier New" panose="02070309020205020404" pitchFamily="49" charset="0"/>
+              <a:buChar char="o"/>
+            </a:pPr>
             <a:r>
               <a:rPr lang="es-AR" dirty="0" smtClean="0"/>
               <a:t>Reduce la complejidad</a:t>
             </a:r>
           </a:p>
           <a:p>
-            <a:pPr lvl="1"/>
+            <a:pPr lvl="1">
+              <a:spcAft>
+                <a:spcPts val="400"/>
+              </a:spcAft>
+              <a:buFont typeface="Courier New" panose="02070309020205020404" pitchFamily="49" charset="0"/>
+              <a:buChar char="o"/>
+            </a:pPr>
             <a:r>
               <a:rPr lang="es-AR" dirty="0" smtClean="0"/>
               <a:t>Mejora la mantenibilidad del código</a:t>
             </a:r>
           </a:p>
           <a:p>
-            <a:pPr lvl="1"/>
+            <a:pPr lvl="1">
+              <a:spcAft>
+                <a:spcPts val="400"/>
+              </a:spcAft>
+              <a:buFont typeface="Courier New" panose="02070309020205020404" pitchFamily="49" charset="0"/>
+              <a:buChar char="o"/>
+            </a:pPr>
             <a:r>
               <a:rPr lang="es-AR" dirty="0" smtClean="0"/>
               <a:t>Mejora la extensibilidad</a:t>
             </a:r>
           </a:p>
           <a:p>
-            <a:pPr lvl="1"/>
+            <a:pPr lvl="1">
+              <a:spcAft>
+                <a:spcPts val="400"/>
+              </a:spcAft>
+              <a:buFont typeface="Courier New" panose="02070309020205020404" pitchFamily="49" charset="0"/>
+              <a:buChar char="o"/>
+            </a:pPr>
             <a:r>
               <a:rPr lang="es-AR" dirty="0" smtClean="0"/>
               <a:t>Permite identificar bugs ocultos o no descubiertos</a:t>
             </a:r>
           </a:p>
           <a:p>
-            <a:pPr lvl="1"/>
+            <a:pPr lvl="1">
+              <a:spcAft>
+                <a:spcPts val="400"/>
+              </a:spcAft>
+              <a:buFont typeface="Courier New" panose="02070309020205020404" pitchFamily="49" charset="0"/>
+              <a:buChar char="o"/>
+            </a:pPr>
             <a:r>
               <a:rPr lang="es-AR" dirty="0" smtClean="0"/>
               <a:t>Ayuda a identificar oportunidades de mejora</a:t>
             </a:r>
           </a:p>
           <a:p>
-            <a:pPr lvl="1"/>
+            <a:pPr lvl="1">
+              <a:spcAft>
+                <a:spcPts val="400"/>
+              </a:spcAft>
+              <a:buFont typeface="Courier New" panose="02070309020205020404" pitchFamily="49" charset="0"/>
+              <a:buChar char="o"/>
+            </a:pPr>
             <a:r>
               <a:rPr lang="es-AR" dirty="0" smtClean="0"/>
               <a:t>Permite </a:t>
@@ -26334,13 +27000,24 @@
             <a:endParaRPr lang="es-AR" dirty="0" smtClean="0"/>
           </a:p>
           <a:p>
+            <a:pPr>
+              <a:spcAft>
+                <a:spcPts val="400"/>
+              </a:spcAft>
+            </a:pPr>
             <a:r>
               <a:rPr lang="es-AR" dirty="0" smtClean="0"/>
               <a:t>En la aplicación:</a:t>
             </a:r>
           </a:p>
           <a:p>
-            <a:pPr lvl="1"/>
+            <a:pPr lvl="1">
+              <a:spcAft>
+                <a:spcPts val="400"/>
+              </a:spcAft>
+              <a:buFont typeface="Courier New" panose="02070309020205020404" pitchFamily="49" charset="0"/>
+              <a:buChar char="o"/>
+            </a:pPr>
             <a:r>
               <a:rPr lang="es-AR" dirty="0" smtClean="0"/>
               <a:t>Asegurarse que todos los </a:t>
@@ -26355,7 +27032,13 @@
             </a:r>
           </a:p>
           <a:p>
-            <a:pPr lvl="1"/>
+            <a:pPr lvl="1">
+              <a:spcAft>
+                <a:spcPts val="400"/>
+              </a:spcAft>
+              <a:buFont typeface="Courier New" panose="02070309020205020404" pitchFamily="49" charset="0"/>
+              <a:buChar char="o"/>
+            </a:pPr>
             <a:r>
               <a:rPr lang="es-AR" dirty="0" smtClean="0"/>
               <a:t>Después de modificar el código, todos los </a:t>
@@ -26371,7 +27054,11 @@
             <a:endParaRPr lang="es-AR" dirty="0"/>
           </a:p>
           <a:p>
-            <a:pPr lvl="1"/>
+            <a:pPr lvl="1">
+              <a:spcAft>
+                <a:spcPts val="400"/>
+              </a:spcAft>
+            </a:pPr>
             <a:endParaRPr lang="es-AR" dirty="0"/>
           </a:p>
         </p:txBody>
@@ -26485,7 +27172,7 @@
         </p:nvSpPr>
         <p:spPr>
           <a:xfrm>
-            <a:off x="1169988" y="1809749"/>
+            <a:off x="1169988" y="1682749"/>
             <a:ext cx="9458038" cy="2213861"/>
           </a:xfrm>
         </p:spPr>
@@ -26493,6 +27180,11 @@
           <a:bodyPr/>
           <a:lstStyle/>
           <a:p>
+            <a:pPr>
+              <a:spcAft>
+                <a:spcPts val="400"/>
+              </a:spcAft>
+            </a:pPr>
             <a:r>
               <a:rPr lang="es-AR" dirty="0" err="1" smtClean="0"/>
               <a:t>Refactorizar</a:t>
@@ -26508,6 +27200,11 @@
             <a:endParaRPr lang="es-AR" dirty="0" smtClean="0"/>
           </a:p>
           <a:p>
+            <a:pPr>
+              <a:spcAft>
+                <a:spcPts val="400"/>
+              </a:spcAft>
+            </a:pPr>
             <a:r>
               <a:rPr lang="es-AR" dirty="0" smtClean="0"/>
               <a:t>Convénzanse (¡y a sus compañeros!)</a:t>
@@ -26515,7 +27212,11 @@
             <a:endParaRPr lang="es-AR" dirty="0"/>
           </a:p>
           <a:p>
-            <a:pPr lvl="1"/>
+            <a:pPr lvl="1">
+              <a:spcAft>
+                <a:spcPts val="400"/>
+              </a:spcAft>
+            </a:pPr>
             <a:endParaRPr lang="es-AR" dirty="0"/>
           </a:p>
         </p:txBody>
@@ -26675,7 +27376,7 @@
         </p:nvSpPr>
         <p:spPr>
           <a:xfrm>
-            <a:off x="1169988" y="1809749"/>
+            <a:off x="964962" y="1905284"/>
             <a:ext cx="9458038" cy="4239199"/>
           </a:xfrm>
         </p:spPr>
@@ -26685,184 +27386,189 @@
           <a:p>
             <a:pPr marL="597150" lvl="1" indent="-342900">
               <a:spcAft>
-                <a:spcPts val="1200"/>
+                <a:spcPts val="400"/>
               </a:spcAft>
               <a:buFont typeface="+mj-lt"/>
               <a:buAutoNum type="arabicPeriod"/>
             </a:pPr>
             <a:r>
-              <a:rPr lang="es-AR" dirty="0" smtClean="0"/>
+              <a:rPr lang="es-AR" sz="2000" dirty="0" smtClean="0"/>
               <a:t>Identificar puntos de cambio</a:t>
             </a:r>
           </a:p>
           <a:p>
             <a:pPr marL="862013" lvl="2" indent="-342900">
               <a:spcAft>
-                <a:spcPts val="1200"/>
-              </a:spcAft>
-              <a:buFont typeface="Wingdings" panose="05000000000000000000" pitchFamily="2" charset="2"/>
-              <a:buChar char="§"/>
-            </a:pPr>
-            <a:r>
-              <a:rPr lang="es-AR" dirty="0" smtClean="0"/>
-              <a:t>Encontrar el lugar donde hacer el cambio necesario para agregar características o eliminar bugs</a:t>
-            </a:r>
+                <a:spcPts val="400"/>
+              </a:spcAft>
+            </a:pPr>
+            <a:r>
+              <a:rPr lang="es-AR" sz="1800" dirty="0" smtClean="0"/>
+              <a:t>Encontrar el lugar donde hacer el cambio necesario para agregar características o eliminar </a:t>
+            </a:r>
+            <a:r>
+              <a:rPr lang="es-AR" sz="1800" dirty="0" smtClean="0"/>
+              <a:t>bugs</a:t>
+            </a:r>
+            <a:endParaRPr lang="es-AR" sz="1800" dirty="0" smtClean="0"/>
           </a:p>
           <a:p>
             <a:pPr marL="597150" lvl="1" indent="-342900">
               <a:spcAft>
-                <a:spcPts val="1200"/>
+                <a:spcPts val="400"/>
               </a:spcAft>
               <a:buFont typeface="+mj-lt"/>
               <a:buAutoNum type="arabicPeriod"/>
             </a:pPr>
             <a:r>
-              <a:rPr lang="es-AR" dirty="0" smtClean="0"/>
-              <a:t>Encontrar puntos de test</a:t>
-            </a:r>
+              <a:rPr lang="es-AR" sz="2000" dirty="0" smtClean="0"/>
+              <a:t>Encontrar puntos de </a:t>
+            </a:r>
+            <a:r>
+              <a:rPr lang="es-AR" sz="2000" dirty="0" smtClean="0"/>
+              <a:t>test</a:t>
+            </a:r>
+            <a:endParaRPr lang="es-AR" sz="2000" dirty="0" smtClean="0"/>
           </a:p>
           <a:p>
             <a:pPr marL="597150" lvl="1" indent="-342900">
               <a:spcAft>
-                <a:spcPts val="1200"/>
+                <a:spcPts val="400"/>
               </a:spcAft>
               <a:buFont typeface="+mj-lt"/>
               <a:buAutoNum type="arabicPeriod"/>
             </a:pPr>
             <a:r>
-              <a:rPr lang="es-AR" dirty="0" smtClean="0"/>
+              <a:rPr lang="es-AR" sz="2000" dirty="0" smtClean="0"/>
               <a:t>Romper dependencias</a:t>
             </a:r>
           </a:p>
           <a:p>
             <a:pPr marL="862013" lvl="2" indent="-342900">
               <a:spcAft>
-                <a:spcPts val="1200"/>
-              </a:spcAft>
-              <a:buFont typeface="Wingdings" panose="05000000000000000000" pitchFamily="2" charset="2"/>
-              <a:buChar char="§"/>
-            </a:pPr>
-            <a:r>
-              <a:rPr lang="es-AR" dirty="0" smtClean="0"/>
+                <a:spcPts val="400"/>
+              </a:spcAft>
+            </a:pPr>
+            <a:r>
+              <a:rPr lang="es-AR" sz="1800" dirty="0" smtClean="0"/>
               <a:t>Donde es difícil o imposible escribir </a:t>
             </a:r>
             <a:r>
-              <a:rPr lang="es-AR" dirty="0" err="1" smtClean="0"/>
+              <a:rPr lang="es-AR" sz="1800" dirty="0" err="1" smtClean="0"/>
               <a:t>tests</a:t>
             </a:r>
             <a:r>
-              <a:rPr lang="es-AR" dirty="0" smtClean="0"/>
+              <a:rPr lang="es-AR" sz="1800" dirty="0" smtClean="0"/>
               <a:t> para tener cobertura del comportamiento actual en los puntos de test</a:t>
             </a:r>
           </a:p>
           <a:p>
             <a:pPr marL="862013" lvl="2" indent="-342900">
               <a:spcAft>
-                <a:spcPts val="1200"/>
-              </a:spcAft>
-              <a:buFont typeface="Wingdings" panose="05000000000000000000" pitchFamily="2" charset="2"/>
-              <a:buChar char="§"/>
-            </a:pPr>
-            <a:r>
-              <a:rPr lang="es-AR" dirty="0" smtClean="0"/>
+                <a:spcPts val="400"/>
+              </a:spcAft>
+            </a:pPr>
+            <a:r>
+              <a:rPr lang="es-AR" sz="1800" dirty="0" smtClean="0"/>
               <a:t>Pre-</a:t>
             </a:r>
             <a:r>
-              <a:rPr lang="es-AR" dirty="0" err="1" smtClean="0"/>
+              <a:rPr lang="es-AR" sz="1800" dirty="0" err="1" smtClean="0"/>
               <a:t>refactorizar</a:t>
             </a:r>
             <a:r>
-              <a:rPr lang="es-AR" dirty="0" smtClean="0"/>
+              <a:rPr lang="es-AR" sz="1800" dirty="0" smtClean="0"/>
               <a:t> es complicado ya que no hay </a:t>
             </a:r>
             <a:r>
-              <a:rPr lang="es-AR" dirty="0" err="1" smtClean="0"/>
+              <a:rPr lang="es-AR" sz="1800" dirty="0" err="1" smtClean="0"/>
               <a:t>tests</a:t>
             </a:r>
             <a:r>
-              <a:rPr lang="es-AR" dirty="0" smtClean="0"/>
-              <a:t> aún para protegerse mientras se trabaja</a:t>
-            </a:r>
+              <a:rPr lang="es-AR" sz="1800" dirty="0" smtClean="0"/>
+              <a:t> aún para protegerse mientras se </a:t>
+            </a:r>
+            <a:r>
+              <a:rPr lang="es-AR" sz="1800" dirty="0" smtClean="0"/>
+              <a:t>trabaja</a:t>
+            </a:r>
+            <a:endParaRPr lang="es-AR" sz="1800" dirty="0" smtClean="0"/>
           </a:p>
           <a:p>
             <a:pPr marL="597150" lvl="1" indent="-342900">
               <a:spcAft>
-                <a:spcPts val="1200"/>
+                <a:spcPts val="400"/>
               </a:spcAft>
               <a:buFont typeface="+mj-lt"/>
               <a:buAutoNum type="arabicPeriod"/>
             </a:pPr>
             <a:r>
-              <a:rPr lang="es-AR" dirty="0" smtClean="0"/>
+              <a:rPr lang="es-AR" sz="2000" dirty="0" smtClean="0"/>
               <a:t>Escribir </a:t>
             </a:r>
             <a:r>
-              <a:rPr lang="es-AR" dirty="0" err="1" smtClean="0"/>
+              <a:rPr lang="es-AR" sz="2000" dirty="0" err="1" smtClean="0"/>
               <a:t>tests</a:t>
             </a:r>
-            <a:endParaRPr lang="es-AR" dirty="0" smtClean="0"/>
+            <a:endParaRPr lang="es-AR" sz="2000" dirty="0" smtClean="0"/>
           </a:p>
           <a:p>
             <a:pPr marL="597150" lvl="1" indent="-342900">
               <a:spcAft>
-                <a:spcPts val="1200"/>
+                <a:spcPts val="400"/>
               </a:spcAft>
               <a:buFont typeface="+mj-lt"/>
               <a:buAutoNum type="arabicPeriod"/>
             </a:pPr>
             <a:r>
-              <a:rPr lang="es-AR" dirty="0" smtClean="0"/>
+              <a:rPr lang="es-AR" sz="2000" dirty="0" smtClean="0"/>
               <a:t>Modificar el código y </a:t>
             </a:r>
             <a:r>
-              <a:rPr lang="es-AR" dirty="0" err="1" smtClean="0"/>
+              <a:rPr lang="es-AR" sz="2000" dirty="0" err="1" smtClean="0"/>
               <a:t>refactorizar</a:t>
             </a:r>
-            <a:endParaRPr lang="es-AR" dirty="0" smtClean="0"/>
+            <a:endParaRPr lang="es-AR" sz="2000" dirty="0" smtClean="0"/>
           </a:p>
           <a:p>
             <a:pPr marL="862013" lvl="2" indent="-342900">
               <a:spcAft>
-                <a:spcPts val="1200"/>
-              </a:spcAft>
-              <a:buFont typeface="Wingdings" panose="05000000000000000000" pitchFamily="2" charset="2"/>
-              <a:buChar char="§"/>
-            </a:pPr>
-            <a:r>
-              <a:rPr lang="es-AR" dirty="0" err="1" smtClean="0"/>
+                <a:spcPts val="400"/>
+              </a:spcAft>
+            </a:pPr>
+            <a:r>
+              <a:rPr lang="es-AR" sz="1800" dirty="0" err="1" smtClean="0"/>
               <a:t>Refactorizar</a:t>
             </a:r>
             <a:r>
-              <a:rPr lang="es-AR" dirty="0" smtClean="0"/>
+              <a:rPr lang="es-AR" sz="1800" dirty="0" smtClean="0"/>
               <a:t> el punto de cambio con cobertura de </a:t>
             </a:r>
             <a:r>
-              <a:rPr lang="es-AR" dirty="0" err="1" smtClean="0"/>
+              <a:rPr lang="es-AR" sz="1800" dirty="0" err="1" smtClean="0"/>
               <a:t>tests</a:t>
             </a:r>
-            <a:endParaRPr lang="es-AR" dirty="0" smtClean="0"/>
+            <a:endParaRPr lang="es-AR" sz="1800" dirty="0" smtClean="0"/>
           </a:p>
           <a:p>
             <a:pPr marL="862013" lvl="2" indent="-342900">
               <a:spcAft>
-                <a:spcPts val="1200"/>
-              </a:spcAft>
-              <a:buFont typeface="Wingdings" panose="05000000000000000000" pitchFamily="2" charset="2"/>
-              <a:buChar char="§"/>
-            </a:pPr>
-            <a:r>
-              <a:rPr lang="es-AR" dirty="0" smtClean="0"/>
+                <a:spcPts val="400"/>
+              </a:spcAft>
+            </a:pPr>
+            <a:r>
+              <a:rPr lang="es-AR" sz="1800" dirty="0" smtClean="0"/>
               <a:t>Disfrutar de la cobertura de </a:t>
             </a:r>
             <a:r>
-              <a:rPr lang="es-AR" dirty="0" err="1" smtClean="0"/>
+              <a:rPr lang="es-AR" sz="1800" dirty="0" err="1" smtClean="0"/>
               <a:t>tests</a:t>
             </a:r>
             <a:r>
-              <a:rPr lang="es-AR" dirty="0" smtClean="0"/>
+              <a:rPr lang="es-AR" sz="1800" dirty="0" smtClean="0"/>
               <a:t> generada</a:t>
             </a:r>
-            <a:endParaRPr lang="es-AR" dirty="0"/>
+            <a:endParaRPr lang="es-AR" sz="1800" dirty="0"/>
           </a:p>
         </p:txBody>
       </p:sp>
@@ -28084,7 +28790,7 @@
         </p:nvSpPr>
         <p:spPr>
           <a:xfrm>
-            <a:off x="1169678" y="1694207"/>
+            <a:off x="951314" y="1766201"/>
             <a:ext cx="10012984" cy="5290793"/>
           </a:xfrm>
         </p:spPr>
@@ -28094,8 +28800,10 @@
           <a:p>
             <a:pPr lvl="1">
               <a:spcAft>
-                <a:spcPts val="1200"/>
-              </a:spcAft>
+                <a:spcPts val="400"/>
+              </a:spcAft>
+              <a:buFont typeface="Arial" panose="020B0604020202020204" pitchFamily="34" charset="0"/>
+              <a:buChar char="•"/>
             </a:pPr>
             <a:r>
               <a:rPr lang="es-AR" dirty="0"/>
@@ -28113,8 +28821,10 @@
           <a:p>
             <a:pPr lvl="1">
               <a:spcAft>
-                <a:spcPts val="1200"/>
-              </a:spcAft>
+                <a:spcPts val="400"/>
+              </a:spcAft>
+              <a:buFont typeface="Arial" panose="020B0604020202020204" pitchFamily="34" charset="0"/>
+              <a:buChar char="•"/>
             </a:pPr>
             <a:r>
               <a:rPr lang="es-AR" dirty="0"/>
@@ -28124,8 +28834,10 @@
           <a:p>
             <a:pPr lvl="1">
               <a:spcAft>
-                <a:spcPts val="1200"/>
-              </a:spcAft>
+                <a:spcPts val="400"/>
+              </a:spcAft>
+              <a:buFont typeface="Arial" panose="020B0604020202020204" pitchFamily="34" charset="0"/>
+              <a:buChar char="•"/>
             </a:pPr>
             <a:r>
               <a:rPr lang="es-AR" dirty="0"/>
@@ -28134,8 +28846,9 @@
           </a:p>
           <a:p>
             <a:pPr marL="862013" lvl="2" indent="-342900">
-              <a:buFont typeface="Wingdings" panose="05000000000000000000" pitchFamily="2" charset="2"/>
-              <a:buChar char="§"/>
+              <a:spcAft>
+                <a:spcPts val="400"/>
+              </a:spcAft>
             </a:pPr>
             <a:r>
               <a:rPr lang="es-AR" dirty="0"/>
@@ -28144,8 +28857,9 @@
           </a:p>
           <a:p>
             <a:pPr marL="862013" lvl="2" indent="-342900">
-              <a:buFont typeface="Wingdings" panose="05000000000000000000" pitchFamily="2" charset="2"/>
-              <a:buChar char="§"/>
+              <a:spcAft>
+                <a:spcPts val="400"/>
+              </a:spcAft>
             </a:pPr>
             <a:r>
               <a:rPr lang="es-AR" dirty="0"/>
@@ -28154,8 +28868,9 @@
           </a:p>
           <a:p>
             <a:pPr marL="862013" lvl="2" indent="-342900">
-              <a:buFont typeface="Wingdings" panose="05000000000000000000" pitchFamily="2" charset="2"/>
-              <a:buChar char="§"/>
+              <a:spcAft>
+                <a:spcPts val="400"/>
+              </a:spcAft>
             </a:pPr>
             <a:r>
               <a:rPr lang="es-AR" dirty="0"/>
@@ -28164,8 +28879,9 @@
           </a:p>
           <a:p>
             <a:pPr marL="862013" lvl="2" indent="-342900">
-              <a:buFont typeface="Wingdings" panose="05000000000000000000" pitchFamily="2" charset="2"/>
-              <a:buChar char="§"/>
+              <a:spcAft>
+                <a:spcPts val="400"/>
+              </a:spcAft>
             </a:pPr>
             <a:r>
               <a:rPr lang="es-AR" dirty="0"/>
@@ -28175,22 +28891,33 @@
               <a:rPr lang="es-AR" dirty="0" smtClean="0"/>
               <a:t>4</a:t>
             </a:r>
-          </a:p>
-          <a:p>
-            <a:pPr marL="519113" lvl="2" indent="0">
-              <a:buNone/>
-            </a:pPr>
-            <a:endParaRPr lang="es-AR" dirty="0"/>
+            <a:endParaRPr lang="es-AR" sz="1200" dirty="0"/>
           </a:p>
           <a:p>
             <a:pPr lvl="1">
               <a:spcAft>
-                <a:spcPts val="1200"/>
-              </a:spcAft>
-            </a:pPr>
+                <a:spcPts val="400"/>
+              </a:spcAft>
+              <a:buFont typeface="Arial" panose="020B0604020202020204" pitchFamily="34" charset="0"/>
+              <a:buChar char="•"/>
+            </a:pPr>
+            <a:endParaRPr lang="es-AR" dirty="0" smtClean="0"/>
+          </a:p>
+          <a:p>
+            <a:pPr lvl="1">
+              <a:spcAft>
+                <a:spcPts val="400"/>
+              </a:spcAft>
+              <a:buFont typeface="Arial" panose="020B0604020202020204" pitchFamily="34" charset="0"/>
+              <a:buChar char="•"/>
+            </a:pPr>
+            <a:r>
+              <a:rPr lang="es-AR" dirty="0" smtClean="0"/>
+              <a:t>Implementar </a:t>
+            </a:r>
             <a:r>
               <a:rPr lang="es-AR" dirty="0"/>
-              <a:t>Implementar los nuevos requerimientos de negocio, asegurando mediante </a:t>
+              <a:t>los nuevos requerimientos de negocio, asegurando mediante </a:t>
             </a:r>
             <a:r>
               <a:rPr lang="es-AR" dirty="0" err="1"/>
@@ -28204,8 +28931,10 @@
           <a:p>
             <a:pPr lvl="1">
               <a:spcAft>
-                <a:spcPts val="1200"/>
-              </a:spcAft>
+                <a:spcPts val="400"/>
+              </a:spcAft>
+              <a:buFont typeface="Arial" panose="020B0604020202020204" pitchFamily="34" charset="0"/>
+              <a:buChar char="•"/>
             </a:pPr>
             <a:r>
               <a:rPr lang="es-AR" dirty="0"/>
@@ -28223,8 +28952,10 @@
           <a:p>
             <a:pPr lvl="1">
               <a:spcAft>
-                <a:spcPts val="1200"/>
-              </a:spcAft>
+                <a:spcPts val="400"/>
+              </a:spcAft>
+              <a:buFont typeface="Arial" panose="020B0604020202020204" pitchFamily="34" charset="0"/>
+              <a:buChar char="•"/>
             </a:pPr>
             <a:r>
               <a:rPr lang="es-AR" dirty="0"/>
@@ -28250,16 +28981,9 @@
               <a:t>testeable</a:t>
             </a:r>
             <a:r>
-              <a:rPr lang="es-AR" dirty="0"/>
+              <a:rPr lang="es-AR" dirty="0" smtClean="0"/>
               <a:t>.</a:t>
             </a:r>
-          </a:p>
-          <a:p>
-            <a:pPr lvl="1">
-              <a:spcAft>
-                <a:spcPts val="1200"/>
-              </a:spcAft>
-            </a:pPr>
             <a:endParaRPr lang="es-AR" dirty="0"/>
           </a:p>
         </p:txBody>
@@ -28468,8 +29192,8 @@
         </p:nvSpPr>
         <p:spPr>
           <a:xfrm>
-            <a:off x="1169678" y="1567208"/>
-            <a:ext cx="10012984" cy="4993196"/>
+            <a:off x="1005905" y="1864804"/>
+            <a:ext cx="10012984" cy="4495053"/>
           </a:xfrm>
         </p:spPr>
         <p:txBody>
@@ -28478,8 +29202,10 @@
           <a:p>
             <a:pPr lvl="1">
               <a:spcAft>
-                <a:spcPts val="1200"/>
-              </a:spcAft>
+                <a:spcPts val="400"/>
+              </a:spcAft>
+              <a:buFont typeface="Arial" panose="020B0604020202020204" pitchFamily="34" charset="0"/>
+              <a:buChar char="•"/>
             </a:pPr>
             <a:r>
               <a:rPr lang="es-AR" sz="2000" dirty="0" smtClean="0"/>
@@ -28497,7 +29223,7 @@
           <a:p>
             <a:pPr lvl="2">
               <a:spcAft>
-                <a:spcPts val="1200"/>
+                <a:spcPts val="400"/>
               </a:spcAft>
             </a:pPr>
             <a:r>
@@ -28508,7 +29234,7 @@
           <a:p>
             <a:pPr lvl="2">
               <a:spcAft>
-                <a:spcPts val="1200"/>
+                <a:spcPts val="400"/>
               </a:spcAft>
             </a:pPr>
             <a:r>
@@ -28520,7 +29246,7 @@
           <a:p>
             <a:pPr lvl="2">
               <a:spcAft>
-                <a:spcPts val="1200"/>
+                <a:spcPts val="400"/>
               </a:spcAft>
             </a:pPr>
             <a:r>
@@ -28531,7 +29257,7 @@
           <a:p>
             <a:pPr lvl="2">
               <a:spcAft>
-                <a:spcPts val="1200"/>
+                <a:spcPts val="400"/>
               </a:spcAft>
             </a:pPr>
             <a:r>
@@ -28543,7 +29269,7 @@
           <a:p>
             <a:pPr lvl="2">
               <a:spcAft>
-                <a:spcPts val="1200"/>
+                <a:spcPts val="400"/>
               </a:spcAft>
             </a:pPr>
             <a:endParaRPr lang="es-AR" b="1" i="1" dirty="0"/>
@@ -28551,8 +29277,10 @@
           <a:p>
             <a:pPr lvl="1">
               <a:spcAft>
-                <a:spcPts val="1200"/>
-              </a:spcAft>
+                <a:spcPts val="400"/>
+              </a:spcAft>
+              <a:buFont typeface="Arial" panose="020B0604020202020204" pitchFamily="34" charset="0"/>
+              <a:buChar char="•"/>
             </a:pPr>
             <a:r>
               <a:rPr lang="es-AR" sz="2000" dirty="0" smtClean="0"/>
@@ -28562,7 +29290,7 @@
           <a:p>
             <a:pPr lvl="2">
               <a:spcAft>
-                <a:spcPts val="1200"/>
+                <a:spcPts val="400"/>
               </a:spcAft>
             </a:pPr>
             <a:r>
@@ -28573,7 +29301,7 @@
           <a:p>
             <a:pPr lvl="2">
               <a:spcAft>
-                <a:spcPts val="1200"/>
+                <a:spcPts val="400"/>
               </a:spcAft>
             </a:pPr>
             <a:r>
@@ -28584,7 +29312,7 @@
           <a:p>
             <a:pPr lvl="2">
               <a:spcAft>
-                <a:spcPts val="1200"/>
+                <a:spcPts val="400"/>
               </a:spcAft>
             </a:pPr>
             <a:r>
@@ -28600,7 +29328,7 @@
           <a:p>
             <a:pPr lvl="2">
               <a:spcAft>
-                <a:spcPts val="1200"/>
+                <a:spcPts val="400"/>
               </a:spcAft>
             </a:pPr>
             <a:r>
@@ -28635,7 +29363,7 @@
           <a:p>
             <a:pPr lvl="2">
               <a:spcAft>
-                <a:spcPts val="1200"/>
+                <a:spcPts val="400"/>
               </a:spcAft>
             </a:pPr>
             <a:r>
@@ -28647,7 +29375,7 @@
           <a:p>
             <a:pPr lvl="2">
               <a:spcAft>
-                <a:spcPts val="1200"/>
+                <a:spcPts val="400"/>
               </a:spcAft>
             </a:pPr>
             <a:endParaRPr lang="es-AR" dirty="0"/>
@@ -28775,7 +29503,7 @@
         </p:nvSpPr>
         <p:spPr>
           <a:xfrm>
-            <a:off x="1169678" y="2456208"/>
+            <a:off x="1169678" y="2323300"/>
             <a:ext cx="10012984" cy="4993196"/>
           </a:xfrm>
         </p:spPr>
@@ -28785,7 +29513,7 @@
           <a:p>
             <a:pPr>
               <a:spcAft>
-                <a:spcPts val="1200"/>
+                <a:spcPts val="400"/>
               </a:spcAft>
             </a:pPr>
             <a:r>
@@ -28824,7 +29552,7 @@
           <a:p>
             <a:pPr>
               <a:spcAft>
-                <a:spcPts val="1200"/>
+                <a:spcPts val="400"/>
               </a:spcAft>
             </a:pPr>
             <a:r>
@@ -28852,7 +29580,7 @@
           <a:p>
             <a:pPr>
               <a:spcAft>
-                <a:spcPts val="1200"/>
+                <a:spcPts val="400"/>
               </a:spcAft>
             </a:pPr>
             <a:r>
@@ -28868,7 +29596,7 @@
           <a:p>
             <a:pPr>
               <a:spcAft>
-                <a:spcPts val="1200"/>
+                <a:spcPts val="400"/>
               </a:spcAft>
             </a:pPr>
             <a:r>
@@ -28879,7 +29607,7 @@
           <a:p>
             <a:pPr>
               <a:spcAft>
-                <a:spcPts val="1200"/>
+                <a:spcPts val="400"/>
               </a:spcAft>
             </a:pPr>
             <a:r>
@@ -28897,12 +29625,36 @@
             <a:br>
               <a:rPr lang="es-AR" dirty="0" smtClean="0"/>
             </a:br>
+            <a:endParaRPr lang="es-AR" dirty="0" smtClean="0"/>
+          </a:p>
+          <a:p>
+            <a:pPr>
+              <a:spcAft>
+                <a:spcPts val="400"/>
+              </a:spcAft>
+            </a:pPr>
             <a:endParaRPr lang="es-AR" dirty="0"/>
           </a:p>
           <a:p>
+            <a:pPr>
+              <a:spcAft>
+                <a:spcPts val="400"/>
+              </a:spcAft>
+            </a:pPr>
+            <a:endParaRPr lang="es-AR" dirty="0" smtClean="0"/>
+          </a:p>
+          <a:p>
+            <a:pPr>
+              <a:spcAft>
+                <a:spcPts val="400"/>
+              </a:spcAft>
+            </a:pPr>
+            <a:endParaRPr lang="es-AR" dirty="0"/>
+          </a:p>
+          <a:p>
             <a:pPr marL="0" indent="0">
               <a:spcAft>
-                <a:spcPts val="1200"/>
+                <a:spcPts val="400"/>
               </a:spcAft>
               <a:buNone/>
             </a:pPr>
@@ -28911,7 +29663,7 @@
           <a:p>
             <a:pPr>
               <a:spcAft>
-                <a:spcPts val="1200"/>
+                <a:spcPts val="400"/>
               </a:spcAft>
             </a:pPr>
             <a:r>
@@ -28925,7 +29677,7 @@
           <a:p>
             <a:pPr marL="0" indent="0">
               <a:spcAft>
-                <a:spcPts val="1200"/>
+                <a:spcPts val="400"/>
               </a:spcAft>
               <a:buNone/>
             </a:pPr>
@@ -29213,27 +29965,29 @@
           <a:p>
             <a:pPr>
               <a:spcAft>
-                <a:spcPts val="1200"/>
-              </a:spcAft>
-            </a:pPr>
-            <a:r>
-              <a:rPr lang="es-AR" dirty="0" smtClean="0"/>
+                <a:spcPts val="400"/>
+              </a:spcAft>
+            </a:pPr>
+            <a:r>
+              <a:rPr lang="es-AR" dirty="0"/>
               <a:t>¡Pueden aplicar los mismos </a:t>
             </a:r>
             <a:r>
-              <a:rPr lang="es-AR" dirty="0" err="1" smtClean="0"/>
+              <a:rPr lang="es-AR" dirty="0" err="1"/>
               <a:t>tips</a:t>
             </a:r>
             <a:r>
-              <a:rPr lang="es-AR" dirty="0" smtClean="0"/>
+              <a:rPr lang="es-AR" dirty="0"/>
               <a:t> que ya vimos!</a:t>
             </a:r>
           </a:p>
           <a:p>
             <a:pPr lvl="1">
-              <a:spcBef>
-                <a:spcPts val="1200"/>
-              </a:spcBef>
+              <a:spcAft>
+                <a:spcPts val="400"/>
+              </a:spcAft>
+              <a:buFont typeface="Courier New" panose="02070309020205020404" pitchFamily="49" charset="0"/>
+              <a:buChar char="o"/>
             </a:pPr>
             <a:r>
               <a:rPr lang="es-AR" altLang="es-AR" dirty="0" err="1"/>
@@ -29246,9 +30000,11 @@
           </a:p>
           <a:p>
             <a:pPr lvl="1">
-              <a:spcBef>
-                <a:spcPts val="1200"/>
-              </a:spcBef>
+              <a:spcAft>
+                <a:spcPts val="400"/>
+              </a:spcAft>
+              <a:buFont typeface="Courier New" panose="02070309020205020404" pitchFamily="49" charset="0"/>
+              <a:buChar char="o"/>
             </a:pPr>
             <a:r>
               <a:rPr lang="es-AR" altLang="es-AR" dirty="0" err="1"/>
@@ -29259,15 +30015,17 @@
               <a:t> 2: Inyección de dependencias por </a:t>
             </a:r>
             <a:r>
-              <a:rPr lang="es-AR" altLang="es-AR" dirty="0" smtClean="0"/>
+              <a:rPr lang="es-AR" altLang="es-AR" dirty="0"/>
               <a:t>constructor</a:t>
             </a:r>
           </a:p>
           <a:p>
             <a:pPr lvl="1">
-              <a:spcBef>
-                <a:spcPts val="1200"/>
-              </a:spcBef>
+              <a:spcAft>
+                <a:spcPts val="400"/>
+              </a:spcAft>
+              <a:buFont typeface="Courier New" panose="02070309020205020404" pitchFamily="49" charset="0"/>
+              <a:buChar char="o"/>
             </a:pPr>
             <a:r>
               <a:rPr lang="en-US" dirty="0"/>
@@ -29313,9 +30071,11 @@
           </a:p>
           <a:p>
             <a:pPr lvl="1">
-              <a:spcBef>
-                <a:spcPts val="1200"/>
-              </a:spcBef>
+              <a:spcAft>
+                <a:spcPts val="400"/>
+              </a:spcAft>
+              <a:buFont typeface="Courier New" panose="02070309020205020404" pitchFamily="49" charset="0"/>
+              <a:buChar char="o"/>
             </a:pPr>
             <a:r>
               <a:rPr lang="en-US" dirty="0"/>
@@ -29338,14 +30098,277 @@
               <a:t> </a:t>
             </a:r>
             <a:r>
-              <a:rPr lang="en-US" dirty="0" err="1"/>
+              <a:rPr lang="en-US" dirty="0" err="1" smtClean="0"/>
               <a:t>testeable</a:t>
             </a:r>
+            <a:r>
+              <a:rPr lang="en-US" dirty="0"/>
+              <a:t/>
+            </a:r>
+            <a:br>
+              <a:rPr lang="en-US" dirty="0"/>
+            </a:br>
+            <a:endParaRPr lang="en-US" dirty="0" smtClean="0"/>
+          </a:p>
+          <a:p>
+            <a:pPr>
+              <a:spcAft>
+                <a:spcPts val="400"/>
+              </a:spcAft>
+              <a:buFont typeface="Arial" panose="020B0604020202020204" pitchFamily="34" charset="0"/>
+              <a:buChar char="•"/>
+            </a:pPr>
+            <a:r>
+              <a:rPr lang="es-AR" dirty="0" smtClean="0"/>
+              <a:t>Desarrollar</a:t>
+            </a:r>
+            <a:r>
+              <a:rPr lang="en-US" dirty="0" smtClean="0"/>
+              <a:t> </a:t>
+            </a:r>
+            <a:r>
+              <a:rPr lang="en-US" dirty="0" err="1" smtClean="0"/>
+              <a:t>nuestro</a:t>
+            </a:r>
+            <a:r>
+              <a:rPr lang="en-US" dirty="0" smtClean="0"/>
+              <a:t> </a:t>
+            </a:r>
+            <a:r>
+              <a:rPr lang="en-US" dirty="0" err="1" smtClean="0"/>
+              <a:t>código</a:t>
+            </a:r>
+            <a:r>
+              <a:rPr lang="en-US" dirty="0" smtClean="0"/>
+              <a:t> frontend </a:t>
+            </a:r>
+            <a:r>
+              <a:rPr lang="en-US" dirty="0" err="1" smtClean="0"/>
+              <a:t>cómo</a:t>
+            </a:r>
+            <a:r>
+              <a:rPr lang="en-US" dirty="0" smtClean="0"/>
+              <a:t> lo </a:t>
+            </a:r>
+            <a:r>
+              <a:rPr lang="en-US" dirty="0" err="1" smtClean="0"/>
+              <a:t>haríamos</a:t>
+            </a:r>
+            <a:r>
+              <a:rPr lang="en-US" dirty="0" smtClean="0"/>
+              <a:t> </a:t>
+            </a:r>
+            <a:r>
+              <a:rPr lang="en-US" dirty="0" err="1" smtClean="0"/>
+              <a:t>en</a:t>
+            </a:r>
+            <a:r>
+              <a:rPr lang="en-US" dirty="0" smtClean="0"/>
+              <a:t> backend…</a:t>
+            </a:r>
+          </a:p>
+          <a:p>
+            <a:pPr lvl="1">
+              <a:spcAft>
+                <a:spcPts val="400"/>
+              </a:spcAft>
+              <a:buFont typeface="Courier New" panose="02070309020205020404" pitchFamily="49" charset="0"/>
+              <a:buChar char="o"/>
+            </a:pPr>
+            <a:r>
+              <a:rPr lang="en-US" dirty="0" err="1" smtClean="0"/>
+              <a:t>Utilizando</a:t>
+            </a:r>
+            <a:r>
+              <a:rPr lang="en-US" dirty="0" smtClean="0"/>
+              <a:t> </a:t>
+            </a:r>
+            <a:r>
+              <a:rPr lang="en-US" dirty="0" err="1" smtClean="0"/>
+              <a:t>clases</a:t>
+            </a:r>
+            <a:r>
+              <a:rPr lang="en-US" dirty="0" smtClean="0"/>
+              <a:t> e interfaces</a:t>
+            </a:r>
+          </a:p>
+          <a:p>
+            <a:pPr lvl="1">
+              <a:spcAft>
+                <a:spcPts val="400"/>
+              </a:spcAft>
+              <a:buFont typeface="Courier New" panose="02070309020205020404" pitchFamily="49" charset="0"/>
+              <a:buChar char="o"/>
+            </a:pPr>
+            <a:r>
+              <a:rPr lang="en-US" dirty="0" err="1" smtClean="0"/>
+              <a:t>Separando</a:t>
+            </a:r>
+            <a:r>
+              <a:rPr lang="en-US" dirty="0" smtClean="0"/>
+              <a:t> </a:t>
+            </a:r>
+            <a:r>
+              <a:rPr lang="en-US" dirty="0" err="1" smtClean="0"/>
+              <a:t>responsabilidades</a:t>
+            </a:r>
+            <a:endParaRPr lang="en-US" dirty="0" smtClean="0"/>
+          </a:p>
+          <a:p>
+            <a:pPr lvl="1">
+              <a:spcAft>
+                <a:spcPts val="400"/>
+              </a:spcAft>
+              <a:buFont typeface="Courier New" panose="02070309020205020404" pitchFamily="49" charset="0"/>
+              <a:buChar char="o"/>
+            </a:pPr>
+            <a:r>
+              <a:rPr lang="en-US" dirty="0" err="1" smtClean="0"/>
+              <a:t>Aprovechando</a:t>
+            </a:r>
+            <a:r>
+              <a:rPr lang="en-US" dirty="0" smtClean="0"/>
+              <a:t> las </a:t>
+            </a:r>
+            <a:r>
+              <a:rPr lang="en-US" dirty="0" err="1" smtClean="0"/>
+              <a:t>ventajas</a:t>
+            </a:r>
+            <a:r>
+              <a:rPr lang="en-US" dirty="0" smtClean="0"/>
+              <a:t> del </a:t>
+            </a:r>
+            <a:r>
+              <a:rPr lang="en-US" dirty="0" err="1" smtClean="0"/>
+              <a:t>tipado</a:t>
+            </a:r>
+            <a:endParaRPr lang="en-US" dirty="0" smtClean="0"/>
+          </a:p>
+          <a:p>
+            <a:pPr lvl="1">
+              <a:spcAft>
+                <a:spcPts val="400"/>
+              </a:spcAft>
+              <a:buFont typeface="Courier New" panose="02070309020205020404" pitchFamily="49" charset="0"/>
+              <a:buChar char="o"/>
+            </a:pPr>
+            <a:r>
+              <a:rPr lang="en-US" dirty="0" err="1" smtClean="0"/>
+              <a:t>Generando</a:t>
+            </a:r>
+            <a:r>
+              <a:rPr lang="en-US" dirty="0" smtClean="0"/>
+              <a:t> un </a:t>
+            </a:r>
+            <a:r>
+              <a:rPr lang="en-US" dirty="0" err="1" smtClean="0"/>
+              <a:t>archivo</a:t>
+            </a:r>
+            <a:r>
+              <a:rPr lang="en-US" dirty="0" smtClean="0"/>
+              <a:t> .</a:t>
+            </a:r>
+            <a:r>
+              <a:rPr lang="en-US" dirty="0" err="1" smtClean="0"/>
+              <a:t>ts</a:t>
+            </a:r>
+            <a:r>
+              <a:rPr lang="en-US" dirty="0" smtClean="0"/>
+              <a:t> para </a:t>
+            </a:r>
+            <a:r>
+              <a:rPr lang="en-US" dirty="0" err="1" smtClean="0"/>
+              <a:t>cada</a:t>
+            </a:r>
+            <a:r>
+              <a:rPr lang="en-US" dirty="0" smtClean="0"/>
+              <a:t> </a:t>
+            </a:r>
+            <a:r>
+              <a:rPr lang="en-US" dirty="0" err="1" smtClean="0"/>
+              <a:t>clase</a:t>
+            </a:r>
+            <a:r>
+              <a:rPr lang="en-US" dirty="0" smtClean="0"/>
+              <a:t> o interface</a:t>
+            </a:r>
+          </a:p>
+          <a:p>
+            <a:pPr lvl="1">
+              <a:spcAft>
+                <a:spcPts val="400"/>
+              </a:spcAft>
+              <a:buFont typeface="Courier New" panose="02070309020205020404" pitchFamily="49" charset="0"/>
+              <a:buChar char="o"/>
+            </a:pPr>
+            <a:r>
+              <a:rPr lang="en-US" dirty="0" err="1" smtClean="0"/>
+              <a:t>Evitando</a:t>
+            </a:r>
+            <a:r>
+              <a:rPr lang="en-US" dirty="0" smtClean="0"/>
+              <a:t> </a:t>
+            </a:r>
+            <a:r>
+              <a:rPr lang="es-AR" dirty="0" smtClean="0"/>
+              <a:t>embeber</a:t>
+            </a:r>
+            <a:r>
+              <a:rPr lang="en-US" dirty="0" smtClean="0"/>
+              <a:t> la </a:t>
+            </a:r>
+            <a:r>
+              <a:rPr lang="en-US" dirty="0" err="1" smtClean="0"/>
+              <a:t>lógica</a:t>
+            </a:r>
+            <a:r>
+              <a:rPr lang="en-US" dirty="0" smtClean="0"/>
+              <a:t> de frontend </a:t>
+            </a:r>
+            <a:r>
+              <a:rPr lang="en-US" dirty="0" err="1" smtClean="0"/>
+              <a:t>en</a:t>
+            </a:r>
+            <a:r>
+              <a:rPr lang="en-US" dirty="0" smtClean="0"/>
+              <a:t> </a:t>
+            </a:r>
+            <a:r>
+              <a:rPr lang="en-US" dirty="0" err="1" smtClean="0"/>
+              <a:t>los</a:t>
+            </a:r>
+            <a:r>
+              <a:rPr lang="en-US" dirty="0" smtClean="0"/>
+              <a:t> </a:t>
+            </a:r>
+            <a:r>
+              <a:rPr lang="en-US" dirty="0" err="1" smtClean="0"/>
+              <a:t>archivos</a:t>
+            </a:r>
+            <a:r>
+              <a:rPr lang="en-US" dirty="0" smtClean="0"/>
+              <a:t> HTML</a:t>
+            </a:r>
+          </a:p>
+          <a:p>
+            <a:pPr lvl="1">
+              <a:spcAft>
+                <a:spcPts val="400"/>
+              </a:spcAft>
+              <a:buFont typeface="Courier New" panose="02070309020205020404" pitchFamily="49" charset="0"/>
+              <a:buChar char="o"/>
+            </a:pPr>
             <a:endParaRPr lang="es-AR" dirty="0"/>
           </a:p>
           <a:p>
-            <a:pPr lvl="1"/>
-            <a:endParaRPr lang="es-AR" altLang="es-AR" dirty="0" smtClean="0"/>
+            <a:pPr lvl="1">
+              <a:spcAft>
+                <a:spcPts val="400"/>
+              </a:spcAft>
+              <a:buFont typeface="Courier New" panose="02070309020205020404" pitchFamily="49" charset="0"/>
+              <a:buChar char="o"/>
+            </a:pPr>
+            <a:endParaRPr lang="es-AR" altLang="es-AR" dirty="0"/>
           </a:p>
         </p:txBody>
       </p:sp>
@@ -29480,7 +30503,7 @@
           <a:p>
             <a:pPr>
               <a:spcAft>
-                <a:spcPts val="1200"/>
+                <a:spcPts val="400"/>
               </a:spcAft>
             </a:pPr>
             <a:r>
@@ -29511,98 +30534,104 @@
           <a:p>
             <a:pPr lvl="1">
               <a:spcAft>
-                <a:spcPts val="1200"/>
-              </a:spcAft>
-            </a:pPr>
-            <a:r>
-              <a:rPr lang="en-US" sz="2000" dirty="0"/>
+                <a:spcPts val="400"/>
+              </a:spcAft>
+              <a:buFont typeface="Courier New" panose="02070309020205020404" pitchFamily="49" charset="0"/>
+              <a:buChar char="o"/>
+            </a:pPr>
+            <a:r>
+              <a:rPr lang="en-US" dirty="0"/>
               <a:t>Setup de </a:t>
             </a:r>
             <a:r>
-              <a:rPr lang="en-US" sz="2000" dirty="0" err="1"/>
+              <a:rPr lang="en-US" dirty="0" err="1"/>
               <a:t>precondiciones</a:t>
             </a:r>
-            <a:endParaRPr lang="en-US" sz="2000" dirty="0"/>
+            <a:endParaRPr lang="en-US" dirty="0"/>
           </a:p>
           <a:p>
             <a:pPr lvl="1">
               <a:spcAft>
-                <a:spcPts val="1200"/>
-              </a:spcAft>
-            </a:pPr>
-            <a:r>
-              <a:rPr lang="en-US" sz="2000" dirty="0" err="1"/>
+                <a:spcPts val="400"/>
+              </a:spcAft>
+              <a:buFont typeface="Courier New" panose="02070309020205020404" pitchFamily="49" charset="0"/>
+              <a:buChar char="o"/>
+            </a:pPr>
+            <a:r>
+              <a:rPr lang="en-US" dirty="0" err="1"/>
               <a:t>Ejecutar</a:t>
             </a:r>
             <a:r>
-              <a:rPr lang="en-US" sz="2000" dirty="0"/>
+              <a:rPr lang="en-US" dirty="0"/>
               <a:t> el </a:t>
             </a:r>
             <a:r>
-              <a:rPr lang="en-US" sz="2000" dirty="0" err="1"/>
+              <a:rPr lang="en-US" dirty="0" err="1"/>
               <a:t>código</a:t>
             </a:r>
             <a:r>
-              <a:rPr lang="en-US" sz="2000" dirty="0"/>
+              <a:rPr lang="en-US" dirty="0"/>
               <a:t> a </a:t>
             </a:r>
             <a:r>
-              <a:rPr lang="en-US" sz="2000" dirty="0" err="1"/>
+              <a:rPr lang="en-US" dirty="0" err="1"/>
               <a:t>testear</a:t>
             </a:r>
-            <a:endParaRPr lang="en-US" sz="2000" dirty="0"/>
+            <a:endParaRPr lang="en-US" dirty="0"/>
           </a:p>
           <a:p>
             <a:pPr lvl="1">
               <a:spcAft>
-                <a:spcPts val="1200"/>
-              </a:spcAft>
-            </a:pPr>
-            <a:r>
-              <a:rPr lang="en-US" sz="2000" dirty="0" err="1"/>
+                <a:spcPts val="400"/>
+              </a:spcAft>
+              <a:buFont typeface="Courier New" panose="02070309020205020404" pitchFamily="49" charset="0"/>
+              <a:buChar char="o"/>
+            </a:pPr>
+            <a:r>
+              <a:rPr lang="en-US" dirty="0" err="1"/>
               <a:t>Realizar</a:t>
             </a:r>
             <a:r>
-              <a:rPr lang="en-US" sz="2000" dirty="0"/>
+              <a:rPr lang="en-US" dirty="0"/>
               <a:t> asserts </a:t>
             </a:r>
             <a:r>
-              <a:rPr lang="en-US" sz="2000" dirty="0" err="1"/>
+              <a:rPr lang="en-US" dirty="0" err="1"/>
               <a:t>sobre</a:t>
             </a:r>
             <a:r>
-              <a:rPr lang="en-US" sz="2000" dirty="0"/>
+              <a:rPr lang="en-US" dirty="0"/>
               <a:t> </a:t>
             </a:r>
             <a:r>
-              <a:rPr lang="en-US" sz="2000" dirty="0" err="1"/>
+              <a:rPr lang="en-US" dirty="0" err="1"/>
               <a:t>los</a:t>
             </a:r>
             <a:r>
-              <a:rPr lang="en-US" sz="2000" dirty="0"/>
+              <a:rPr lang="en-US" dirty="0"/>
               <a:t> </a:t>
             </a:r>
             <a:r>
-              <a:rPr lang="en-US" sz="2000" dirty="0" err="1"/>
+              <a:rPr lang="en-US" dirty="0" err="1"/>
               <a:t>resultados</a:t>
             </a:r>
             <a:r>
-              <a:rPr lang="en-US" sz="2000" dirty="0"/>
+              <a:rPr lang="en-US" dirty="0"/>
               <a:t> </a:t>
             </a:r>
             <a:r>
-              <a:rPr lang="en-US" sz="2000" dirty="0" err="1"/>
+              <a:rPr lang="en-US" dirty="0" err="1"/>
               <a:t>esperados</a:t>
             </a:r>
             <a:r>
-              <a:rPr lang="en-GB" sz="2000" dirty="0"/>
+              <a:rPr lang="en-GB" dirty="0"/>
               <a:t> </a:t>
             </a:r>
           </a:p>
           <a:p>
             <a:pPr>
               <a:spcAft>
-                <a:spcPts val="1200"/>
+                <a:spcPts val="400"/>
               </a:spcAft>
             </a:pPr>
             <a:endParaRPr lang="es-AR" altLang="es-AR" dirty="0" smtClean="0"/>
@@ -29669,7 +30698,7 @@
           <a:p>
             <a:pPr marL="285750" indent="-285750">
               <a:spcAft>
-                <a:spcPts val="1200"/>
+                <a:spcPts val="400"/>
               </a:spcAft>
               <a:buClr>
                 <a:schemeClr val="accent6"/>
@@ -29756,16 +30785,7 @@
                 </a:solidFill>
                 <a:latin typeface="+mn-lt"/>
               </a:rPr>
-              <a:t>Spies</a:t>
-            </a:r>
-            <a:r>
-              <a:rPr lang="en-US" sz="2000" dirty="0" smtClean="0">
-                <a:solidFill>
-                  <a:schemeClr val="tx1"/>
-                </a:solidFill>
-                <a:latin typeface="+mn-lt"/>
-              </a:rPr>
-              <a:t>:</a:t>
+              <a:t>Spies:</a:t>
             </a:r>
             <a:endParaRPr lang="en-US" sz="2000" dirty="0">
               <a:solidFill>
@@ -29775,19 +30795,19 @@
             </a:endParaRPr>
           </a:p>
           <a:p>
-            <a:pPr marL="540000" lvl="1" indent="-285750">
-              <a:spcAft>
-                <a:spcPts val="1200"/>
+            <a:pPr marL="597150" lvl="1" indent="-342900">
+              <a:spcAft>
+                <a:spcPts val="400"/>
               </a:spcAft>
               <a:buClr>
                 <a:schemeClr val="accent6"/>
               </a:buClr>
               <a:buSzPct val="100000"/>
-              <a:buFont typeface="Wingdings" panose="05000000000000000000" pitchFamily="2" charset="2"/>
-              <a:buChar char="§"/>
-            </a:pPr>
-            <a:r>
-              <a:rPr lang="en-US" sz="2000" dirty="0">
+              <a:buFont typeface="Courier New" panose="02070309020205020404" pitchFamily="49" charset="0"/>
+              <a:buChar char="o"/>
+            </a:pPr>
+            <a:r>
+              <a:rPr lang="en-US" dirty="0">
                 <a:solidFill>
                   <a:schemeClr val="tx1"/>
                 </a:solidFill>
@@ -29795,7 +30815,7 @@
               <a:t>Setup de </a:t>
             </a:r>
             <a:r>
-              <a:rPr lang="en-US" sz="2000" dirty="0" err="1">
+              <a:rPr lang="en-US" dirty="0" err="1">
                 <a:solidFill>
                   <a:schemeClr val="tx1"/>
                 </a:solidFill>
@@ -29803,7 +30823,7 @@
               <a:t>precondiciones</a:t>
             </a:r>
             <a:r>
-              <a:rPr lang="en-US" sz="2000" dirty="0">
+              <a:rPr lang="en-US" dirty="0">
                 <a:solidFill>
                   <a:schemeClr val="tx1"/>
                 </a:solidFill>
@@ -29811,7 +30831,7 @@
               <a:t> </a:t>
             </a:r>
             <a:r>
-              <a:rPr lang="en-US" sz="2000" dirty="0" err="1">
+              <a:rPr lang="en-US" dirty="0" err="1">
                 <a:solidFill>
                   <a:schemeClr val="tx1"/>
                 </a:solidFill>
@@ -29819,7 +30839,7 @@
               <a:t>incluyendo</a:t>
             </a:r>
             <a:r>
-              <a:rPr lang="en-US" sz="2000" dirty="0">
+              <a:rPr lang="en-US" dirty="0">
                 <a:solidFill>
                   <a:schemeClr val="tx1"/>
                 </a:solidFill>
@@ -29827,7 +30847,7 @@
               <a:t> el setup de los </a:t>
             </a:r>
             <a:r>
-              <a:rPr lang="en-US" sz="2000" dirty="0" err="1">
+              <a:rPr lang="en-US" dirty="0" err="1">
                 <a:solidFill>
                   <a:schemeClr val="tx1"/>
                 </a:solidFill>
@@ -29835,7 +30855,7 @@
               <a:t>objetos</a:t>
             </a:r>
             <a:r>
-              <a:rPr lang="en-US" sz="2000" dirty="0">
+              <a:rPr lang="en-US" dirty="0">
                 <a:solidFill>
                   <a:schemeClr val="tx1"/>
                 </a:solidFill>
@@ -29843,33 +30863,33 @@
               <a:t> </a:t>
             </a:r>
             <a:r>
-              <a:rPr lang="en-US" sz="2000" dirty="0" smtClean="0">
+              <a:rPr lang="en-US" dirty="0" smtClean="0">
                 <a:solidFill>
                   <a:schemeClr val="tx1"/>
                 </a:solidFill>
               </a:rPr>
               <a:t>spy</a:t>
             </a:r>
-            <a:endParaRPr lang="en-US" sz="2000" dirty="0">
+            <a:endParaRPr lang="en-US" dirty="0">
               <a:solidFill>
                 <a:schemeClr val="tx1"/>
               </a:solidFill>
             </a:endParaRPr>
           </a:p>
           <a:p>
-            <a:pPr marL="540000" lvl="1" indent="-285750">
-              <a:spcAft>
-                <a:spcPts val="1200"/>
+            <a:pPr marL="597150" lvl="1" indent="-342900">
+              <a:spcAft>
+                <a:spcPts val="400"/>
               </a:spcAft>
               <a:buClr>
                 <a:schemeClr val="accent6"/>
               </a:buClr>
               <a:buSzPct val="100000"/>
-              <a:buFont typeface="Wingdings" panose="05000000000000000000" pitchFamily="2" charset="2"/>
-              <a:buChar char="§"/>
-            </a:pPr>
-            <a:r>
-              <a:rPr lang="en-US" sz="2000" dirty="0" err="1">
+              <a:buFont typeface="Courier New" panose="02070309020205020404" pitchFamily="49" charset="0"/>
+              <a:buChar char="o"/>
+            </a:pPr>
+            <a:r>
+              <a:rPr lang="en-US" dirty="0" err="1">
                 <a:solidFill>
                   <a:schemeClr val="tx1"/>
                 </a:solidFill>
@@ -29877,7 +30897,7 @@
               <a:t>Inyectar</a:t>
             </a:r>
             <a:r>
-              <a:rPr lang="en-US" sz="2000" dirty="0">
+              <a:rPr lang="en-US" dirty="0">
                 <a:solidFill>
                   <a:schemeClr val="tx1"/>
                 </a:solidFill>
@@ -29885,7 +30905,7 @@
               <a:t> </a:t>
             </a:r>
             <a:r>
-              <a:rPr lang="en-US" sz="2000" dirty="0" smtClean="0">
+              <a:rPr lang="en-US" dirty="0" smtClean="0">
                 <a:solidFill>
                   <a:schemeClr val="tx1"/>
                 </a:solidFill>
@@ -29893,7 +30913,7 @@
               <a:t>spies </a:t>
             </a:r>
             <a:r>
-              <a:rPr lang="en-US" sz="2000" dirty="0">
+              <a:rPr lang="en-US" dirty="0">
                 <a:solidFill>
                   <a:schemeClr val="tx1"/>
                 </a:solidFill>
@@ -29901,33 +30921,33 @@
               <a:t>de </a:t>
             </a:r>
             <a:r>
-              <a:rPr lang="en-US" sz="2000" dirty="0" err="1">
+              <a:rPr lang="en-US" dirty="0" err="1">
                 <a:solidFill>
                   <a:schemeClr val="tx1"/>
                 </a:solidFill>
               </a:rPr>
               <a:t>dependencias</a:t>
             </a:r>
-            <a:endParaRPr lang="en-US" sz="2000" dirty="0">
+            <a:endParaRPr lang="en-US" dirty="0">
               <a:solidFill>
                 <a:schemeClr val="tx1"/>
               </a:solidFill>
             </a:endParaRPr>
           </a:p>
           <a:p>
-            <a:pPr marL="540000" lvl="1" indent="-285750">
-              <a:spcAft>
-                <a:spcPts val="1200"/>
+            <a:pPr marL="597150" lvl="1" indent="-342900">
+              <a:spcAft>
+                <a:spcPts val="400"/>
               </a:spcAft>
               <a:buClr>
                 <a:schemeClr val="accent6"/>
               </a:buClr>
               <a:buSzPct val="100000"/>
-              <a:buFont typeface="Wingdings" panose="05000000000000000000" pitchFamily="2" charset="2"/>
-              <a:buChar char="§"/>
-            </a:pPr>
-            <a:r>
-              <a:rPr lang="en-US" sz="2000" dirty="0" err="1">
+              <a:buFont typeface="Courier New" panose="02070309020205020404" pitchFamily="49" charset="0"/>
+              <a:buChar char="o"/>
+            </a:pPr>
+            <a:r>
+              <a:rPr lang="en-US" dirty="0" err="1">
                 <a:solidFill>
                   <a:schemeClr val="tx1"/>
                 </a:solidFill>
@@ -29935,7 +30955,7 @@
               <a:t>Ejecutar</a:t>
             </a:r>
             <a:r>
-              <a:rPr lang="en-US" sz="2000" dirty="0">
+              <a:rPr lang="en-US" dirty="0">
                 <a:solidFill>
                   <a:schemeClr val="tx1"/>
                 </a:solidFill>
@@ -29943,7 +30963,7 @@
               <a:t> el </a:t>
             </a:r>
             <a:r>
-              <a:rPr lang="en-US" sz="2000" dirty="0" err="1">
+              <a:rPr lang="en-US" dirty="0" err="1">
                 <a:solidFill>
                   <a:schemeClr val="tx1"/>
                 </a:solidFill>
@@ -29951,7 +30971,7 @@
               <a:t>código</a:t>
             </a:r>
             <a:r>
-              <a:rPr lang="en-US" sz="2000" dirty="0">
+              <a:rPr lang="en-US" dirty="0">
                 <a:solidFill>
                   <a:schemeClr val="tx1"/>
                 </a:solidFill>
@@ -29959,7 +30979,7 @@
               <a:t> a </a:t>
             </a:r>
             <a:r>
-              <a:rPr lang="en-US" sz="2000" dirty="0" err="1">
+              <a:rPr lang="en-US" dirty="0" err="1">
                 <a:solidFill>
                   <a:schemeClr val="tx1"/>
                 </a:solidFill>
@@ -29967,7 +30987,7 @@
               <a:t>ser</a:t>
             </a:r>
             <a:r>
-              <a:rPr lang="en-US" sz="2000" dirty="0">
+              <a:rPr lang="en-US" dirty="0">
                 <a:solidFill>
                   <a:schemeClr val="tx1"/>
                 </a:solidFill>
@@ -29975,33 +30995,33 @@
               <a:t> </a:t>
             </a:r>
             <a:r>
-              <a:rPr lang="en-US" sz="2000" dirty="0" err="1">
+              <a:rPr lang="en-US" dirty="0" err="1">
                 <a:solidFill>
                   <a:schemeClr val="tx1"/>
                 </a:solidFill>
               </a:rPr>
               <a:t>testeado</a:t>
             </a:r>
-            <a:endParaRPr lang="en-US" sz="2000" dirty="0">
+            <a:endParaRPr lang="en-US" dirty="0">
               <a:solidFill>
                 <a:schemeClr val="tx1"/>
               </a:solidFill>
             </a:endParaRPr>
           </a:p>
           <a:p>
-            <a:pPr marL="540000" lvl="1" indent="-285750">
-              <a:spcAft>
-                <a:spcPts val="1200"/>
+            <a:pPr marL="597150" lvl="1" indent="-342900">
+              <a:spcAft>
+                <a:spcPts val="400"/>
               </a:spcAft>
               <a:buClr>
                 <a:schemeClr val="accent6"/>
               </a:buClr>
               <a:buSzPct val="100000"/>
-              <a:buFont typeface="Wingdings" panose="05000000000000000000" pitchFamily="2" charset="2"/>
-              <a:buChar char="§"/>
-            </a:pPr>
-            <a:r>
-              <a:rPr lang="en-US" sz="2000" dirty="0" err="1">
+              <a:buFont typeface="Courier New" panose="02070309020205020404" pitchFamily="49" charset="0"/>
+              <a:buChar char="o"/>
+            </a:pPr>
+            <a:r>
+              <a:rPr lang="en-US" dirty="0" err="1">
                 <a:solidFill>
                   <a:schemeClr val="tx1"/>
                 </a:solidFill>
@@ -30009,7 +31029,7 @@
               <a:t>Realizar</a:t>
             </a:r>
             <a:r>
-              <a:rPr lang="en-US" sz="2000" dirty="0">
+              <a:rPr lang="en-US" dirty="0">
                 <a:solidFill>
                   <a:schemeClr val="tx1"/>
                 </a:solidFill>
@@ -30017,7 +31037,7 @@
               <a:t> asserts </a:t>
             </a:r>
             <a:r>
-              <a:rPr lang="en-US" sz="2000" dirty="0" err="1">
+              <a:rPr lang="en-US" dirty="0" err="1">
                 <a:solidFill>
                   <a:schemeClr val="tx1"/>
                 </a:solidFill>
@@ -30025,7 +31045,7 @@
               <a:t>sobre</a:t>
             </a:r>
             <a:r>
-              <a:rPr lang="en-US" sz="2000" dirty="0">
+              <a:rPr lang="en-US" dirty="0">
                 <a:solidFill>
                   <a:schemeClr val="tx1"/>
                 </a:solidFill>
@@ -30033,7 +31053,7 @@
               <a:t> los </a:t>
             </a:r>
             <a:r>
-              <a:rPr lang="en-US" sz="2000" dirty="0" err="1">
+              <a:rPr lang="en-US" dirty="0" err="1">
                 <a:solidFill>
                   <a:schemeClr val="tx1"/>
                 </a:solidFill>
@@ -30041,7 +31061,7 @@
               <a:t>resultados</a:t>
             </a:r>
             <a:r>
-              <a:rPr lang="en-US" sz="2000" dirty="0">
+              <a:rPr lang="en-US" dirty="0">
                 <a:solidFill>
                   <a:schemeClr val="tx1"/>
                 </a:solidFill>
@@ -30049,33 +31069,33 @@
               <a:t> </a:t>
             </a:r>
             <a:r>
-              <a:rPr lang="en-US" sz="2000" dirty="0" err="1">
+              <a:rPr lang="en-US" dirty="0" err="1">
                 <a:solidFill>
                   <a:schemeClr val="tx1"/>
                 </a:solidFill>
               </a:rPr>
               <a:t>esperados</a:t>
             </a:r>
-            <a:endParaRPr lang="en-US" sz="2000" dirty="0">
+            <a:endParaRPr lang="en-US" dirty="0">
               <a:solidFill>
                 <a:schemeClr val="tx1"/>
               </a:solidFill>
             </a:endParaRPr>
           </a:p>
           <a:p>
-            <a:pPr marL="540000" lvl="1" indent="-285750">
-              <a:spcAft>
-                <a:spcPts val="1200"/>
+            <a:pPr marL="597150" lvl="1" indent="-342900">
+              <a:spcAft>
+                <a:spcPts val="400"/>
               </a:spcAft>
               <a:buClr>
                 <a:schemeClr val="accent6"/>
               </a:buClr>
               <a:buSzPct val="100000"/>
-              <a:buFont typeface="Wingdings" panose="05000000000000000000" pitchFamily="2" charset="2"/>
-              <a:buChar char="§"/>
-            </a:pPr>
-            <a:r>
-              <a:rPr lang="en-US" sz="2000" dirty="0" err="1">
+              <a:buFont typeface="Courier New" panose="02070309020205020404" pitchFamily="49" charset="0"/>
+              <a:buChar char="o"/>
+            </a:pPr>
+            <a:r>
+              <a:rPr lang="en-US" dirty="0" err="1">
                 <a:solidFill>
                   <a:schemeClr val="tx1"/>
                 </a:solidFill>
@@ -30083,7 +31103,7 @@
               <a:t>Verificar</a:t>
             </a:r>
             <a:r>
-              <a:rPr lang="en-US" sz="2000" dirty="0">
+              <a:rPr lang="en-US" dirty="0">
                 <a:solidFill>
                   <a:schemeClr val="tx1"/>
                 </a:solidFill>
@@ -30091,7 +31111,7 @@
               <a:t> que el </a:t>
             </a:r>
             <a:r>
-              <a:rPr lang="en-US" sz="2000" dirty="0" smtClean="0">
+              <a:rPr lang="en-US" dirty="0" smtClean="0">
                 <a:solidFill>
                   <a:schemeClr val="tx1"/>
                 </a:solidFill>
@@ -30099,7 +31119,7 @@
               <a:t>spy </a:t>
             </a:r>
             <a:r>
-              <a:rPr lang="en-US" sz="2000" dirty="0" err="1">
+              <a:rPr lang="en-US" dirty="0" err="1">
                 <a:solidFill>
                   <a:schemeClr val="tx1"/>
                 </a:solidFill>
@@ -30107,7 +31127,7 @@
               <a:t>fue</a:t>
             </a:r>
             <a:r>
-              <a:rPr lang="en-US" sz="2000" dirty="0">
+              <a:rPr lang="en-US" dirty="0">
                 <a:solidFill>
                   <a:schemeClr val="tx1"/>
                 </a:solidFill>
@@ -30115,7 +31135,7 @@
               <a:t> </a:t>
             </a:r>
             <a:r>
-              <a:rPr lang="en-US" sz="2000" dirty="0" err="1">
+              <a:rPr lang="en-US" dirty="0" err="1">
                 <a:solidFill>
                   <a:schemeClr val="tx1"/>
                 </a:solidFill>
@@ -30123,7 +31143,7 @@
               <a:t>llamado</a:t>
             </a:r>
             <a:r>
-              <a:rPr lang="en-US" sz="2000" dirty="0">
+              <a:rPr lang="en-US" dirty="0">
                 <a:solidFill>
                   <a:schemeClr val="tx1"/>
                 </a:solidFill>
@@ -30131,7 +31151,7 @@
               <a:t> la </a:t>
             </a:r>
             <a:r>
-              <a:rPr lang="en-US" sz="2000" dirty="0" err="1">
+              <a:rPr lang="en-US" dirty="0" err="1">
                 <a:solidFill>
                   <a:schemeClr val="tx1"/>
                 </a:solidFill>
@@ -30139,7 +31159,7 @@
               <a:t>cantidad</a:t>
             </a:r>
             <a:r>
-              <a:rPr lang="en-US" sz="2000" dirty="0">
+              <a:rPr lang="en-US" dirty="0">
                 <a:solidFill>
                   <a:schemeClr val="tx1"/>
                 </a:solidFill>
@@ -30147,7 +31167,7 @@
               <a:t> de </a:t>
             </a:r>
             <a:r>
-              <a:rPr lang="en-US" sz="2000" dirty="0" err="1">
+              <a:rPr lang="en-US" dirty="0" err="1">
                 <a:solidFill>
                   <a:schemeClr val="tx1"/>
                 </a:solidFill>
@@ -30155,7 +31175,7 @@
               <a:t>veces</a:t>
             </a:r>
             <a:r>
-              <a:rPr lang="en-US" sz="2000" dirty="0">
+              <a:rPr lang="en-US" dirty="0">
                 <a:solidFill>
                   <a:schemeClr val="tx1"/>
                 </a:solidFill>
@@ -30163,7 +31183,7 @@
               <a:t> y con los </a:t>
             </a:r>
             <a:r>
-              <a:rPr lang="en-US" sz="2000" dirty="0" err="1">
+              <a:rPr lang="en-US" dirty="0" err="1">
                 <a:solidFill>
                   <a:schemeClr val="tx1"/>
                 </a:solidFill>
@@ -30171,7 +31191,7 @@
               <a:t>parámetros</a:t>
             </a:r>
             <a:r>
-              <a:rPr lang="en-US" sz="2000" dirty="0">
+              <a:rPr lang="en-US" dirty="0">
                 <a:solidFill>
                   <a:schemeClr val="tx1"/>
                 </a:solidFill>
@@ -30179,14 +31199,14 @@
               <a:t> </a:t>
             </a:r>
             <a:r>
-              <a:rPr lang="en-US" sz="2000" dirty="0" err="1">
+              <a:rPr lang="en-US" dirty="0" err="1">
                 <a:solidFill>
                   <a:schemeClr val="tx1"/>
                 </a:solidFill>
               </a:rPr>
               <a:t>esperados</a:t>
             </a:r>
-            <a:endParaRPr lang="es-AR" sz="2000" dirty="0">
+            <a:endParaRPr lang="es-AR" dirty="0">
               <a:solidFill>
                 <a:schemeClr val="tx1"/>
               </a:solidFill>
@@ -30744,7 +31764,7 @@
           <a:p>
             <a:pPr>
               <a:spcAft>
-                <a:spcPts val="1200"/>
+                <a:spcPts val="400"/>
               </a:spcAft>
             </a:pPr>
             <a:r>
@@ -30755,8 +31775,10 @@
           <a:p>
             <a:pPr lvl="1">
               <a:spcAft>
-                <a:spcPts val="1200"/>
-              </a:spcAft>
+                <a:spcPts val="400"/>
+              </a:spcAft>
+              <a:buFont typeface="Courier New" panose="02070309020205020404" pitchFamily="49" charset="0"/>
+              <a:buChar char="o"/>
             </a:pPr>
             <a:r>
               <a:rPr lang="es-AR" dirty="0"/>
@@ -30770,8 +31792,10 @@
           <a:p>
             <a:pPr lvl="1">
               <a:spcAft>
-                <a:spcPts val="1200"/>
-              </a:spcAft>
+                <a:spcPts val="400"/>
+              </a:spcAft>
+              <a:buFont typeface="Courier New" panose="02070309020205020404" pitchFamily="49" charset="0"/>
+              <a:buChar char="o"/>
             </a:pPr>
             <a:r>
               <a:rPr lang="es-AR" dirty="0" smtClean="0"/>
@@ -30786,8 +31810,10 @@
           <a:p>
             <a:pPr lvl="1">
               <a:spcAft>
-                <a:spcPts val="1200"/>
-              </a:spcAft>
+                <a:spcPts val="400"/>
+              </a:spcAft>
+              <a:buFont typeface="Courier New" panose="02070309020205020404" pitchFamily="49" charset="0"/>
+              <a:buChar char="o"/>
             </a:pPr>
             <a:r>
               <a:rPr lang="es-AR" dirty="0" smtClean="0"/>
@@ -30797,8 +31823,10 @@
           <a:p>
             <a:pPr lvl="1">
               <a:spcAft>
-                <a:spcPts val="1200"/>
-              </a:spcAft>
+                <a:spcPts val="400"/>
+              </a:spcAft>
+              <a:buFont typeface="Courier New" panose="02070309020205020404" pitchFamily="49" charset="0"/>
+              <a:buChar char="o"/>
             </a:pPr>
             <a:r>
               <a:rPr lang="es-AR" dirty="0" smtClean="0"/>
@@ -30808,8 +31836,10 @@
           <a:p>
             <a:pPr lvl="1">
               <a:spcAft>
-                <a:spcPts val="1200"/>
-              </a:spcAft>
+                <a:spcPts val="400"/>
+              </a:spcAft>
+              <a:buFont typeface="Courier New" panose="02070309020205020404" pitchFamily="49" charset="0"/>
+              <a:buChar char="o"/>
             </a:pPr>
             <a:r>
               <a:rPr lang="es-AR" dirty="0"/>
@@ -30819,8 +31849,10 @@
           <a:p>
             <a:pPr lvl="1">
               <a:spcAft>
-                <a:spcPts val="1200"/>
-              </a:spcAft>
+                <a:spcPts val="400"/>
+              </a:spcAft>
+              <a:buFont typeface="Courier New" panose="02070309020205020404" pitchFamily="49" charset="0"/>
+              <a:buChar char="o"/>
             </a:pPr>
             <a:r>
               <a:rPr lang="es-AR" dirty="0" smtClean="0"/>
@@ -30830,8 +31862,10 @@
           <a:p>
             <a:pPr lvl="1">
               <a:spcAft>
-                <a:spcPts val="1200"/>
-              </a:spcAft>
+                <a:spcPts val="400"/>
+              </a:spcAft>
+              <a:buFont typeface="Courier New" panose="02070309020205020404" pitchFamily="49" charset="0"/>
+              <a:buChar char="o"/>
             </a:pPr>
             <a:r>
               <a:rPr lang="es-AR" b="1" dirty="0" smtClean="0"/>
@@ -30839,7 +31873,11 @@
             </a:r>
           </a:p>
           <a:p>
-            <a:pPr lvl="1"/>
+            <a:pPr lvl="1">
+              <a:spcAft>
+                <a:spcPts val="400"/>
+              </a:spcAft>
+            </a:pPr>
             <a:endParaRPr lang="es-AR" dirty="0"/>
           </a:p>
         </p:txBody>
@@ -38179,18 +39217,9 @@
           <a:lstStyle/>
           <a:p>
             <a:pPr defTabSz="914363">
-              <a:lnSpc>
-                <a:spcPct val="90000"/>
-              </a:lnSpc>
               <a:spcAft>
                 <a:spcPts val="400"/>
               </a:spcAft>
-              <a:buClr>
-                <a:schemeClr val="tx1">
-                  <a:lumMod val="75000"/>
-                  <a:lumOff val="25000"/>
-                </a:schemeClr>
-              </a:buClr>
               <a:buSzPct val="100000"/>
             </a:pPr>
             <a:r>
@@ -38204,18 +39233,9 @@
           </a:p>
           <a:p>
             <a:pPr defTabSz="914363">
-              <a:lnSpc>
-                <a:spcPct val="90000"/>
-              </a:lnSpc>
               <a:spcAft>
                 <a:spcPts val="400"/>
               </a:spcAft>
-              <a:buClr>
-                <a:schemeClr val="tx1">
-                  <a:lumMod val="75000"/>
-                  <a:lumOff val="25000"/>
-                </a:schemeClr>
-              </a:buClr>
               <a:buSzPct val="100000"/>
             </a:pPr>
             <a:r>
@@ -38266,18 +39286,9 @@
           </a:p>
           <a:p>
             <a:pPr defTabSz="914363">
-              <a:lnSpc>
-                <a:spcPct val="90000"/>
-              </a:lnSpc>
               <a:spcAft>
                 <a:spcPts val="400"/>
               </a:spcAft>
-              <a:buClr>
-                <a:schemeClr val="tx1">
-                  <a:lumMod val="75000"/>
-                  <a:lumOff val="25000"/>
-                </a:schemeClr>
-              </a:buClr>
               <a:buSzPct val="100000"/>
             </a:pPr>
             <a:r>
@@ -38307,18 +39318,9 @@
           </a:p>
           <a:p>
             <a:pPr defTabSz="914363">
-              <a:lnSpc>
-                <a:spcPct val="90000"/>
-              </a:lnSpc>
               <a:spcAft>
                 <a:spcPts val="400"/>
               </a:spcAft>
-              <a:buClr>
-                <a:schemeClr val="tx1">
-                  <a:lumMod val="75000"/>
-                  <a:lumOff val="25000"/>
-                </a:schemeClr>
-              </a:buClr>
               <a:buSzPct val="100000"/>
             </a:pPr>
             <a:endParaRPr lang="es-AR" altLang="es-AR" dirty="0">
@@ -38329,18 +39331,9 @@
           </a:p>
           <a:p>
             <a:pPr defTabSz="914363">
-              <a:lnSpc>
-                <a:spcPct val="90000"/>
-              </a:lnSpc>
               <a:spcAft>
                 <a:spcPts val="400"/>
               </a:spcAft>
-              <a:buClr>
-                <a:schemeClr val="tx1">
-                  <a:lumMod val="75000"/>
-                  <a:lumOff val="25000"/>
-                </a:schemeClr>
-              </a:buClr>
               <a:buSzPct val="100000"/>
             </a:pPr>
             <a:r>
@@ -38367,18 +39360,9 @@
           </a:p>
           <a:p>
             <a:pPr defTabSz="914363">
-              <a:lnSpc>
-                <a:spcPct val="90000"/>
-              </a:lnSpc>
               <a:spcAft>
                 <a:spcPts val="400"/>
               </a:spcAft>
-              <a:buClr>
-                <a:schemeClr val="tx1">
-                  <a:lumMod val="75000"/>
-                  <a:lumOff val="25000"/>
-                </a:schemeClr>
-              </a:buClr>
               <a:buSzPct val="100000"/>
             </a:pPr>
             <a:r>
@@ -38399,18 +39383,9 @@
           </a:p>
           <a:p>
             <a:pPr defTabSz="914363">
-              <a:lnSpc>
-                <a:spcPct val="90000"/>
-              </a:lnSpc>
               <a:spcAft>
                 <a:spcPts val="400"/>
               </a:spcAft>
-              <a:buClr>
-                <a:schemeClr val="tx1">
-                  <a:lumMod val="75000"/>
-                  <a:lumOff val="25000"/>
-                </a:schemeClr>
-              </a:buClr>
               <a:buSzPct val="100000"/>
             </a:pPr>
             <a:r>
@@ -38448,18 +39423,9 @@
           </a:p>
           <a:p>
             <a:pPr defTabSz="914363">
-              <a:lnSpc>
-                <a:spcPct val="90000"/>
-              </a:lnSpc>
               <a:spcAft>
                 <a:spcPts val="400"/>
               </a:spcAft>
-              <a:buClr>
-                <a:schemeClr val="tx1">
-                  <a:lumMod val="75000"/>
-                  <a:lumOff val="25000"/>
-                </a:schemeClr>
-              </a:buClr>
               <a:buSzPct val="100000"/>
             </a:pPr>
             <a:endParaRPr lang="es-AR" altLang="es-AR" dirty="0">
@@ -38470,18 +39436,9 @@
           </a:p>
           <a:p>
             <a:pPr defTabSz="914363">
-              <a:lnSpc>
-                <a:spcPct val="90000"/>
-              </a:lnSpc>
               <a:spcAft>
                 <a:spcPts val="400"/>
               </a:spcAft>
-              <a:buClr>
-                <a:schemeClr val="tx1">
-                  <a:lumMod val="75000"/>
-                  <a:lumOff val="25000"/>
-                </a:schemeClr>
-              </a:buClr>
               <a:buSzPct val="100000"/>
             </a:pPr>
             <a:endParaRPr lang="es-AR" dirty="0">
@@ -39453,15 +40410,6 @@
 </file>
 
 <file path=customXml/item1.xml><?xml version="1.0" encoding="utf-8"?>
-<?mso-contentType ?>
-<FormTemplates xmlns="http://schemas.microsoft.com/sharepoint/v3/contenttype/forms">
-  <Display>DocumentLibraryForm</Display>
-  <Edit>DocumentLibraryForm</Edit>
-  <New>DocumentLibraryForm</New>
-</FormTemplates>
-</file>
-
-<file path=customXml/item2.xml><?xml version="1.0" encoding="utf-8"?>
 <ct:contentTypeSchema xmlns:ct="http://schemas.microsoft.com/office/2006/metadata/contentType" xmlns:ma="http://schemas.microsoft.com/office/2006/metadata/properties/metaAttributes" ct:_="" ma:_="" ma:contentTypeName="Documento" ma:contentTypeID="0x0101003ADB8EEE65C30C46B0738F337B75258F" ma:contentTypeVersion="0" ma:contentTypeDescription="Crear nuevo documento." ma:contentTypeScope="" ma:versionID="7bfd305fe848610ec8ddd6cb2c162981">
   <xsd:schema xmlns:xsd="http://www.w3.org/2001/XMLSchema" xmlns:xs="http://www.w3.org/2001/XMLSchema" xmlns:p="http://schemas.microsoft.com/office/2006/metadata/properties" targetNamespace="http://schemas.microsoft.com/office/2006/metadata/properties" ma:root="true" ma:fieldsID="ebba8a198e9bb40c3eeca6d0bd41257a">
     <xsd:element name="properties">
@@ -39575,21 +40523,22 @@
 </ct:contentTypeSchema>
 </file>
 
-<file path=customXml/item3.xml><?xml version="1.0" encoding="utf-8"?>
+<file path=customXml/item2.xml><?xml version="1.0" encoding="utf-8"?>
 <p:properties xmlns:p="http://schemas.microsoft.com/office/2006/metadata/properties" xmlns:xsi="http://www.w3.org/2001/XMLSchema-instance" xmlns:pc="http://schemas.microsoft.com/office/infopath/2007/PartnerControls">
   <documentManagement/>
 </p:properties>
 </file>
 
-<file path=customXml/itemProps1.xml><?xml version="1.0" encoding="utf-8"?>
-<ds:datastoreItem xmlns:ds="http://schemas.openxmlformats.org/officeDocument/2006/customXml" ds:itemID="{EDBEB935-7F6F-426D-B200-B7CC03EB48A6}">
-  <ds:schemaRefs>
-    <ds:schemaRef ds:uri="http://schemas.microsoft.com/sharepoint/v3/contenttype/forms"/>
-  </ds:schemaRefs>
-</ds:datastoreItem>
+<file path=customXml/item3.xml><?xml version="1.0" encoding="utf-8"?>
+<?mso-contentType ?>
+<FormTemplates xmlns="http://schemas.microsoft.com/sharepoint/v3/contenttype/forms">
+  <Display>DocumentLibraryForm</Display>
+  <Edit>DocumentLibraryForm</Edit>
+  <New>DocumentLibraryForm</New>
+</FormTemplates>
 </file>
 
-<file path=customXml/itemProps2.xml><?xml version="1.0" encoding="utf-8"?>
+<file path=customXml/itemProps1.xml><?xml version="1.0" encoding="utf-8"?>
 <ds:datastoreItem xmlns:ds="http://schemas.openxmlformats.org/officeDocument/2006/customXml" ds:itemID="{B29A6B9D-DD38-4AD9-8569-FE55D7D21842}">
   <ds:schemaRefs>
     <ds:schemaRef ds:uri="http://schemas.microsoft.com/office/2006/metadata/contentType"/>
@@ -39605,11 +40554,19 @@
 </ds:datastoreItem>
 </file>
 
-<file path=customXml/itemProps3.xml><?xml version="1.0" encoding="utf-8"?>
+<file path=customXml/itemProps2.xml><?xml version="1.0" encoding="utf-8"?>
 <ds:datastoreItem xmlns:ds="http://schemas.openxmlformats.org/officeDocument/2006/customXml" ds:itemID="{9AB95CA3-6658-4A3E-BCCB-86304949D862}">
   <ds:schemaRefs>
     <ds:schemaRef ds:uri="http://schemas.microsoft.com/office/2006/metadata/properties"/>
     <ds:schemaRef ds:uri="http://schemas.microsoft.com/office/infopath/2007/PartnerControls"/>
   </ds:schemaRefs>
 </ds:datastoreItem>
+</file>
+
+<file path=customXml/itemProps3.xml><?xml version="1.0" encoding="utf-8"?>
+<ds:datastoreItem xmlns:ds="http://schemas.openxmlformats.org/officeDocument/2006/customXml" ds:itemID="{EDBEB935-7F6F-426D-B200-B7CC03EB48A6}">
+  <ds:schemaRefs>
+    <ds:schemaRef ds:uri="http://schemas.microsoft.com/sharepoint/v3/contenttype/forms"/>
+  </ds:schemaRefs>
+</ds:datastoreItem>
 </file>
--- a/MUG - Diseñando Aplicaciones Testeables.pptx
+++ b/MUG - Diseñando Aplicaciones Testeables.pptx
@@ -359,7 +359,7 @@
           <a:p>
             <a:fld id="{ADC38450-C1FA-8643-88B1-0782D94A79AF}" type="datetimeFigureOut">
               <a:rPr lang="es-ES_tradnl" smtClean="0"/>
-              <a:t>25/09/2017</a:t>
+              <a:t>26/09/2017</a:t>
             </a:fld>
             <a:endParaRPr lang="es-ES_tradnl"/>
           </a:p>
@@ -8042,7 +8042,7 @@
           <a:graphicData uri="http://schemas.openxmlformats.org/presentationml/2006/ole">
             <mc:AlternateContent xmlns:mc="http://schemas.openxmlformats.org/markup-compatibility/2006">
               <mc:Choice xmlns:v="urn:schemas-microsoft-com:vml" Requires="v">
-                <p:oleObj spid="_x0000_s3359" name="Image" r:id="rId4" imgW="2920320" imgH="2856960" progId="Photoshop.Image.16">
+                <p:oleObj spid="_x0000_s3368" name="Image" r:id="rId4" imgW="2920320" imgH="2856960" progId="Photoshop.Image.16">
                   <p:embed/>
                 </p:oleObj>
               </mc:Choice>
@@ -8095,7 +8095,7 @@
           <a:graphicData uri="http://schemas.openxmlformats.org/presentationml/2006/ole">
             <mc:AlternateContent xmlns:mc="http://schemas.openxmlformats.org/markup-compatibility/2006">
               <mc:Choice xmlns:v="urn:schemas-microsoft-com:vml" Requires="v">
-                <p:oleObj spid="_x0000_s3360" name="Image" r:id="rId6" imgW="2920320" imgH="2856960" progId="Photoshop.Image.16">
+                <p:oleObj spid="_x0000_s3369" name="Image" r:id="rId6" imgW="2920320" imgH="2856960" progId="Photoshop.Image.16">
                   <p:embed/>
                 </p:oleObj>
               </mc:Choice>
@@ -8152,7 +8152,7 @@
           <a:graphicData uri="http://schemas.openxmlformats.org/presentationml/2006/ole">
             <mc:AlternateContent xmlns:mc="http://schemas.openxmlformats.org/markup-compatibility/2006">
               <mc:Choice xmlns:v="urn:schemas-microsoft-com:vml" Requires="v">
-                <p:oleObj spid="_x0000_s3361" name="Image" r:id="rId8" imgW="2920320" imgH="2856960" progId="Photoshop.Image.16">
+                <p:oleObj spid="_x0000_s3370" name="Image" r:id="rId8" imgW="2920320" imgH="2856960" progId="Photoshop.Image.16">
                   <p:embed/>
                 </p:oleObj>
               </mc:Choice>
@@ -13259,6 +13259,13 @@
   <p:clrMapOvr>
     <a:masterClrMapping/>
   </p:clrMapOvr>
+  <p:timing>
+    <p:tnLst>
+      <p:par>
+        <p:cTn id="1" dur="indefinite" restart="never" nodeType="tmRoot"/>
+      </p:par>
+    </p:tnLst>
+  </p:timing>
 </p:sld>
 </file>
 
@@ -13580,6 +13587,13 @@
   <p:clrMapOvr>
     <a:masterClrMapping/>
   </p:clrMapOvr>
+  <p:timing>
+    <p:tnLst>
+      <p:par>
+        <p:cTn id="1" dur="indefinite" restart="never" nodeType="tmRoot"/>
+      </p:par>
+    </p:tnLst>
+  </p:timing>
 </p:sld>
 </file>
 
@@ -13635,6 +13649,13 @@
   <p:clrMapOvr>
     <a:masterClrMapping/>
   </p:clrMapOvr>
+  <p:timing>
+    <p:tnLst>
+      <p:par>
+        <p:cTn id="1" dur="indefinite" restart="never" nodeType="tmRoot"/>
+      </p:par>
+    </p:tnLst>
+  </p:timing>
 </p:sld>
 </file>
 
@@ -13881,6 +13902,13 @@
   <p:clrMapOvr>
     <a:masterClrMapping/>
   </p:clrMapOvr>
+  <p:timing>
+    <p:tnLst>
+      <p:par>
+        <p:cTn id="1" dur="indefinite" restart="never" nodeType="tmRoot"/>
+      </p:par>
+    </p:tnLst>
+  </p:timing>
 </p:sld>
 </file>
 
@@ -13940,6 +13968,13 @@
   <p:clrMapOvr>
     <a:masterClrMapping/>
   </p:clrMapOvr>
+  <p:timing>
+    <p:tnLst>
+      <p:par>
+        <p:cTn id="1" dur="indefinite" restart="never" nodeType="tmRoot"/>
+      </p:par>
+    </p:tnLst>
+  </p:timing>
 </p:sld>
 </file>
 
@@ -14157,6 +14192,13 @@
   <p:clrMapOvr>
     <a:masterClrMapping/>
   </p:clrMapOvr>
+  <p:timing>
+    <p:tnLst>
+      <p:par>
+        <p:cTn id="1" dur="indefinite" restart="never" nodeType="tmRoot"/>
+      </p:par>
+    </p:tnLst>
+  </p:timing>
 </p:sld>
 </file>
 
@@ -14472,6 +14514,13 @@
   <p:clrMapOvr>
     <a:masterClrMapping/>
   </p:clrMapOvr>
+  <p:timing>
+    <p:tnLst>
+      <p:par>
+        <p:cTn id="1" dur="indefinite" restart="never" nodeType="tmRoot"/>
+      </p:par>
+    </p:tnLst>
+  </p:timing>
 </p:sld>
 </file>
 
@@ -14949,6 +14998,13 @@
   <p:clrMapOvr>
     <a:masterClrMapping/>
   </p:clrMapOvr>
+  <p:timing>
+    <p:tnLst>
+      <p:par>
+        <p:cTn id="1" dur="indefinite" restart="never" nodeType="tmRoot"/>
+      </p:par>
+    </p:tnLst>
+  </p:timing>
 </p:sld>
 </file>
 
@@ -15407,6 +15463,13 @@
   <p:clrMapOvr>
     <a:masterClrMapping/>
   </p:clrMapOvr>
+  <p:timing>
+    <p:tnLst>
+      <p:par>
+        <p:cTn id="1" dur="indefinite" restart="never" nodeType="tmRoot"/>
+      </p:par>
+    </p:tnLst>
+  </p:timing>
 </p:sld>
 </file>
 
@@ -15643,6 +15706,13 @@
   <p:clrMapOvr>
     <a:masterClrMapping/>
   </p:clrMapOvr>
+  <p:timing>
+    <p:tnLst>
+      <p:par>
+        <p:cTn id="1" dur="indefinite" restart="never" nodeType="tmRoot"/>
+      </p:par>
+    </p:tnLst>
+  </p:timing>
 </p:sld>
 </file>
 
@@ -16093,6 +16163,13 @@
   <p:clrMapOvr>
     <a:masterClrMapping/>
   </p:clrMapOvr>
+  <p:timing>
+    <p:tnLst>
+      <p:par>
+        <p:cTn id="1" dur="indefinite" restart="never" nodeType="tmRoot"/>
+      </p:par>
+    </p:tnLst>
+  </p:timing>
 </p:sld>
 </file>
 
@@ -16326,6 +16403,13 @@
   <p:clrMapOvr>
     <a:masterClrMapping/>
   </p:clrMapOvr>
+  <p:timing>
+    <p:tnLst>
+      <p:par>
+        <p:cTn id="1" dur="indefinite" restart="never" nodeType="tmRoot"/>
+      </p:par>
+    </p:tnLst>
+  </p:timing>
 </p:sld>
 </file>
 
@@ -16389,6 +16473,13 @@
   <p:clrMapOvr>
     <a:masterClrMapping/>
   </p:clrMapOvr>
+  <p:timing>
+    <p:tnLst>
+      <p:par>
+        <p:cTn id="1" dur="indefinite" restart="never" nodeType="tmRoot"/>
+      </p:par>
+    </p:tnLst>
+  </p:timing>
 </p:sld>
 </file>
 
@@ -18868,6 +18959,13 @@
     <a:masterClrMapping/>
   </p:clrMapOvr>
   <p:transition/>
+  <p:timing>
+    <p:tnLst>
+      <p:par>
+        <p:cTn id="1" dur="indefinite" restart="never" nodeType="tmRoot"/>
+      </p:par>
+    </p:tnLst>
+  </p:timing>
 </p:sld>
 </file>
 
@@ -20265,6 +20363,13 @@
     <a:masterClrMapping/>
   </p:clrMapOvr>
   <p:transition/>
+  <p:timing>
+    <p:tnLst>
+      <p:par>
+        <p:cTn id="1" dur="indefinite" restart="never" nodeType="tmRoot"/>
+      </p:par>
+    </p:tnLst>
+  </p:timing>
 </p:sld>
 </file>
 
@@ -20912,6 +21017,13 @@
     <a:masterClrMapping/>
   </p:clrMapOvr>
   <p:transition/>
+  <p:timing>
+    <p:tnLst>
+      <p:par>
+        <p:cTn id="1" dur="indefinite" restart="never" nodeType="tmRoot"/>
+      </p:par>
+    </p:tnLst>
+  </p:timing>
 </p:sld>
 </file>
 
@@ -21785,6 +21897,13 @@
     <a:masterClrMapping/>
   </p:clrMapOvr>
   <p:transition/>
+  <p:timing>
+    <p:tnLst>
+      <p:par>
+        <p:cTn id="1" dur="indefinite" restart="never" nodeType="tmRoot"/>
+      </p:par>
+    </p:tnLst>
+  </p:timing>
 </p:sld>
 </file>
 
@@ -22536,6 +22655,13 @@
     <a:masterClrMapping/>
   </p:clrMapOvr>
   <p:transition/>
+  <p:timing>
+    <p:tnLst>
+      <p:par>
+        <p:cTn id="1" dur="indefinite" restart="never" nodeType="tmRoot"/>
+      </p:par>
+    </p:tnLst>
+  </p:timing>
 </p:sld>
 </file>
 
@@ -23421,6 +23547,13 @@
     <a:masterClrMapping/>
   </p:clrMapOvr>
   <p:transition/>
+  <p:timing>
+    <p:tnLst>
+      <p:par>
+        <p:cTn id="1" dur="indefinite" restart="never" nodeType="tmRoot"/>
+      </p:par>
+    </p:tnLst>
+  </p:timing>
 </p:sld>
 </file>
 
@@ -24428,6 +24561,13 @@
     <a:masterClrMapping/>
   </p:clrMapOvr>
   <p:transition/>
+  <p:timing>
+    <p:tnLst>
+      <p:par>
+        <p:cTn id="1" dur="indefinite" restart="never" nodeType="tmRoot"/>
+      </p:par>
+    </p:tnLst>
+  </p:timing>
 </p:sld>
 </file>
 
@@ -25588,6 +25728,13 @@
     <a:masterClrMapping/>
   </p:clrMapOvr>
   <p:transition/>
+  <p:timing>
+    <p:tnLst>
+      <p:par>
+        <p:cTn id="1" dur="indefinite" restart="never" nodeType="tmRoot"/>
+      </p:par>
+    </p:tnLst>
+  </p:timing>
 </p:sld>
 </file>
 
@@ -25643,6 +25790,13 @@
   <p:clrMapOvr>
     <a:masterClrMapping/>
   </p:clrMapOvr>
+  <p:timing>
+    <p:tnLst>
+      <p:par>
+        <p:cTn id="1" dur="indefinite" restart="never" nodeType="tmRoot"/>
+      </p:par>
+    </p:tnLst>
+  </p:timing>
 </p:sld>
 </file>
 
@@ -26057,6 +26211,14 @@
             <a:r>
               <a:rPr lang="en-US" dirty="0" err="1" smtClean="0"/>
               <a:t>dependencias</a:t>
+            </a:r>
+            <a:r>
+              <a:rPr lang="en-US" dirty="0"/>
+              <a:t> del </a:t>
+            </a:r>
+            <a:r>
+              <a:rPr lang="en-US" dirty="0" err="1"/>
+              <a:t>método</a:t>
             </a:r>
             <a:endParaRPr lang="es-AR" dirty="0"/>
           </a:p>
@@ -27404,13 +27566,8 @@
             </a:pPr>
             <a:r>
               <a:rPr lang="es-AR" sz="1800" dirty="0" smtClean="0"/>
-              <a:t>Encontrar el lugar donde hacer el cambio necesario para agregar características o eliminar </a:t>
-            </a:r>
-            <a:r>
-              <a:rPr lang="es-AR" sz="1800" dirty="0" smtClean="0"/>
-              <a:t>bugs</a:t>
-            </a:r>
-            <a:endParaRPr lang="es-AR" sz="1800" dirty="0" smtClean="0"/>
+              <a:t>Encontrar el lugar donde hacer el cambio necesario para agregar características o eliminar bugs</a:t>
+            </a:r>
           </a:p>
           <a:p>
             <a:pPr marL="597150" lvl="1" indent="-342900">
@@ -27422,13 +27579,8 @@
             </a:pPr>
             <a:r>
               <a:rPr lang="es-AR" sz="2000" dirty="0" smtClean="0"/>
-              <a:t>Encontrar puntos de </a:t>
-            </a:r>
-            <a:r>
-              <a:rPr lang="es-AR" sz="2000" dirty="0" smtClean="0"/>
-              <a:t>test</a:t>
-            </a:r>
-            <a:endParaRPr lang="es-AR" sz="2000" dirty="0" smtClean="0"/>
+              <a:t>Encontrar puntos de test</a:t>
+            </a:r>
           </a:p>
           <a:p>
             <a:pPr marL="597150" lvl="1" indent="-342900">
@@ -27486,13 +27638,8 @@
             </a:r>
             <a:r>
               <a:rPr lang="es-AR" sz="1800" dirty="0" smtClean="0"/>
-              <a:t> aún para protegerse mientras se </a:t>
-            </a:r>
-            <a:r>
-              <a:rPr lang="es-AR" sz="1800" dirty="0" smtClean="0"/>
-              <a:t>trabaja</a:t>
-            </a:r>
-            <a:endParaRPr lang="es-AR" sz="1800" dirty="0" smtClean="0"/>
+              <a:t> aún para protegerse mientras se trabaja</a:t>
+            </a:r>
           </a:p>
           <a:p>
             <a:pPr marL="597150" lvl="1" indent="-342900">
@@ -29089,6 +29236,13 @@
   <p:clrMapOvr>
     <a:masterClrMapping/>
   </p:clrMapOvr>
+  <p:timing>
+    <p:tnLst>
+      <p:par>
+        <p:cTn id="1" dur="indefinite" restart="never" nodeType="tmRoot"/>
+      </p:par>
+    </p:tnLst>
+  </p:timing>
 </p:sld>
 </file>
 
@@ -29764,83 +29918,7 @@
   <p:timing>
     <p:tnLst>
       <p:par>
-        <p:cTn id="1" dur="indefinite" restart="never" nodeType="tmRoot">
-          <p:childTnLst>
-            <p:seq concurrent="1" nextAc="seek">
-              <p:cTn id="2" dur="indefinite" nodeType="mainSeq">
-                <p:childTnLst>
-                  <p:par>
-                    <p:cTn id="3" fill="hold">
-                      <p:stCondLst>
-                        <p:cond delay="indefinite"/>
-                      </p:stCondLst>
-                      <p:childTnLst>
-                        <p:par>
-                          <p:cTn id="4" fill="hold">
-                            <p:stCondLst>
-                              <p:cond delay="0"/>
-                            </p:stCondLst>
-                            <p:childTnLst>
-                              <p:par>
-                                <p:cTn id="5" presetID="10" presetClass="entr" presetSubtype="0" fill="hold" nodeType="clickEffect">
-                                  <p:stCondLst>
-                                    <p:cond delay="0"/>
-                                  </p:stCondLst>
-                                  <p:childTnLst>
-                                    <p:set>
-                                      <p:cBhvr>
-                                        <p:cTn id="6" dur="1" fill="hold">
-                                          <p:stCondLst>
-                                            <p:cond delay="0"/>
-                                          </p:stCondLst>
-                                        </p:cTn>
-                                        <p:tgtEl>
-                                          <p:spTgt spid="6"/>
-                                        </p:tgtEl>
-                                        <p:attrNameLst>
-                                          <p:attrName>style.visibility</p:attrName>
-                                        </p:attrNameLst>
-                                      </p:cBhvr>
-                                      <p:to>
-                                        <p:strVal val="visible"/>
-                                      </p:to>
-                                    </p:set>
-                                    <p:animEffect transition="in" filter="fade">
-                                      <p:cBhvr>
-                                        <p:cTn id="7" dur="500"/>
-                                        <p:tgtEl>
-                                          <p:spTgt spid="6"/>
-                                        </p:tgtEl>
-                                      </p:cBhvr>
-                                    </p:animEffect>
-                                  </p:childTnLst>
-                                </p:cTn>
-                              </p:par>
-                            </p:childTnLst>
-                          </p:cTn>
-                        </p:par>
-                      </p:childTnLst>
-                    </p:cTn>
-                  </p:par>
-                </p:childTnLst>
-              </p:cTn>
-              <p:prevCondLst>
-                <p:cond evt="onPrev" delay="0">
-                  <p:tgtEl>
-                    <p:sldTgt/>
-                  </p:tgtEl>
-                </p:cond>
-              </p:prevCondLst>
-              <p:nextCondLst>
-                <p:cond evt="onNext" delay="0">
-                  <p:tgtEl>
-                    <p:sldTgt/>
-                  </p:tgtEl>
-                </p:cond>
-              </p:nextCondLst>
-            </p:seq>
-          </p:childTnLst>
-        </p:cTn>
+        <p:cTn id="1" dur="indefinite" restart="never" nodeType="tmRoot"/>
       </p:par>
     </p:tnLst>
   </p:timing>
@@ -30012,11 +30090,7 @@
             </a:r>
             <a:r>
               <a:rPr lang="es-AR" altLang="es-AR" dirty="0"/>
-              <a:t> 2: Inyección de dependencias por </a:t>
-            </a:r>
-            <a:r>
-              <a:rPr lang="es-AR" altLang="es-AR" dirty="0"/>
-              <a:t>constructor</a:t>
+              <a:t> 2: Inyección de dependencias por constructor</a:t>
             </a:r>
           </a:p>
           <a:p>
@@ -30127,8 +30201,118 @@
               <a:t> </a:t>
             </a:r>
             <a:r>
+              <a:rPr lang="es-AR" dirty="0" smtClean="0"/>
+              <a:t>nuestro código </a:t>
+            </a:r>
+            <a:r>
+              <a:rPr lang="es-AR" dirty="0" err="1" smtClean="0"/>
+              <a:t>frontend</a:t>
+            </a:r>
+            <a:r>
+              <a:rPr lang="es-AR" dirty="0" smtClean="0"/>
+              <a:t> como lo haríamos en </a:t>
+            </a:r>
+            <a:r>
+              <a:rPr lang="es-AR" dirty="0" err="1" smtClean="0"/>
+              <a:t>backend</a:t>
+            </a:r>
+            <a:r>
+              <a:rPr lang="es-AR" dirty="0" smtClean="0"/>
+              <a:t>…</a:t>
+            </a:r>
+          </a:p>
+          <a:p>
+            <a:pPr lvl="1">
+              <a:spcAft>
+                <a:spcPts val="400"/>
+              </a:spcAft>
+              <a:buFont typeface="Courier New" panose="02070309020205020404" pitchFamily="49" charset="0"/>
+              <a:buChar char="o"/>
+            </a:pPr>
+            <a:r>
+              <a:rPr lang="es-AR" dirty="0" smtClean="0"/>
+              <a:t>Utilizando clases e interfaces</a:t>
+            </a:r>
+          </a:p>
+          <a:p>
+            <a:pPr lvl="1">
+              <a:spcAft>
+                <a:spcPts val="400"/>
+              </a:spcAft>
+              <a:buFont typeface="Courier New" panose="02070309020205020404" pitchFamily="49" charset="0"/>
+              <a:buChar char="o"/>
+            </a:pPr>
+            <a:r>
+              <a:rPr lang="es-AR" dirty="0" smtClean="0"/>
+              <a:t>Separando responsabilidades</a:t>
+            </a:r>
+          </a:p>
+          <a:p>
+            <a:pPr lvl="1">
+              <a:spcAft>
+                <a:spcPts val="400"/>
+              </a:spcAft>
+              <a:buFont typeface="Courier New" panose="02070309020205020404" pitchFamily="49" charset="0"/>
+              <a:buChar char="o"/>
+            </a:pPr>
+            <a:r>
+              <a:rPr lang="es-AR" dirty="0" smtClean="0"/>
+              <a:t>Aprovechando las ventajas del </a:t>
+            </a:r>
+            <a:r>
+              <a:rPr lang="es-AR" dirty="0" err="1" smtClean="0"/>
+              <a:t>tipado</a:t>
+            </a:r>
+            <a:endParaRPr lang="es-AR" dirty="0" smtClean="0"/>
+          </a:p>
+          <a:p>
+            <a:pPr lvl="1">
+              <a:spcAft>
+                <a:spcPts val="400"/>
+              </a:spcAft>
+              <a:buFont typeface="Courier New" panose="02070309020205020404" pitchFamily="49" charset="0"/>
+              <a:buChar char="o"/>
+            </a:pPr>
+            <a:r>
+              <a:rPr lang="es-AR" dirty="0" smtClean="0"/>
+              <a:t>Generando un archivo .</a:t>
+            </a:r>
+            <a:r>
+              <a:rPr lang="es-AR" dirty="0" err="1" smtClean="0"/>
+              <a:t>ts</a:t>
+            </a:r>
+            <a:r>
+              <a:rPr lang="es-AR" dirty="0" smtClean="0"/>
+              <a:t> para cada clase o interface</a:t>
+            </a:r>
+          </a:p>
+          <a:p>
+            <a:pPr lvl="1">
+              <a:spcAft>
+                <a:spcPts val="400"/>
+              </a:spcAft>
+              <a:buFont typeface="Courier New" panose="02070309020205020404" pitchFamily="49" charset="0"/>
+              <a:buChar char="o"/>
+            </a:pPr>
+            <a:r>
+              <a:rPr lang="es-AR" dirty="0" smtClean="0"/>
+              <a:t>Evitando embeber</a:t>
+            </a:r>
+            <a:r>
+              <a:rPr lang="en-US" dirty="0" smtClean="0"/>
+              <a:t> la </a:t>
+            </a:r>
+            <a:r>
               <a:rPr lang="en-US" dirty="0" err="1" smtClean="0"/>
-              <a:t>nuestro</a:t>
+              <a:t>lógica</a:t>
+            </a:r>
+            <a:r>
+              <a:rPr lang="en-US" dirty="0" smtClean="0"/>
+              <a:t> de frontend </a:t>
+            </a:r>
+            <a:r>
+              <a:rPr lang="en-US" dirty="0" err="1" smtClean="0"/>
+              <a:t>en</a:t>
             </a:r>
             <a:r>
               <a:rPr lang="en-US" dirty="0" smtClean="0"/>
@@ -30136,213 +30320,14 @@
             </a:r>
             <a:r>
               <a:rPr lang="en-US" dirty="0" err="1" smtClean="0"/>
-              <a:t>código</a:t>
-            </a:r>
-            <a:r>
-              <a:rPr lang="en-US" dirty="0" smtClean="0"/>
-              <a:t> frontend </a:t>
-            </a:r>
-            <a:r>
-              <a:rPr lang="en-US" dirty="0" err="1" smtClean="0"/>
-              <a:t>cómo</a:t>
-            </a:r>
-            <a:r>
-              <a:rPr lang="en-US" dirty="0" smtClean="0"/>
-              <a:t> lo </a:t>
-            </a:r>
-            <a:r>
-              <a:rPr lang="en-US" dirty="0" err="1" smtClean="0"/>
-              <a:t>haríamos</a:t>
+              <a:t>los</a:t>
             </a:r>
             <a:r>
               <a:rPr lang="en-US" dirty="0" smtClean="0"/>
               <a:t> </a:t>
             </a:r>
             <a:r>
-              <a:rPr lang="en-US" dirty="0" err="1" smtClean="0"/>
-              <a:t>en</a:t>
-            </a:r>
-            <a:r>
-              <a:rPr lang="en-US" dirty="0" smtClean="0"/>
-              <a:t> backend…</a:t>
-            </a:r>
-          </a:p>
-          <a:p>
-            <a:pPr lvl="1">
-              <a:spcAft>
-                <a:spcPts val="400"/>
-              </a:spcAft>
-              <a:buFont typeface="Courier New" panose="02070309020205020404" pitchFamily="49" charset="0"/>
-              <a:buChar char="o"/>
-            </a:pPr>
-            <a:r>
-              <a:rPr lang="en-US" dirty="0" err="1" smtClean="0"/>
-              <a:t>Utilizando</a:t>
-            </a:r>
-            <a:r>
-              <a:rPr lang="en-US" dirty="0" smtClean="0"/>
-              <a:t> </a:t>
-            </a:r>
-            <a:r>
-              <a:rPr lang="en-US" dirty="0" err="1" smtClean="0"/>
-              <a:t>clases</a:t>
-            </a:r>
-            <a:r>
-              <a:rPr lang="en-US" dirty="0" smtClean="0"/>
-              <a:t> e interfaces</a:t>
-            </a:r>
-          </a:p>
-          <a:p>
-            <a:pPr lvl="1">
-              <a:spcAft>
-                <a:spcPts val="400"/>
-              </a:spcAft>
-              <a:buFont typeface="Courier New" panose="02070309020205020404" pitchFamily="49" charset="0"/>
-              <a:buChar char="o"/>
-            </a:pPr>
-            <a:r>
-              <a:rPr lang="en-US" dirty="0" err="1" smtClean="0"/>
-              <a:t>Separando</a:t>
-            </a:r>
-            <a:r>
-              <a:rPr lang="en-US" dirty="0" smtClean="0"/>
-              <a:t> </a:t>
-            </a:r>
-            <a:r>
-              <a:rPr lang="en-US" dirty="0" err="1" smtClean="0"/>
-              <a:t>responsabilidades</a:t>
-            </a:r>
-            <a:endParaRPr lang="en-US" dirty="0" smtClean="0"/>
-          </a:p>
-          <a:p>
-            <a:pPr lvl="1">
-              <a:spcAft>
-                <a:spcPts val="400"/>
-              </a:spcAft>
-              <a:buFont typeface="Courier New" panose="02070309020205020404" pitchFamily="49" charset="0"/>
-              <a:buChar char="o"/>
-            </a:pPr>
-            <a:r>
-              <a:rPr lang="en-US" dirty="0" err="1" smtClean="0"/>
-              <a:t>Aprovechando</a:t>
-            </a:r>
-            <a:r>
-              <a:rPr lang="en-US" dirty="0" smtClean="0"/>
-              <a:t> las </a:t>
-            </a:r>
-            <a:r>
-              <a:rPr lang="en-US" dirty="0" err="1" smtClean="0"/>
-              <a:t>ventajas</a:t>
-            </a:r>
-            <a:r>
-              <a:rPr lang="en-US" dirty="0" smtClean="0"/>
-              <a:t> del </a:t>
-            </a:r>
-            <a:r>
-              <a:rPr lang="en-US" dirty="0" err="1" smtClean="0"/>
-              <a:t>tipado</a:t>
-            </a:r>
-            <a:endParaRPr lang="en-US" dirty="0" smtClean="0"/>
-          </a:p>
-          <a:p>
-            <a:pPr lvl="1">
-              <a:spcAft>
-                <a:spcPts val="400"/>
-              </a:spcAft>
-              <a:buFont typeface="Courier New" panose="02070309020205020404" pitchFamily="49" charset="0"/>
-              <a:buChar char="o"/>
-            </a:pPr>
-            <a:r>
-              <a:rPr lang="en-US" dirty="0" err="1" smtClean="0"/>
-              <a:t>Generando</a:t>
-            </a:r>
-            <a:r>
-              <a:rPr lang="en-US" dirty="0" smtClean="0"/>
-              <a:t> un </a:t>
-            </a:r>
-            <a:r>
-              <a:rPr lang="en-US" dirty="0" err="1" smtClean="0"/>
-              <a:t>archivo</a:t>
-            </a:r>
-            <a:r>
-              <a:rPr lang="en-US" dirty="0" smtClean="0"/>
-              <a:t> .</a:t>
-            </a:r>
-            <a:r>
-              <a:rPr lang="en-US" dirty="0" err="1" smtClean="0"/>
-              <a:t>ts</a:t>
-            </a:r>
-            <a:r>
-              <a:rPr lang="en-US" dirty="0" smtClean="0"/>
-              <a:t> para </a:t>
-            </a:r>
-            <a:r>
-              <a:rPr lang="en-US" dirty="0" err="1" smtClean="0"/>
-              <a:t>cada</a:t>
-            </a:r>
-            <a:r>
-              <a:rPr lang="en-US" dirty="0" smtClean="0"/>
-              <a:t> </a:t>
-            </a:r>
-            <a:r>
-              <a:rPr lang="en-US" dirty="0" err="1" smtClean="0"/>
-              <a:t>clase</a:t>
-            </a:r>
-            <a:r>
-              <a:rPr lang="en-US" dirty="0" smtClean="0"/>
-              <a:t> o interface</a:t>
-            </a:r>
-          </a:p>
-          <a:p>
-            <a:pPr lvl="1">
-              <a:spcAft>
-                <a:spcPts val="400"/>
-              </a:spcAft>
-              <a:buFont typeface="Courier New" panose="02070309020205020404" pitchFamily="49" charset="0"/>
-              <a:buChar char="o"/>
-            </a:pPr>
-            <a:r>
-              <a:rPr lang="en-US" dirty="0" err="1" smtClean="0"/>
-              <a:t>Evitando</a:t>
-            </a:r>
-            <a:r>
-              <a:rPr lang="en-US" dirty="0" smtClean="0"/>
-              <a:t> </a:t>
-            </a:r>
-            <a:r>
               <a:rPr lang="es-AR" dirty="0" smtClean="0"/>
-              <a:t>embeber</a:t>
-            </a:r>
-            <a:r>
-              <a:rPr lang="en-US" dirty="0" smtClean="0"/>
-              <a:t> la </a:t>
-            </a:r>
-            <a:r>
-              <a:rPr lang="en-US" dirty="0" err="1" smtClean="0"/>
-              <a:t>lógica</a:t>
-            </a:r>
-            <a:r>
-              <a:rPr lang="en-US" dirty="0" smtClean="0"/>
-              <a:t> de frontend </a:t>
-            </a:r>
-            <a:r>
-              <a:rPr lang="en-US" dirty="0" err="1" smtClean="0"/>
-              <a:t>en</a:t>
-            </a:r>
-            <a:r>
-              <a:rPr lang="en-US" dirty="0" smtClean="0"/>
-              <a:t> </a:t>
-            </a:r>
-            <a:r>
-              <a:rPr lang="en-US" dirty="0" err="1" smtClean="0"/>
-              <a:t>los</a:t>
-            </a:r>
-            <a:r>
-              <a:rPr lang="en-US" dirty="0" smtClean="0"/>
-              <a:t> </a:t>
-            </a:r>
-            <a:r>
-              <a:rPr lang="en-US" dirty="0" err="1" smtClean="0"/>
               <a:t>archivos</a:t>
             </a:r>
             <a:r>
@@ -31589,6 +31574,13 @@
     <a:masterClrMapping/>
   </p:clrMapOvr>
   <p:transition/>
+  <p:timing>
+    <p:tnLst>
+      <p:par>
+        <p:cTn id="1" dur="indefinite" restart="never" nodeType="tmRoot"/>
+      </p:par>
+    </p:tnLst>
+  </p:timing>
 </p:sld>
 </file>
 
@@ -31644,6 +31636,13 @@
   <p:clrMapOvr>
     <a:masterClrMapping/>
   </p:clrMapOvr>
+  <p:timing>
+    <p:tnLst>
+      <p:par>
+        <p:cTn id="1" dur="indefinite" restart="never" nodeType="tmRoot"/>
+      </p:par>
+    </p:tnLst>
+  </p:timing>
 </p:sld>
 </file>
 
@@ -31699,6 +31698,13 @@
   <p:clrMapOvr>
     <a:masterClrMapping/>
   </p:clrMapOvr>
+  <p:timing>
+    <p:tnLst>
+      <p:par>
+        <p:cTn id="1" dur="indefinite" restart="never" nodeType="tmRoot"/>
+      </p:par>
+    </p:tnLst>
+  </p:timing>
 </p:sld>
 </file>
 
@@ -39181,6 +39187,13 @@
   <p:clrMapOvr>
     <a:masterClrMapping/>
   </p:clrMapOvr>
+  <p:timing>
+    <p:tnLst>
+      <p:par>
+        <p:cTn id="1" dur="indefinite" restart="never" nodeType="tmRoot"/>
+      </p:par>
+    </p:tnLst>
+  </p:timing>
 </p:sld>
 </file>
 
@@ -39510,6 +39523,13 @@
   <p:clrMapOvr>
     <a:masterClrMapping/>
   </p:clrMapOvr>
+  <p:timing>
+    <p:tnLst>
+      <p:par>
+        <p:cTn id="1" dur="indefinite" restart="never" nodeType="tmRoot"/>
+      </p:par>
+    </p:tnLst>
+  </p:timing>
 </p:sld>
 </file>
 
@@ -40410,6 +40430,15 @@
 </file>
 
 <file path=customXml/item1.xml><?xml version="1.0" encoding="utf-8"?>
+<?mso-contentType ?>
+<FormTemplates xmlns="http://schemas.microsoft.com/sharepoint/v3/contenttype/forms">
+  <Display>DocumentLibraryForm</Display>
+  <Edit>DocumentLibraryForm</Edit>
+  <New>DocumentLibraryForm</New>
+</FormTemplates>
+</file>
+
+<file path=customXml/item2.xml><?xml version="1.0" encoding="utf-8"?>
 <ct:contentTypeSchema xmlns:ct="http://schemas.microsoft.com/office/2006/metadata/contentType" xmlns:ma="http://schemas.microsoft.com/office/2006/metadata/properties/metaAttributes" ct:_="" ma:_="" ma:contentTypeName="Documento" ma:contentTypeID="0x0101003ADB8EEE65C30C46B0738F337B75258F" ma:contentTypeVersion="0" ma:contentTypeDescription="Crear nuevo documento." ma:contentTypeScope="" ma:versionID="7bfd305fe848610ec8ddd6cb2c162981">
   <xsd:schema xmlns:xsd="http://www.w3.org/2001/XMLSchema" xmlns:xs="http://www.w3.org/2001/XMLSchema" xmlns:p="http://schemas.microsoft.com/office/2006/metadata/properties" targetNamespace="http://schemas.microsoft.com/office/2006/metadata/properties" ma:root="true" ma:fieldsID="ebba8a198e9bb40c3eeca6d0bd41257a">
     <xsd:element name="properties">
@@ -40523,22 +40552,21 @@
 </ct:contentTypeSchema>
 </file>
 
-<file path=customXml/item2.xml><?xml version="1.0" encoding="utf-8"?>
+<file path=customXml/item3.xml><?xml version="1.0" encoding="utf-8"?>
 <p:properties xmlns:p="http://schemas.microsoft.com/office/2006/metadata/properties" xmlns:xsi="http://www.w3.org/2001/XMLSchema-instance" xmlns:pc="http://schemas.microsoft.com/office/infopath/2007/PartnerControls">
   <documentManagement/>
 </p:properties>
 </file>
 
-<file path=customXml/item3.xml><?xml version="1.0" encoding="utf-8"?>
-<?mso-contentType ?>
-<FormTemplates xmlns="http://schemas.microsoft.com/sharepoint/v3/contenttype/forms">
-  <Display>DocumentLibraryForm</Display>
-  <Edit>DocumentLibraryForm</Edit>
-  <New>DocumentLibraryForm</New>
-</FormTemplates>
+<file path=customXml/itemProps1.xml><?xml version="1.0" encoding="utf-8"?>
+<ds:datastoreItem xmlns:ds="http://schemas.openxmlformats.org/officeDocument/2006/customXml" ds:itemID="{EDBEB935-7F6F-426D-B200-B7CC03EB48A6}">
+  <ds:schemaRefs>
+    <ds:schemaRef ds:uri="http://schemas.microsoft.com/sharepoint/v3/contenttype/forms"/>
+  </ds:schemaRefs>
+</ds:datastoreItem>
 </file>
 
-<file path=customXml/itemProps1.xml><?xml version="1.0" encoding="utf-8"?>
+<file path=customXml/itemProps2.xml><?xml version="1.0" encoding="utf-8"?>
 <ds:datastoreItem xmlns:ds="http://schemas.openxmlformats.org/officeDocument/2006/customXml" ds:itemID="{B29A6B9D-DD38-4AD9-8569-FE55D7D21842}">
   <ds:schemaRefs>
     <ds:schemaRef ds:uri="http://schemas.microsoft.com/office/2006/metadata/contentType"/>
@@ -40554,19 +40582,11 @@
 </ds:datastoreItem>
 </file>
 
-<file path=customXml/itemProps2.xml><?xml version="1.0" encoding="utf-8"?>
+<file path=customXml/itemProps3.xml><?xml version="1.0" encoding="utf-8"?>
 <ds:datastoreItem xmlns:ds="http://schemas.openxmlformats.org/officeDocument/2006/customXml" ds:itemID="{9AB95CA3-6658-4A3E-BCCB-86304949D862}">
   <ds:schemaRefs>
     <ds:schemaRef ds:uri="http://schemas.microsoft.com/office/2006/metadata/properties"/>
     <ds:schemaRef ds:uri="http://schemas.microsoft.com/office/infopath/2007/PartnerControls"/>
   </ds:schemaRefs>
 </ds:datastoreItem>
-</file>
-
-<file path=customXml/itemProps3.xml><?xml version="1.0" encoding="utf-8"?>
-<ds:datastoreItem xmlns:ds="http://schemas.openxmlformats.org/officeDocument/2006/customXml" ds:itemID="{EDBEB935-7F6F-426D-B200-B7CC03EB48A6}">
-  <ds:schemaRefs>
-    <ds:schemaRef ds:uri="http://schemas.microsoft.com/sharepoint/v3/contenttype/forms"/>
-  </ds:schemaRefs>
-</ds:datastoreItem>
 </file>